--- a/Praxis/Identifying Inconsistencies and Incompleteness in Documents.pptx
+++ b/Praxis/Identifying Inconsistencies and Incompleteness in Documents.pptx
@@ -7,21 +7,22 @@
   <p:sldIdLst>
     <p:sldId id="256" r:id="rId2"/>
     <p:sldId id="272" r:id="rId3"/>
-    <p:sldId id="257" r:id="rId4"/>
-    <p:sldId id="261" r:id="rId5"/>
-    <p:sldId id="258" r:id="rId6"/>
-    <p:sldId id="259" r:id="rId7"/>
-    <p:sldId id="260" r:id="rId8"/>
-    <p:sldId id="270" r:id="rId9"/>
-    <p:sldId id="271" r:id="rId10"/>
-    <p:sldId id="264" r:id="rId11"/>
-    <p:sldId id="262" r:id="rId12"/>
-    <p:sldId id="265" r:id="rId13"/>
-    <p:sldId id="266" r:id="rId14"/>
-    <p:sldId id="263" r:id="rId15"/>
-    <p:sldId id="267" r:id="rId16"/>
-    <p:sldId id="268" r:id="rId17"/>
-    <p:sldId id="269" r:id="rId18"/>
+    <p:sldId id="273" r:id="rId4"/>
+    <p:sldId id="257" r:id="rId5"/>
+    <p:sldId id="261" r:id="rId6"/>
+    <p:sldId id="258" r:id="rId7"/>
+    <p:sldId id="259" r:id="rId8"/>
+    <p:sldId id="260" r:id="rId9"/>
+    <p:sldId id="270" r:id="rId10"/>
+    <p:sldId id="271" r:id="rId11"/>
+    <p:sldId id="264" r:id="rId12"/>
+    <p:sldId id="262" r:id="rId13"/>
+    <p:sldId id="265" r:id="rId14"/>
+    <p:sldId id="266" r:id="rId15"/>
+    <p:sldId id="263" r:id="rId16"/>
+    <p:sldId id="267" r:id="rId17"/>
+    <p:sldId id="268" r:id="rId18"/>
+    <p:sldId id="269" r:id="rId19"/>
   </p:sldIdLst>
   <p:sldSz cx="12192000" cy="6858000"/>
   <p:notesSz cx="6858000" cy="9144000"/>
@@ -15405,7 +15406,7 @@
           <a:p>
             <a:fld id="{84D0E6BA-C896-4F66-AC39-BCF86AB0AE0D}" type="datetimeFigureOut">
               <a:rPr lang="en-US" smtClean="0"/>
-              <a:t>8/31/2024</a:t>
+              <a:t>9/28/2024</a:t>
             </a:fld>
             <a:endParaRPr lang="en-US"/>
           </a:p>
@@ -15603,7 +15604,7 @@
           <a:p>
             <a:fld id="{84D0E6BA-C896-4F66-AC39-BCF86AB0AE0D}" type="datetimeFigureOut">
               <a:rPr lang="en-US" smtClean="0"/>
-              <a:t>8/31/2024</a:t>
+              <a:t>9/28/2024</a:t>
             </a:fld>
             <a:endParaRPr lang="en-US"/>
           </a:p>
@@ -15811,7 +15812,7 @@
           <a:p>
             <a:fld id="{84D0E6BA-C896-4F66-AC39-BCF86AB0AE0D}" type="datetimeFigureOut">
               <a:rPr lang="en-US" smtClean="0"/>
-              <a:t>8/31/2024</a:t>
+              <a:t>9/28/2024</a:t>
             </a:fld>
             <a:endParaRPr lang="en-US"/>
           </a:p>
@@ -16009,7 +16010,7 @@
           <a:p>
             <a:fld id="{84D0E6BA-C896-4F66-AC39-BCF86AB0AE0D}" type="datetimeFigureOut">
               <a:rPr lang="en-US" smtClean="0"/>
-              <a:t>8/31/2024</a:t>
+              <a:t>9/28/2024</a:t>
             </a:fld>
             <a:endParaRPr lang="en-US"/>
           </a:p>
@@ -16284,7 +16285,7 @@
           <a:p>
             <a:fld id="{84D0E6BA-C896-4F66-AC39-BCF86AB0AE0D}" type="datetimeFigureOut">
               <a:rPr lang="en-US" smtClean="0"/>
-              <a:t>8/31/2024</a:t>
+              <a:t>9/28/2024</a:t>
             </a:fld>
             <a:endParaRPr lang="en-US"/>
           </a:p>
@@ -16549,7 +16550,7 @@
           <a:p>
             <a:fld id="{84D0E6BA-C896-4F66-AC39-BCF86AB0AE0D}" type="datetimeFigureOut">
               <a:rPr lang="en-US" smtClean="0"/>
-              <a:t>8/31/2024</a:t>
+              <a:t>9/28/2024</a:t>
             </a:fld>
             <a:endParaRPr lang="en-US"/>
           </a:p>
@@ -16961,7 +16962,7 @@
           <a:p>
             <a:fld id="{84D0E6BA-C896-4F66-AC39-BCF86AB0AE0D}" type="datetimeFigureOut">
               <a:rPr lang="en-US" smtClean="0"/>
-              <a:t>8/31/2024</a:t>
+              <a:t>9/28/2024</a:t>
             </a:fld>
             <a:endParaRPr lang="en-US"/>
           </a:p>
@@ -17102,7 +17103,7 @@
           <a:p>
             <a:fld id="{84D0E6BA-C896-4F66-AC39-BCF86AB0AE0D}" type="datetimeFigureOut">
               <a:rPr lang="en-US" smtClean="0"/>
-              <a:t>8/31/2024</a:t>
+              <a:t>9/28/2024</a:t>
             </a:fld>
             <a:endParaRPr lang="en-US"/>
           </a:p>
@@ -17215,7 +17216,7 @@
           <a:p>
             <a:fld id="{84D0E6BA-C896-4F66-AC39-BCF86AB0AE0D}" type="datetimeFigureOut">
               <a:rPr lang="en-US" smtClean="0"/>
-              <a:t>8/31/2024</a:t>
+              <a:t>9/28/2024</a:t>
             </a:fld>
             <a:endParaRPr lang="en-US"/>
           </a:p>
@@ -17526,7 +17527,7 @@
           <a:p>
             <a:fld id="{84D0E6BA-C896-4F66-AC39-BCF86AB0AE0D}" type="datetimeFigureOut">
               <a:rPr lang="en-US" smtClean="0"/>
-              <a:t>8/31/2024</a:t>
+              <a:t>9/28/2024</a:t>
             </a:fld>
             <a:endParaRPr lang="en-US"/>
           </a:p>
@@ -17814,7 +17815,7 @@
           <a:p>
             <a:fld id="{84D0E6BA-C896-4F66-AC39-BCF86AB0AE0D}" type="datetimeFigureOut">
               <a:rPr lang="en-US" smtClean="0"/>
-              <a:t>8/31/2024</a:t>
+              <a:t>9/28/2024</a:t>
             </a:fld>
             <a:endParaRPr lang="en-US"/>
           </a:p>
@@ -18055,7 +18056,7 @@
           <a:p>
             <a:fld id="{84D0E6BA-C896-4F66-AC39-BCF86AB0AE0D}" type="datetimeFigureOut">
               <a:rPr lang="en-US" smtClean="0"/>
-              <a:t>8/31/2024</a:t>
+              <a:t>9/28/2024</a:t>
             </a:fld>
             <a:endParaRPr lang="en-US"/>
           </a:p>
@@ -18786,6 +18787,98 @@
 <file path=ppt/slides/slide10.xml><?xml version="1.0" encoding="utf-8"?>
 <p:sld xmlns:a="http://schemas.openxmlformats.org/drawingml/2006/main" xmlns:r="http://schemas.openxmlformats.org/officeDocument/2006/relationships" xmlns:p="http://schemas.openxmlformats.org/presentationml/2006/main">
   <p:cSld>
+    <p:spTree>
+      <p:nvGrpSpPr>
+        <p:cNvPr id="1" name=""/>
+        <p:cNvGrpSpPr/>
+        <p:nvPr/>
+      </p:nvGrpSpPr>
+      <p:grpSpPr>
+        <a:xfrm>
+          <a:off x="0" y="0"/>
+          <a:ext cx="0" cy="0"/>
+          <a:chOff x="0" y="0"/>
+          <a:chExt cx="0" cy="0"/>
+        </a:xfrm>
+      </p:grpSpPr>
+      <p:sp>
+        <p:nvSpPr>
+          <p:cNvPr id="2" name="Title 1">
+            <a:extLst>
+              <a:ext uri="{FF2B5EF4-FFF2-40B4-BE49-F238E27FC236}">
+                <a16:creationId xmlns:a16="http://schemas.microsoft.com/office/drawing/2014/main" id="{B5061241-A4E4-A66C-D88E-DE766FFDE28C}"/>
+              </a:ext>
+            </a:extLst>
+          </p:cNvPr>
+          <p:cNvSpPr>
+            <a:spLocks noGrp="1"/>
+          </p:cNvSpPr>
+          <p:nvPr>
+            <p:ph type="title"/>
+          </p:nvPr>
+        </p:nvSpPr>
+        <p:spPr/>
+        <p:txBody>
+          <a:bodyPr/>
+          <a:lstStyle/>
+          <a:p>
+            <a:r>
+              <a:rPr lang="en-US" dirty="0"/>
+              <a:t>Data</a:t>
+            </a:r>
+          </a:p>
+        </p:txBody>
+      </p:sp>
+      <p:sp>
+        <p:nvSpPr>
+          <p:cNvPr id="3" name="Content Placeholder 2">
+            <a:extLst>
+              <a:ext uri="{FF2B5EF4-FFF2-40B4-BE49-F238E27FC236}">
+                <a16:creationId xmlns:a16="http://schemas.microsoft.com/office/drawing/2014/main" id="{E00BCA1C-5A72-86D0-D976-4EDE754461B2}"/>
+              </a:ext>
+            </a:extLst>
+          </p:cNvPr>
+          <p:cNvSpPr>
+            <a:spLocks noGrp="1"/>
+          </p:cNvSpPr>
+          <p:nvPr>
+            <p:ph idx="1"/>
+          </p:nvPr>
+        </p:nvSpPr>
+        <p:spPr/>
+        <p:txBody>
+          <a:bodyPr/>
+          <a:lstStyle/>
+          <a:p>
+            <a:r>
+              <a:rPr lang="en-US" dirty="0"/>
+              <a:t>What data is needed for this?</a:t>
+            </a:r>
+          </a:p>
+          <a:p>
+            <a:r>
+              <a:rPr lang="en-US" dirty="0"/>
+              <a:t>How can I get the data?</a:t>
+            </a:r>
+          </a:p>
+        </p:txBody>
+      </p:sp>
+    </p:spTree>
+    <p:extLst>
+      <p:ext uri="{BB962C8B-B14F-4D97-AF65-F5344CB8AC3E}">
+        <p14:creationId xmlns:p14="http://schemas.microsoft.com/office/powerpoint/2010/main" val="3284099027"/>
+      </p:ext>
+    </p:extLst>
+  </p:cSld>
+  <p:clrMapOvr>
+    <a:masterClrMapping/>
+  </p:clrMapOvr>
+</p:sld>
+</file>
+
+<file path=ppt/slides/slide11.xml><?xml version="1.0" encoding="utf-8"?>
+<p:sld xmlns:a="http://schemas.openxmlformats.org/drawingml/2006/main" xmlns:r="http://schemas.openxmlformats.org/officeDocument/2006/relationships" xmlns:p="http://schemas.openxmlformats.org/presentationml/2006/main">
+  <p:cSld>
     <p:bg>
       <p:bgPr>
         <a:solidFill>
@@ -19014,7 +19107,7 @@
 </p:sld>
 </file>
 
-<file path=ppt/slides/slide11.xml><?xml version="1.0" encoding="utf-8"?>
+<file path=ppt/slides/slide12.xml><?xml version="1.0" encoding="utf-8"?>
 <p:sld xmlns:a="http://schemas.openxmlformats.org/drawingml/2006/main" xmlns:r="http://schemas.openxmlformats.org/officeDocument/2006/relationships" xmlns:p="http://schemas.openxmlformats.org/presentationml/2006/main">
   <p:cSld>
     <p:bg>
@@ -19245,7 +19338,7 @@
 </p:sld>
 </file>
 
-<file path=ppt/slides/slide12.xml><?xml version="1.0" encoding="utf-8"?>
+<file path=ppt/slides/slide13.xml><?xml version="1.0" encoding="utf-8"?>
 <p:sld xmlns:a="http://schemas.openxmlformats.org/drawingml/2006/main" xmlns:r="http://schemas.openxmlformats.org/officeDocument/2006/relationships" xmlns:p="http://schemas.openxmlformats.org/presentationml/2006/main">
   <p:cSld>
     <p:bg>
@@ -19408,7 +19501,7 @@
 </p:sld>
 </file>
 
-<file path=ppt/slides/slide13.xml><?xml version="1.0" encoding="utf-8"?>
+<file path=ppt/slides/slide14.xml><?xml version="1.0" encoding="utf-8"?>
 <p:sld xmlns:a="http://schemas.openxmlformats.org/drawingml/2006/main" xmlns:r="http://schemas.openxmlformats.org/officeDocument/2006/relationships" xmlns:p="http://schemas.openxmlformats.org/presentationml/2006/main">
   <p:cSld>
     <p:spTree>
@@ -19488,7 +19581,7 @@
 </p:sld>
 </file>
 
-<file path=ppt/slides/slide14.xml><?xml version="1.0" encoding="utf-8"?>
+<file path=ppt/slides/slide15.xml><?xml version="1.0" encoding="utf-8"?>
 <p:sld xmlns:a="http://schemas.openxmlformats.org/drawingml/2006/main" xmlns:r="http://schemas.openxmlformats.org/officeDocument/2006/relationships" xmlns:p="http://schemas.openxmlformats.org/presentationml/2006/main">
   <p:cSld>
     <p:spTree>
@@ -19571,7 +19664,7 @@
 </p:sld>
 </file>
 
-<file path=ppt/slides/slide15.xml><?xml version="1.0" encoding="utf-8"?>
+<file path=ppt/slides/slide16.xml><?xml version="1.0" encoding="utf-8"?>
 <p:sld xmlns:a="http://schemas.openxmlformats.org/drawingml/2006/main" xmlns:r="http://schemas.openxmlformats.org/officeDocument/2006/relationships" xmlns:p="http://schemas.openxmlformats.org/presentationml/2006/main">
   <p:cSld>
     <p:spTree>
@@ -22192,7 +22285,7 @@
 </p:sld>
 </file>
 
-<file path=ppt/slides/slide16.xml><?xml version="1.0" encoding="utf-8"?>
+<file path=ppt/slides/slide17.xml><?xml version="1.0" encoding="utf-8"?>
 <p:sld xmlns:a="http://schemas.openxmlformats.org/drawingml/2006/main" xmlns:r="http://schemas.openxmlformats.org/officeDocument/2006/relationships" xmlns:p="http://schemas.openxmlformats.org/presentationml/2006/main">
   <p:cSld>
     <p:spTree>
@@ -23311,7 +23404,7 @@
 </p:sld>
 </file>
 
-<file path=ppt/slides/slide17.xml><?xml version="1.0" encoding="utf-8"?>
+<file path=ppt/slides/slide18.xml><?xml version="1.0" encoding="utf-8"?>
 <p:sld xmlns:a="http://schemas.openxmlformats.org/drawingml/2006/main" xmlns:r="http://schemas.openxmlformats.org/officeDocument/2006/relationships" xmlns:p="http://schemas.openxmlformats.org/presentationml/2006/main">
   <p:cSld>
     <p:bg>
@@ -23669,6 +23762,98 @@
 </file>
 
 <file path=ppt/slides/slide3.xml><?xml version="1.0" encoding="utf-8"?>
+<p:sld xmlns:a="http://schemas.openxmlformats.org/drawingml/2006/main" xmlns:r="http://schemas.openxmlformats.org/officeDocument/2006/relationships" xmlns:p="http://schemas.openxmlformats.org/presentationml/2006/main">
+  <p:cSld>
+    <p:spTree>
+      <p:nvGrpSpPr>
+        <p:cNvPr id="1" name=""/>
+        <p:cNvGrpSpPr/>
+        <p:nvPr/>
+      </p:nvGrpSpPr>
+      <p:grpSpPr>
+        <a:xfrm>
+          <a:off x="0" y="0"/>
+          <a:ext cx="0" cy="0"/>
+          <a:chOff x="0" y="0"/>
+          <a:chExt cx="0" cy="0"/>
+        </a:xfrm>
+      </p:grpSpPr>
+      <p:sp>
+        <p:nvSpPr>
+          <p:cNvPr id="2" name="Title 1">
+            <a:extLst>
+              <a:ext uri="{FF2B5EF4-FFF2-40B4-BE49-F238E27FC236}">
+                <a16:creationId xmlns:a16="http://schemas.microsoft.com/office/drawing/2014/main" id="{A6FB31D3-DAF7-0DE4-16C3-21619D9CD988}"/>
+              </a:ext>
+            </a:extLst>
+          </p:cNvPr>
+          <p:cNvSpPr>
+            <a:spLocks noGrp="1"/>
+          </p:cNvSpPr>
+          <p:nvPr>
+            <p:ph type="title"/>
+          </p:nvPr>
+        </p:nvSpPr>
+        <p:spPr/>
+        <p:txBody>
+          <a:bodyPr/>
+          <a:lstStyle/>
+          <a:p>
+            <a:r>
+              <a:rPr lang="en-US" dirty="0"/>
+              <a:t>Principles</a:t>
+            </a:r>
+          </a:p>
+        </p:txBody>
+      </p:sp>
+      <p:sp>
+        <p:nvSpPr>
+          <p:cNvPr id="3" name="Content Placeholder 2">
+            <a:extLst>
+              <a:ext uri="{FF2B5EF4-FFF2-40B4-BE49-F238E27FC236}">
+                <a16:creationId xmlns:a16="http://schemas.microsoft.com/office/drawing/2014/main" id="{B35A9244-DFD2-80DD-1FC4-416C735B2226}"/>
+              </a:ext>
+            </a:extLst>
+          </p:cNvPr>
+          <p:cNvSpPr>
+            <a:spLocks noGrp="1"/>
+          </p:cNvSpPr>
+          <p:nvPr>
+            <p:ph idx="1"/>
+          </p:nvPr>
+        </p:nvSpPr>
+        <p:spPr/>
+        <p:txBody>
+          <a:bodyPr/>
+          <a:lstStyle/>
+          <a:p>
+            <a:r>
+              <a:rPr lang="en-US" dirty="0"/>
+              <a:t>Everything is in a Neural Network – no special memory or processing, except for input and output</a:t>
+            </a:r>
+          </a:p>
+          <a:p>
+            <a:r>
+              <a:rPr lang="en-US" dirty="0"/>
+              <a:t>Create specialized neural networks for specialized purposes</a:t>
+            </a:r>
+          </a:p>
+        </p:txBody>
+      </p:sp>
+    </p:spTree>
+    <p:extLst>
+      <p:ext uri="{BB962C8B-B14F-4D97-AF65-F5344CB8AC3E}">
+        <p14:creationId xmlns:p14="http://schemas.microsoft.com/office/powerpoint/2010/main" val="1479667383"/>
+      </p:ext>
+    </p:extLst>
+  </p:cSld>
+  <p:clrMapOvr>
+    <a:masterClrMapping/>
+  </p:clrMapOvr>
+</p:sld>
+</file>
+
+<file path=ppt/slides/slide4.xml><?xml version="1.0" encoding="utf-8"?>
 <p:sld xmlns:a="http://schemas.openxmlformats.org/drawingml/2006/main" xmlns:r="http://schemas.openxmlformats.org/officeDocument/2006/relationships" xmlns:p="http://schemas.openxmlformats.org/presentationml/2006/main">
   <p:cSld>
     <p:bg>
@@ -24910,6 +25095,115 @@
           </a:p>
         </p:txBody>
       </p:sp>
+      <p:sp>
+        <p:nvSpPr>
+          <p:cNvPr id="2" name="Oval 1">
+            <a:extLst>
+              <a:ext uri="{FF2B5EF4-FFF2-40B4-BE49-F238E27FC236}">
+                <a16:creationId xmlns:a16="http://schemas.microsoft.com/office/drawing/2014/main" id="{71CC6164-BD67-08A2-880E-AA70D92EF204}"/>
+              </a:ext>
+            </a:extLst>
+          </p:cNvPr>
+          <p:cNvSpPr/>
+          <p:nvPr/>
+        </p:nvSpPr>
+        <p:spPr>
+          <a:xfrm>
+            <a:off x="5216482" y="5285492"/>
+            <a:ext cx="1398385" cy="773731"/>
+          </a:xfrm>
+          <a:prstGeom prst="ellipse">
+            <a:avLst/>
+          </a:prstGeom>
+        </p:spPr>
+        <p:style>
+          <a:lnRef idx="2">
+            <a:schemeClr val="accent1">
+              <a:shade val="15000"/>
+            </a:schemeClr>
+          </a:lnRef>
+          <a:fillRef idx="1">
+            <a:schemeClr val="accent1"/>
+          </a:fillRef>
+          <a:effectRef idx="0">
+            <a:schemeClr val="accent1"/>
+          </a:effectRef>
+          <a:fontRef idx="minor">
+            <a:schemeClr val="lt1"/>
+          </a:fontRef>
+        </p:style>
+        <p:txBody>
+          <a:bodyPr rtlCol="0" anchor="ctr"/>
+          <a:lstStyle/>
+          <a:p>
+            <a:pPr algn="ctr" defTabSz="530352">
+              <a:spcAft>
+                <a:spcPts val="600"/>
+              </a:spcAft>
+            </a:pPr>
+            <a:r>
+              <a:rPr lang="en-US" sz="1044" kern="1200" dirty="0">
+                <a:solidFill>
+                  <a:schemeClr val="bg1"/>
+                </a:solidFill>
+                <a:latin typeface="+mn-lt"/>
+                <a:ea typeface="+mn-ea"/>
+                <a:cs typeface="+mn-cs"/>
+              </a:rPr>
+              <a:t>Local Database</a:t>
+            </a:r>
+            <a:endParaRPr lang="en-US" dirty="0">
+              <a:solidFill>
+                <a:schemeClr val="bg1"/>
+              </a:solidFill>
+            </a:endParaRPr>
+          </a:p>
+        </p:txBody>
+      </p:sp>
+      <p:cxnSp>
+        <p:nvCxnSpPr>
+          <p:cNvPr id="3" name="Straight Arrow Connector 2">
+            <a:extLst>
+              <a:ext uri="{FF2B5EF4-FFF2-40B4-BE49-F238E27FC236}">
+                <a16:creationId xmlns:a16="http://schemas.microsoft.com/office/drawing/2014/main" id="{5A24AB3B-B14B-1290-F8D8-B764DB568BE9}"/>
+              </a:ext>
+            </a:extLst>
+          </p:cNvPr>
+          <p:cNvCxnSpPr>
+            <a:cxnSpLocks/>
+            <a:stCxn id="5" idx="2"/>
+            <a:endCxn id="2" idx="0"/>
+          </p:cNvCxnSpPr>
+          <p:nvPr/>
+        </p:nvCxnSpPr>
+        <p:spPr>
+          <a:xfrm>
+            <a:off x="5870410" y="4555963"/>
+            <a:ext cx="45265" cy="729529"/>
+          </a:xfrm>
+          <a:prstGeom prst="straightConnector1">
+            <a:avLst/>
+          </a:prstGeom>
+          <a:ln>
+            <a:headEnd type="triangle"/>
+            <a:tailEnd type="triangle"/>
+          </a:ln>
+        </p:spPr>
+        <p:style>
+          <a:lnRef idx="2">
+            <a:schemeClr val="accent1"/>
+          </a:lnRef>
+          <a:fillRef idx="0">
+            <a:schemeClr val="accent1"/>
+          </a:fillRef>
+          <a:effectRef idx="1">
+            <a:schemeClr val="accent1"/>
+          </a:effectRef>
+          <a:fontRef idx="minor">
+            <a:schemeClr val="tx1"/>
+          </a:fontRef>
+        </p:style>
+      </p:cxnSp>
     </p:spTree>
     <p:extLst>
       <p:ext uri="{BB962C8B-B14F-4D97-AF65-F5344CB8AC3E}">
@@ -24923,7 +25217,7 @@
 </p:sld>
 </file>
 
-<file path=ppt/slides/slide4.xml><?xml version="1.0" encoding="utf-8"?>
+<file path=ppt/slides/slide5.xml><?xml version="1.0" encoding="utf-8"?>
 <p:sld xmlns:a="http://schemas.openxmlformats.org/drawingml/2006/main" xmlns:r="http://schemas.openxmlformats.org/officeDocument/2006/relationships" xmlns:p="http://schemas.openxmlformats.org/presentationml/2006/main">
   <p:cSld>
     <p:bg>
@@ -25117,7 +25411,7 @@
 </p:sld>
 </file>
 
-<file path=ppt/slides/slide5.xml><?xml version="1.0" encoding="utf-8"?>
+<file path=ppt/slides/slide6.xml><?xml version="1.0" encoding="utf-8"?>
 <p:sld xmlns:a="http://schemas.openxmlformats.org/drawingml/2006/main" xmlns:r="http://schemas.openxmlformats.org/officeDocument/2006/relationships" xmlns:p="http://schemas.openxmlformats.org/presentationml/2006/main">
   <p:cSld>
     <p:bg>
@@ -26598,6 +26892,49 @@
           </a:p>
         </p:txBody>
       </p:sp>
+      <p:cxnSp>
+        <p:nvCxnSpPr>
+          <p:cNvPr id="6" name="Connector: Elbow 5">
+            <a:extLst>
+              <a:ext uri="{FF2B5EF4-FFF2-40B4-BE49-F238E27FC236}">
+                <a16:creationId xmlns:a16="http://schemas.microsoft.com/office/drawing/2014/main" id="{A969B575-95FD-1CB8-2F77-AEFD48A96A1C}"/>
+              </a:ext>
+            </a:extLst>
+          </p:cNvPr>
+          <p:cNvCxnSpPr>
+            <a:cxnSpLocks/>
+            <a:stCxn id="3" idx="1"/>
+            <a:endCxn id="7" idx="7"/>
+          </p:cNvCxnSpPr>
+          <p:nvPr/>
+        </p:nvCxnSpPr>
+        <p:spPr>
+          <a:xfrm rot="10800000" flipV="1">
+            <a:off x="4486983" y="3646990"/>
+            <a:ext cx="777453" cy="1592976"/>
+          </a:xfrm>
+          <a:prstGeom prst="bentConnector2">
+            <a:avLst/>
+          </a:prstGeom>
+          <a:ln>
+            <a:tailEnd type="triangle"/>
+          </a:ln>
+        </p:spPr>
+        <p:style>
+          <a:lnRef idx="2">
+            <a:schemeClr val="accent1"/>
+          </a:lnRef>
+          <a:fillRef idx="0">
+            <a:schemeClr val="accent1"/>
+          </a:fillRef>
+          <a:effectRef idx="1">
+            <a:schemeClr val="accent1"/>
+          </a:effectRef>
+          <a:fontRef idx="minor">
+            <a:schemeClr val="tx1"/>
+          </a:fontRef>
+        </p:style>
+      </p:cxnSp>
     </p:spTree>
     <p:extLst>
       <p:ext uri="{BB962C8B-B14F-4D97-AF65-F5344CB8AC3E}">
@@ -26611,7 +26948,7 @@
 </p:sld>
 </file>
 
-<file path=ppt/slides/slide6.xml><?xml version="1.0" encoding="utf-8"?>
+<file path=ppt/slides/slide7.xml><?xml version="1.0" encoding="utf-8"?>
 <p:sld xmlns:a="http://schemas.openxmlformats.org/drawingml/2006/main" xmlns:r="http://schemas.openxmlformats.org/officeDocument/2006/relationships" xmlns:p="http://schemas.openxmlformats.org/presentationml/2006/main">
   <p:cSld>
     <p:bg>
@@ -26912,7 +27249,7 @@
 </p:sld>
 </file>
 
-<file path=ppt/slides/slide7.xml><?xml version="1.0" encoding="utf-8"?>
+<file path=ppt/slides/slide8.xml><?xml version="1.0" encoding="utf-8"?>
 <p:sld xmlns:a="http://schemas.openxmlformats.org/drawingml/2006/main" xmlns:r="http://schemas.openxmlformats.org/officeDocument/2006/relationships" xmlns:p="http://schemas.openxmlformats.org/presentationml/2006/main">
   <p:cSld>
     <p:bg>
@@ -27213,7 +27550,7 @@
 </p:sld>
 </file>
 
-<file path=ppt/slides/slide8.xml><?xml version="1.0" encoding="utf-8"?>
+<file path=ppt/slides/slide9.xml><?xml version="1.0" encoding="utf-8"?>
 <p:sld xmlns:a="http://schemas.openxmlformats.org/drawingml/2006/main" xmlns:r="http://schemas.openxmlformats.org/officeDocument/2006/relationships" xmlns:p="http://schemas.openxmlformats.org/presentationml/2006/main">
   <p:cSld>
     <p:spTree>
@@ -27308,98 +27645,6 @@
     <p:extLst>
       <p:ext uri="{BB962C8B-B14F-4D97-AF65-F5344CB8AC3E}">
         <p14:creationId xmlns:p14="http://schemas.microsoft.com/office/powerpoint/2010/main" val="989151812"/>
-      </p:ext>
-    </p:extLst>
-  </p:cSld>
-  <p:clrMapOvr>
-    <a:masterClrMapping/>
-  </p:clrMapOvr>
-</p:sld>
-</file>
-
-<file path=ppt/slides/slide9.xml><?xml version="1.0" encoding="utf-8"?>
-<p:sld xmlns:a="http://schemas.openxmlformats.org/drawingml/2006/main" xmlns:r="http://schemas.openxmlformats.org/officeDocument/2006/relationships" xmlns:p="http://schemas.openxmlformats.org/presentationml/2006/main">
-  <p:cSld>
-    <p:spTree>
-      <p:nvGrpSpPr>
-        <p:cNvPr id="1" name=""/>
-        <p:cNvGrpSpPr/>
-        <p:nvPr/>
-      </p:nvGrpSpPr>
-      <p:grpSpPr>
-        <a:xfrm>
-          <a:off x="0" y="0"/>
-          <a:ext cx="0" cy="0"/>
-          <a:chOff x="0" y="0"/>
-          <a:chExt cx="0" cy="0"/>
-        </a:xfrm>
-      </p:grpSpPr>
-      <p:sp>
-        <p:nvSpPr>
-          <p:cNvPr id="2" name="Title 1">
-            <a:extLst>
-              <a:ext uri="{FF2B5EF4-FFF2-40B4-BE49-F238E27FC236}">
-                <a16:creationId xmlns:a16="http://schemas.microsoft.com/office/drawing/2014/main" id="{B5061241-A4E4-A66C-D88E-DE766FFDE28C}"/>
-              </a:ext>
-            </a:extLst>
-          </p:cNvPr>
-          <p:cNvSpPr>
-            <a:spLocks noGrp="1"/>
-          </p:cNvSpPr>
-          <p:nvPr>
-            <p:ph type="title"/>
-          </p:nvPr>
-        </p:nvSpPr>
-        <p:spPr/>
-        <p:txBody>
-          <a:bodyPr/>
-          <a:lstStyle/>
-          <a:p>
-            <a:r>
-              <a:rPr lang="en-US" dirty="0"/>
-              <a:t>Data</a:t>
-            </a:r>
-          </a:p>
-        </p:txBody>
-      </p:sp>
-      <p:sp>
-        <p:nvSpPr>
-          <p:cNvPr id="3" name="Content Placeholder 2">
-            <a:extLst>
-              <a:ext uri="{FF2B5EF4-FFF2-40B4-BE49-F238E27FC236}">
-                <a16:creationId xmlns:a16="http://schemas.microsoft.com/office/drawing/2014/main" id="{E00BCA1C-5A72-86D0-D976-4EDE754461B2}"/>
-              </a:ext>
-            </a:extLst>
-          </p:cNvPr>
-          <p:cNvSpPr>
-            <a:spLocks noGrp="1"/>
-          </p:cNvSpPr>
-          <p:nvPr>
-            <p:ph idx="1"/>
-          </p:nvPr>
-        </p:nvSpPr>
-        <p:spPr/>
-        <p:txBody>
-          <a:bodyPr/>
-          <a:lstStyle/>
-          <a:p>
-            <a:r>
-              <a:rPr lang="en-US" dirty="0"/>
-              <a:t>What data is needed for this?</a:t>
-            </a:r>
-          </a:p>
-          <a:p>
-            <a:r>
-              <a:rPr lang="en-US" dirty="0"/>
-              <a:t>How can I get the data?</a:t>
-            </a:r>
-          </a:p>
-        </p:txBody>
-      </p:sp>
-    </p:spTree>
-    <p:extLst>
-      <p:ext uri="{BB962C8B-B14F-4D97-AF65-F5344CB8AC3E}">
-        <p14:creationId xmlns:p14="http://schemas.microsoft.com/office/powerpoint/2010/main" val="3284099027"/>
       </p:ext>
     </p:extLst>
   </p:cSld>

--- a/Praxis/Identifying Inconsistencies and Incompleteness in Documents.pptx
+++ b/Praxis/Identifying Inconsistencies and Incompleteness in Documents.pptx
@@ -7,22 +7,25 @@
   <p:sldIdLst>
     <p:sldId id="256" r:id="rId2"/>
     <p:sldId id="272" r:id="rId3"/>
-    <p:sldId id="273" r:id="rId4"/>
-    <p:sldId id="257" r:id="rId5"/>
-    <p:sldId id="261" r:id="rId6"/>
-    <p:sldId id="258" r:id="rId7"/>
-    <p:sldId id="259" r:id="rId8"/>
-    <p:sldId id="260" r:id="rId9"/>
-    <p:sldId id="270" r:id="rId10"/>
-    <p:sldId id="271" r:id="rId11"/>
-    <p:sldId id="264" r:id="rId12"/>
-    <p:sldId id="262" r:id="rId13"/>
-    <p:sldId id="265" r:id="rId14"/>
-    <p:sldId id="266" r:id="rId15"/>
-    <p:sldId id="263" r:id="rId16"/>
-    <p:sldId id="267" r:id="rId17"/>
-    <p:sldId id="268" r:id="rId18"/>
-    <p:sldId id="269" r:id="rId19"/>
+    <p:sldId id="276" r:id="rId4"/>
+    <p:sldId id="273" r:id="rId5"/>
+    <p:sldId id="257" r:id="rId6"/>
+    <p:sldId id="261" r:id="rId7"/>
+    <p:sldId id="258" r:id="rId8"/>
+    <p:sldId id="259" r:id="rId9"/>
+    <p:sldId id="260" r:id="rId10"/>
+    <p:sldId id="270" r:id="rId11"/>
+    <p:sldId id="271" r:id="rId12"/>
+    <p:sldId id="264" r:id="rId13"/>
+    <p:sldId id="262" r:id="rId14"/>
+    <p:sldId id="265" r:id="rId15"/>
+    <p:sldId id="266" r:id="rId16"/>
+    <p:sldId id="263" r:id="rId17"/>
+    <p:sldId id="267" r:id="rId18"/>
+    <p:sldId id="275" r:id="rId19"/>
+    <p:sldId id="274" r:id="rId20"/>
+    <p:sldId id="268" r:id="rId21"/>
+    <p:sldId id="269" r:id="rId22"/>
   </p:sldIdLst>
   <p:sldSz cx="12192000" cy="6858000"/>
   <p:notesSz cx="6858000" cy="9144000"/>
@@ -15406,7 +15409,7 @@
           <a:p>
             <a:fld id="{84D0E6BA-C896-4F66-AC39-BCF86AB0AE0D}" type="datetimeFigureOut">
               <a:rPr lang="en-US" smtClean="0"/>
-              <a:t>9/28/2024</a:t>
+              <a:t>12/1/2024</a:t>
             </a:fld>
             <a:endParaRPr lang="en-US"/>
           </a:p>
@@ -15604,7 +15607,7 @@
           <a:p>
             <a:fld id="{84D0E6BA-C896-4F66-AC39-BCF86AB0AE0D}" type="datetimeFigureOut">
               <a:rPr lang="en-US" smtClean="0"/>
-              <a:t>9/28/2024</a:t>
+              <a:t>12/1/2024</a:t>
             </a:fld>
             <a:endParaRPr lang="en-US"/>
           </a:p>
@@ -15812,7 +15815,7 @@
           <a:p>
             <a:fld id="{84D0E6BA-C896-4F66-AC39-BCF86AB0AE0D}" type="datetimeFigureOut">
               <a:rPr lang="en-US" smtClean="0"/>
-              <a:t>9/28/2024</a:t>
+              <a:t>12/1/2024</a:t>
             </a:fld>
             <a:endParaRPr lang="en-US"/>
           </a:p>
@@ -16010,7 +16013,7 @@
           <a:p>
             <a:fld id="{84D0E6BA-C896-4F66-AC39-BCF86AB0AE0D}" type="datetimeFigureOut">
               <a:rPr lang="en-US" smtClean="0"/>
-              <a:t>9/28/2024</a:t>
+              <a:t>12/1/2024</a:t>
             </a:fld>
             <a:endParaRPr lang="en-US"/>
           </a:p>
@@ -16285,7 +16288,7 @@
           <a:p>
             <a:fld id="{84D0E6BA-C896-4F66-AC39-BCF86AB0AE0D}" type="datetimeFigureOut">
               <a:rPr lang="en-US" smtClean="0"/>
-              <a:t>9/28/2024</a:t>
+              <a:t>12/1/2024</a:t>
             </a:fld>
             <a:endParaRPr lang="en-US"/>
           </a:p>
@@ -16550,7 +16553,7 @@
           <a:p>
             <a:fld id="{84D0E6BA-C896-4F66-AC39-BCF86AB0AE0D}" type="datetimeFigureOut">
               <a:rPr lang="en-US" smtClean="0"/>
-              <a:t>9/28/2024</a:t>
+              <a:t>12/1/2024</a:t>
             </a:fld>
             <a:endParaRPr lang="en-US"/>
           </a:p>
@@ -16962,7 +16965,7 @@
           <a:p>
             <a:fld id="{84D0E6BA-C896-4F66-AC39-BCF86AB0AE0D}" type="datetimeFigureOut">
               <a:rPr lang="en-US" smtClean="0"/>
-              <a:t>9/28/2024</a:t>
+              <a:t>12/1/2024</a:t>
             </a:fld>
             <a:endParaRPr lang="en-US"/>
           </a:p>
@@ -17103,7 +17106,7 @@
           <a:p>
             <a:fld id="{84D0E6BA-C896-4F66-AC39-BCF86AB0AE0D}" type="datetimeFigureOut">
               <a:rPr lang="en-US" smtClean="0"/>
-              <a:t>9/28/2024</a:t>
+              <a:t>12/1/2024</a:t>
             </a:fld>
             <a:endParaRPr lang="en-US"/>
           </a:p>
@@ -17216,7 +17219,7 @@
           <a:p>
             <a:fld id="{84D0E6BA-C896-4F66-AC39-BCF86AB0AE0D}" type="datetimeFigureOut">
               <a:rPr lang="en-US" smtClean="0"/>
-              <a:t>9/28/2024</a:t>
+              <a:t>12/1/2024</a:t>
             </a:fld>
             <a:endParaRPr lang="en-US"/>
           </a:p>
@@ -17527,7 +17530,7 @@
           <a:p>
             <a:fld id="{84D0E6BA-C896-4F66-AC39-BCF86AB0AE0D}" type="datetimeFigureOut">
               <a:rPr lang="en-US" smtClean="0"/>
-              <a:t>9/28/2024</a:t>
+              <a:t>12/1/2024</a:t>
             </a:fld>
             <a:endParaRPr lang="en-US"/>
           </a:p>
@@ -17815,7 +17818,7 @@
           <a:p>
             <a:fld id="{84D0E6BA-C896-4F66-AC39-BCF86AB0AE0D}" type="datetimeFigureOut">
               <a:rPr lang="en-US" smtClean="0"/>
-              <a:t>9/28/2024</a:t>
+              <a:t>12/1/2024</a:t>
             </a:fld>
             <a:endParaRPr lang="en-US"/>
           </a:p>
@@ -18056,7 +18059,7 @@
           <a:p>
             <a:fld id="{84D0E6BA-C896-4F66-AC39-BCF86AB0AE0D}" type="datetimeFigureOut">
               <a:rPr lang="en-US" smtClean="0"/>
-              <a:t>9/28/2024</a:t>
+              <a:t>12/1/2024</a:t>
             </a:fld>
             <a:endParaRPr lang="en-US"/>
           </a:p>
@@ -18806,6 +18809,110 @@
           <p:cNvPr id="2" name="Title 1">
             <a:extLst>
               <a:ext uri="{FF2B5EF4-FFF2-40B4-BE49-F238E27FC236}">
+                <a16:creationId xmlns:a16="http://schemas.microsoft.com/office/drawing/2014/main" id="{05518600-07C4-C530-AB14-CFA7F5F61D44}"/>
+              </a:ext>
+            </a:extLst>
+          </p:cNvPr>
+          <p:cNvSpPr>
+            <a:spLocks noGrp="1"/>
+          </p:cNvSpPr>
+          <p:nvPr>
+            <p:ph type="title"/>
+          </p:nvPr>
+        </p:nvSpPr>
+        <p:spPr/>
+        <p:txBody>
+          <a:bodyPr/>
+          <a:lstStyle/>
+          <a:p>
+            <a:r>
+              <a:rPr lang="en-US" dirty="0"/>
+              <a:t>Why this architecture?</a:t>
+            </a:r>
+          </a:p>
+        </p:txBody>
+      </p:sp>
+      <p:sp>
+        <p:nvSpPr>
+          <p:cNvPr id="3" name="Content Placeholder 2">
+            <a:extLst>
+              <a:ext uri="{FF2B5EF4-FFF2-40B4-BE49-F238E27FC236}">
+                <a16:creationId xmlns:a16="http://schemas.microsoft.com/office/drawing/2014/main" id="{731D0C80-1F98-6308-71C6-A4C594871B14}"/>
+              </a:ext>
+            </a:extLst>
+          </p:cNvPr>
+          <p:cNvSpPr>
+            <a:spLocks noGrp="1"/>
+          </p:cNvSpPr>
+          <p:nvPr>
+            <p:ph idx="1"/>
+          </p:nvPr>
+        </p:nvSpPr>
+        <p:spPr/>
+        <p:txBody>
+          <a:bodyPr/>
+          <a:lstStyle/>
+          <a:p>
+            <a:r>
+              <a:rPr lang="en-US" dirty="0"/>
+              <a:t>Ability to assimilate new knowledge.</a:t>
+            </a:r>
+          </a:p>
+          <a:p>
+            <a:r>
+              <a:rPr lang="en-US" dirty="0"/>
+              <a:t>Ability to explain which memories were used to develop a response.</a:t>
+            </a:r>
+          </a:p>
+          <a:p>
+            <a:r>
+              <a:rPr lang="en-US" dirty="0"/>
+              <a:t>Ability to hold a conversation.</a:t>
+            </a:r>
+          </a:p>
+          <a:p>
+            <a:r>
+              <a:rPr lang="en-US" dirty="0"/>
+              <a:t>To have goals (in this case, know what slots can be in a frame and the percentage they are used, drives a goal to fill slots)</a:t>
+            </a:r>
+          </a:p>
+        </p:txBody>
+      </p:sp>
+    </p:spTree>
+    <p:extLst>
+      <p:ext uri="{BB962C8B-B14F-4D97-AF65-F5344CB8AC3E}">
+        <p14:creationId xmlns:p14="http://schemas.microsoft.com/office/powerpoint/2010/main" val="989151812"/>
+      </p:ext>
+    </p:extLst>
+  </p:cSld>
+  <p:clrMapOvr>
+    <a:masterClrMapping/>
+  </p:clrMapOvr>
+</p:sld>
+</file>
+
+<file path=ppt/slides/slide11.xml><?xml version="1.0" encoding="utf-8"?>
+<p:sld xmlns:a="http://schemas.openxmlformats.org/drawingml/2006/main" xmlns:r="http://schemas.openxmlformats.org/officeDocument/2006/relationships" xmlns:p="http://schemas.openxmlformats.org/presentationml/2006/main">
+  <p:cSld>
+    <p:spTree>
+      <p:nvGrpSpPr>
+        <p:cNvPr id="1" name=""/>
+        <p:cNvGrpSpPr/>
+        <p:nvPr/>
+      </p:nvGrpSpPr>
+      <p:grpSpPr>
+        <a:xfrm>
+          <a:off x="0" y="0"/>
+          <a:ext cx="0" cy="0"/>
+          <a:chOff x="0" y="0"/>
+          <a:chExt cx="0" cy="0"/>
+        </a:xfrm>
+      </p:grpSpPr>
+      <p:sp>
+        <p:nvSpPr>
+          <p:cNvPr id="2" name="Title 1">
+            <a:extLst>
+              <a:ext uri="{FF2B5EF4-FFF2-40B4-BE49-F238E27FC236}">
                 <a16:creationId xmlns:a16="http://schemas.microsoft.com/office/drawing/2014/main" id="{B5061241-A4E4-A66C-D88E-DE766FFDE28C}"/>
               </a:ext>
             </a:extLst>
@@ -18876,7 +18983,7 @@
 </p:sld>
 </file>
 
-<file path=ppt/slides/slide11.xml><?xml version="1.0" encoding="utf-8"?>
+<file path=ppt/slides/slide12.xml><?xml version="1.0" encoding="utf-8"?>
 <p:sld xmlns:a="http://schemas.openxmlformats.org/drawingml/2006/main" xmlns:r="http://schemas.openxmlformats.org/officeDocument/2006/relationships" xmlns:p="http://schemas.openxmlformats.org/presentationml/2006/main">
   <p:cSld>
     <p:bg>
@@ -19107,7 +19214,7 @@
 </p:sld>
 </file>
 
-<file path=ppt/slides/slide12.xml><?xml version="1.0" encoding="utf-8"?>
+<file path=ppt/slides/slide13.xml><?xml version="1.0" encoding="utf-8"?>
 <p:sld xmlns:a="http://schemas.openxmlformats.org/drawingml/2006/main" xmlns:r="http://schemas.openxmlformats.org/officeDocument/2006/relationships" xmlns:p="http://schemas.openxmlformats.org/presentationml/2006/main">
   <p:cSld>
     <p:bg>
@@ -19338,7 +19445,7 @@
 </p:sld>
 </file>
 
-<file path=ppt/slides/slide13.xml><?xml version="1.0" encoding="utf-8"?>
+<file path=ppt/slides/slide14.xml><?xml version="1.0" encoding="utf-8"?>
 <p:sld xmlns:a="http://schemas.openxmlformats.org/drawingml/2006/main" xmlns:r="http://schemas.openxmlformats.org/officeDocument/2006/relationships" xmlns:p="http://schemas.openxmlformats.org/presentationml/2006/main">
   <p:cSld>
     <p:bg>
@@ -19501,86 +19608,6 @@
 </p:sld>
 </file>
 
-<file path=ppt/slides/slide14.xml><?xml version="1.0" encoding="utf-8"?>
-<p:sld xmlns:a="http://schemas.openxmlformats.org/drawingml/2006/main" xmlns:r="http://schemas.openxmlformats.org/officeDocument/2006/relationships" xmlns:p="http://schemas.openxmlformats.org/presentationml/2006/main">
-  <p:cSld>
-    <p:spTree>
-      <p:nvGrpSpPr>
-        <p:cNvPr id="1" name=""/>
-        <p:cNvGrpSpPr/>
-        <p:nvPr/>
-      </p:nvGrpSpPr>
-      <p:grpSpPr>
-        <a:xfrm>
-          <a:off x="0" y="0"/>
-          <a:ext cx="0" cy="0"/>
-          <a:chOff x="0" y="0"/>
-          <a:chExt cx="0" cy="0"/>
-        </a:xfrm>
-      </p:grpSpPr>
-      <p:sp>
-        <p:nvSpPr>
-          <p:cNvPr id="2" name="Title 1">
-            <a:extLst>
-              <a:ext uri="{FF2B5EF4-FFF2-40B4-BE49-F238E27FC236}">
-                <a16:creationId xmlns:a16="http://schemas.microsoft.com/office/drawing/2014/main" id="{0780F207-9D38-1BD6-F0A1-578B86592C3E}"/>
-              </a:ext>
-            </a:extLst>
-          </p:cNvPr>
-          <p:cNvSpPr>
-            <a:spLocks noGrp="1"/>
-          </p:cNvSpPr>
-          <p:nvPr>
-            <p:ph type="title"/>
-          </p:nvPr>
-        </p:nvSpPr>
-        <p:spPr/>
-        <p:txBody>
-          <a:bodyPr/>
-          <a:lstStyle/>
-          <a:p>
-            <a:endParaRPr lang="en-US"/>
-          </a:p>
-        </p:txBody>
-      </p:sp>
-      <p:sp>
-        <p:nvSpPr>
-          <p:cNvPr id="3" name="Content Placeholder 2">
-            <a:extLst>
-              <a:ext uri="{FF2B5EF4-FFF2-40B4-BE49-F238E27FC236}">
-                <a16:creationId xmlns:a16="http://schemas.microsoft.com/office/drawing/2014/main" id="{7FC74A02-84B2-660E-EC6E-6C130A296C35}"/>
-              </a:ext>
-            </a:extLst>
-          </p:cNvPr>
-          <p:cNvSpPr>
-            <a:spLocks noGrp="1"/>
-          </p:cNvSpPr>
-          <p:nvPr>
-            <p:ph idx="1"/>
-          </p:nvPr>
-        </p:nvSpPr>
-        <p:spPr/>
-        <p:txBody>
-          <a:bodyPr/>
-          <a:lstStyle/>
-          <a:p>
-            <a:endParaRPr lang="en-US"/>
-          </a:p>
-        </p:txBody>
-      </p:sp>
-    </p:spTree>
-    <p:extLst>
-      <p:ext uri="{BB962C8B-B14F-4D97-AF65-F5344CB8AC3E}">
-        <p14:creationId xmlns:p14="http://schemas.microsoft.com/office/powerpoint/2010/main" val="3249676951"/>
-      </p:ext>
-    </p:extLst>
-  </p:cSld>
-  <p:clrMapOvr>
-    <a:masterClrMapping/>
-  </p:clrMapOvr>
-</p:sld>
-</file>
-
 <file path=ppt/slides/slide15.xml><?xml version="1.0" encoding="utf-8"?>
 <p:sld xmlns:a="http://schemas.openxmlformats.org/drawingml/2006/main" xmlns:r="http://schemas.openxmlformats.org/officeDocument/2006/relationships" xmlns:p="http://schemas.openxmlformats.org/presentationml/2006/main">
   <p:cSld>
@@ -19603,7 +19630,7 @@
           <p:cNvPr id="2" name="Title 1">
             <a:extLst>
               <a:ext uri="{FF2B5EF4-FFF2-40B4-BE49-F238E27FC236}">
-                <a16:creationId xmlns:a16="http://schemas.microsoft.com/office/drawing/2014/main" id="{21D3D3C1-8741-2040-5B6D-3F3BC7984421}"/>
+                <a16:creationId xmlns:a16="http://schemas.microsoft.com/office/drawing/2014/main" id="{0780F207-9D38-1BD6-F0A1-578B86592C3E}"/>
               </a:ext>
             </a:extLst>
           </p:cNvPr>
@@ -19619,10 +19646,7 @@
           <a:bodyPr/>
           <a:lstStyle/>
           <a:p>
-            <a:r>
-              <a:rPr lang="en-US" dirty="0"/>
-              <a:t>How do we from memories in Neural Networks</a:t>
-            </a:r>
+            <a:endParaRPr lang="en-US"/>
           </a:p>
         </p:txBody>
       </p:sp>
@@ -19631,7 +19655,7 @@
           <p:cNvPr id="3" name="Content Placeholder 2">
             <a:extLst>
               <a:ext uri="{FF2B5EF4-FFF2-40B4-BE49-F238E27FC236}">
-                <a16:creationId xmlns:a16="http://schemas.microsoft.com/office/drawing/2014/main" id="{13D4D1A8-1200-7706-93DE-E76F3CD86C13}"/>
+                <a16:creationId xmlns:a16="http://schemas.microsoft.com/office/drawing/2014/main" id="{7FC74A02-84B2-660E-EC6E-6C130A296C35}"/>
               </a:ext>
             </a:extLst>
           </p:cNvPr>
@@ -19654,7 +19678,7 @@
     </p:spTree>
     <p:extLst>
       <p:ext uri="{BB962C8B-B14F-4D97-AF65-F5344CB8AC3E}">
-        <p14:creationId xmlns:p14="http://schemas.microsoft.com/office/powerpoint/2010/main" val="1251944217"/>
+        <p14:creationId xmlns:p14="http://schemas.microsoft.com/office/powerpoint/2010/main" val="3249676951"/>
       </p:ext>
     </p:extLst>
   </p:cSld>
@@ -19686,6 +19710,167 @@
           <p:cNvPr id="2" name="Title 1">
             <a:extLst>
               <a:ext uri="{FF2B5EF4-FFF2-40B4-BE49-F238E27FC236}">
+                <a16:creationId xmlns:a16="http://schemas.microsoft.com/office/drawing/2014/main" id="{21D3D3C1-8741-2040-5B6D-3F3BC7984421}"/>
+              </a:ext>
+            </a:extLst>
+          </p:cNvPr>
+          <p:cNvSpPr>
+            <a:spLocks noGrp="1"/>
+          </p:cNvSpPr>
+          <p:nvPr>
+            <p:ph type="title"/>
+          </p:nvPr>
+        </p:nvSpPr>
+        <p:spPr/>
+        <p:txBody>
+          <a:bodyPr/>
+          <a:lstStyle/>
+          <a:p>
+            <a:r>
+              <a:rPr lang="en-US" dirty="0"/>
+              <a:t>How do we form memories in Neural Networks</a:t>
+            </a:r>
+          </a:p>
+        </p:txBody>
+      </p:sp>
+      <p:sp>
+        <p:nvSpPr>
+          <p:cNvPr id="3" name="Content Placeholder 2">
+            <a:extLst>
+              <a:ext uri="{FF2B5EF4-FFF2-40B4-BE49-F238E27FC236}">
+                <a16:creationId xmlns:a16="http://schemas.microsoft.com/office/drawing/2014/main" id="{13D4D1A8-1200-7706-93DE-E76F3CD86C13}"/>
+              </a:ext>
+            </a:extLst>
+          </p:cNvPr>
+          <p:cNvSpPr>
+            <a:spLocks noGrp="1"/>
+          </p:cNvSpPr>
+          <p:nvPr>
+            <p:ph idx="1"/>
+          </p:nvPr>
+        </p:nvSpPr>
+        <p:spPr/>
+        <p:txBody>
+          <a:bodyPr>
+            <a:normAutofit fontScale="85000" lnSpcReduction="20000"/>
+          </a:bodyPr>
+          <a:lstStyle/>
+          <a:p>
+            <a:r>
+              <a:rPr lang="en-US" dirty="0"/>
+              <a:t>Is a GNN the answer?</a:t>
+            </a:r>
+          </a:p>
+          <a:p>
+            <a:r>
+              <a:rPr lang="en-US" dirty="0"/>
+              <a:t>We could label the edges</a:t>
+            </a:r>
+          </a:p>
+          <a:p>
+            <a:pPr lvl="1"/>
+            <a:r>
+              <a:rPr lang="en-US" dirty="0"/>
+              <a:t>Slot</a:t>
+            </a:r>
+          </a:p>
+          <a:p>
+            <a:pPr lvl="1"/>
+            <a:r>
+              <a:rPr lang="en-US" dirty="0"/>
+              <a:t>Slot – Input</a:t>
+            </a:r>
+          </a:p>
+          <a:p>
+            <a:pPr lvl="1"/>
+            <a:r>
+              <a:rPr lang="en-US" dirty="0"/>
+              <a:t>Slot – Output</a:t>
+            </a:r>
+          </a:p>
+          <a:p>
+            <a:pPr lvl="1"/>
+            <a:r>
+              <a:rPr lang="en-US" dirty="0"/>
+              <a:t>Slot – Frame</a:t>
+            </a:r>
+          </a:p>
+          <a:p>
+            <a:pPr lvl="1"/>
+            <a:r>
+              <a:rPr lang="en-US" dirty="0"/>
+              <a:t>Slot – Value</a:t>
+            </a:r>
+          </a:p>
+          <a:p>
+            <a:pPr lvl="1"/>
+            <a:r>
+              <a:rPr lang="en-US" dirty="0"/>
+              <a:t>Slot – Parent Type</a:t>
+            </a:r>
+          </a:p>
+          <a:p>
+            <a:pPr lvl="1"/>
+            <a:r>
+              <a:rPr lang="en-US" dirty="0"/>
+              <a:t>Slot – Name</a:t>
+            </a:r>
+          </a:p>
+          <a:p>
+            <a:r>
+              <a:rPr lang="en-US" dirty="0"/>
+              <a:t>How do we train a NN to convert text to Frames and Slots in a GNN?</a:t>
+            </a:r>
+          </a:p>
+          <a:p>
+            <a:r>
+              <a:rPr lang="en-US" dirty="0"/>
+              <a:t>How do we train a NN to improve Frames and Slots in a GNN?</a:t>
+            </a:r>
+          </a:p>
+          <a:p>
+            <a:r>
+              <a:rPr lang="en-US" dirty="0"/>
+              <a:t>How do we train a NN to identify inconsistency and incompleteness in Frames and Slots in a GNN?</a:t>
+            </a:r>
+          </a:p>
+        </p:txBody>
+      </p:sp>
+    </p:spTree>
+    <p:extLst>
+      <p:ext uri="{BB962C8B-B14F-4D97-AF65-F5344CB8AC3E}">
+        <p14:creationId xmlns:p14="http://schemas.microsoft.com/office/powerpoint/2010/main" val="1251944217"/>
+      </p:ext>
+    </p:extLst>
+  </p:cSld>
+  <p:clrMapOvr>
+    <a:masterClrMapping/>
+  </p:clrMapOvr>
+</p:sld>
+</file>
+
+<file path=ppt/slides/slide17.xml><?xml version="1.0" encoding="utf-8"?>
+<p:sld xmlns:a="http://schemas.openxmlformats.org/drawingml/2006/main" xmlns:r="http://schemas.openxmlformats.org/officeDocument/2006/relationships" xmlns:p="http://schemas.openxmlformats.org/presentationml/2006/main">
+  <p:cSld>
+    <p:spTree>
+      <p:nvGrpSpPr>
+        <p:cNvPr id="1" name=""/>
+        <p:cNvGrpSpPr/>
+        <p:nvPr/>
+      </p:nvGrpSpPr>
+      <p:grpSpPr>
+        <a:xfrm>
+          <a:off x="0" y="0"/>
+          <a:ext cx="0" cy="0"/>
+          <a:chOff x="0" y="0"/>
+          <a:chExt cx="0" cy="0"/>
+        </a:xfrm>
+      </p:grpSpPr>
+      <p:sp>
+        <p:nvSpPr>
+          <p:cNvPr id="2" name="Title 1">
+            <a:extLst>
+              <a:ext uri="{FF2B5EF4-FFF2-40B4-BE49-F238E27FC236}">
                 <a16:creationId xmlns:a16="http://schemas.microsoft.com/office/drawing/2014/main" id="{43615746-5A25-2B6C-981F-EEA932481FFA}"/>
               </a:ext>
             </a:extLst>
@@ -19895,41 +20080,6 @@
       </p:sp>
       <p:sp>
         <p:nvSpPr>
-          <p:cNvPr id="11" name="TextBox 10">
-            <a:extLst>
-              <a:ext uri="{FF2B5EF4-FFF2-40B4-BE49-F238E27FC236}">
-                <a16:creationId xmlns:a16="http://schemas.microsoft.com/office/drawing/2014/main" id="{F2AB5216-2ADE-A973-1C6B-BFF832AE8FC2}"/>
-              </a:ext>
-            </a:extLst>
-          </p:cNvPr>
-          <p:cNvSpPr txBox="1"/>
-          <p:nvPr/>
-        </p:nvSpPr>
-        <p:spPr>
-          <a:xfrm>
-            <a:off x="6182984" y="4505098"/>
-            <a:ext cx="314510" cy="369332"/>
-          </a:xfrm>
-          <a:prstGeom prst="rect">
-            <a:avLst/>
-          </a:prstGeom>
-          <a:noFill/>
-        </p:spPr>
-        <p:txBody>
-          <a:bodyPr wrap="none" rtlCol="0">
-            <a:spAutoFit/>
-          </a:bodyPr>
-          <a:lstStyle/>
-          <a:p>
-            <a:r>
-              <a:rPr lang="en-US" dirty="0"/>
-              <a:t>b</a:t>
-            </a:r>
-          </a:p>
-        </p:txBody>
-      </p:sp>
-      <p:sp>
-        <p:nvSpPr>
           <p:cNvPr id="12" name="Rectangle: Rounded Corners 11">
             <a:extLst>
               <a:ext uri="{FF2B5EF4-FFF2-40B4-BE49-F238E27FC236}">
@@ -19971,41 +20121,6 @@
           <a:p>
             <a:pPr algn="ctr"/>
             <a:endParaRPr lang="en-US"/>
-          </a:p>
-        </p:txBody>
-      </p:sp>
-      <p:sp>
-        <p:nvSpPr>
-          <p:cNvPr id="13" name="TextBox 12">
-            <a:extLst>
-              <a:ext uri="{FF2B5EF4-FFF2-40B4-BE49-F238E27FC236}">
-                <a16:creationId xmlns:a16="http://schemas.microsoft.com/office/drawing/2014/main" id="{F2EF6368-1957-EAC6-3913-7F05AA691CB8}"/>
-              </a:ext>
-            </a:extLst>
-          </p:cNvPr>
-          <p:cNvSpPr txBox="1"/>
-          <p:nvPr/>
-        </p:nvSpPr>
-        <p:spPr>
-          <a:xfrm>
-            <a:off x="8310488" y="4505098"/>
-            <a:ext cx="296876" cy="369332"/>
-          </a:xfrm>
-          <a:prstGeom prst="rect">
-            <a:avLst/>
-          </a:prstGeom>
-          <a:noFill/>
-        </p:spPr>
-        <p:txBody>
-          <a:bodyPr wrap="none" rtlCol="0">
-            <a:spAutoFit/>
-          </a:bodyPr>
-          <a:lstStyle/>
-          <a:p>
-            <a:r>
-              <a:rPr lang="en-US" dirty="0"/>
-              <a:t>g</a:t>
-            </a:r>
           </a:p>
         </p:txBody>
       </p:sp>
@@ -20753,7 +20868,7 @@
           <a:prstGeom prst="bentConnector4">
             <a:avLst>
               <a:gd name="adj1" fmla="val -8333"/>
-              <a:gd name="adj2" fmla="val 54596"/>
+              <a:gd name="adj2" fmla="val 70006"/>
             </a:avLst>
           </a:prstGeom>
           <a:ln>
@@ -20802,7 +20917,7 @@
           <a:prstGeom prst="bentConnector4">
             <a:avLst>
               <a:gd name="adj1" fmla="val -4710"/>
-              <a:gd name="adj2" fmla="val 54564"/>
+              <a:gd name="adj2" fmla="val 78909"/>
             </a:avLst>
           </a:prstGeom>
           <a:ln>
@@ -21482,7 +21597,7 @@
         <p:spPr>
           <a:xfrm>
             <a:off x="6839712" y="365125"/>
-            <a:ext cx="4754880" cy="2862322"/>
+            <a:ext cx="4754880" cy="3139321"/>
           </a:xfrm>
           <a:prstGeom prst="rect">
             <a:avLst/>
@@ -21547,7 +21662,7 @@
             </a:pPr>
             <a:r>
               <a:rPr lang="en-US" dirty="0"/>
-              <a:t>The Letter frame instances have an INPUT slot and an OUTPUT slot..</a:t>
+              <a:t>The Letter frame instances have one or more INPUT slots and one or more OUTPUT slots</a:t>
             </a:r>
           </a:p>
         </p:txBody>
@@ -22285,7 +22400,5314 @@
 </p:sld>
 </file>
 
-<file path=ppt/slides/slide17.xml><?xml version="1.0" encoding="utf-8"?>
+<file path=ppt/slides/slide18.xml><?xml version="1.0" encoding="utf-8"?>
+<p:sld xmlns:a="http://schemas.openxmlformats.org/drawingml/2006/main" xmlns:r="http://schemas.openxmlformats.org/officeDocument/2006/relationships" xmlns:p="http://schemas.openxmlformats.org/presentationml/2006/main">
+  <p:cSld>
+    <p:spTree>
+      <p:nvGrpSpPr>
+        <p:cNvPr id="1" name="">
+          <a:extLst>
+            <a:ext uri="{FF2B5EF4-FFF2-40B4-BE49-F238E27FC236}">
+              <a16:creationId xmlns:a16="http://schemas.microsoft.com/office/drawing/2014/main" id="{13482AF5-23A9-B8F4-9C79-F99E9232DE2A}"/>
+            </a:ext>
+          </a:extLst>
+        </p:cNvPr>
+        <p:cNvGrpSpPr/>
+        <p:nvPr/>
+      </p:nvGrpSpPr>
+      <p:grpSpPr>
+        <a:xfrm>
+          <a:off x="0" y="0"/>
+          <a:ext cx="0" cy="0"/>
+          <a:chOff x="0" y="0"/>
+          <a:chExt cx="0" cy="0"/>
+        </a:xfrm>
+      </p:grpSpPr>
+      <p:sp>
+        <p:nvSpPr>
+          <p:cNvPr id="2" name="Title 1">
+            <a:extLst>
+              <a:ext uri="{FF2B5EF4-FFF2-40B4-BE49-F238E27FC236}">
+                <a16:creationId xmlns:a16="http://schemas.microsoft.com/office/drawing/2014/main" id="{C7A6F4BE-E955-6E58-61D4-309607087824}"/>
+              </a:ext>
+            </a:extLst>
+          </p:cNvPr>
+          <p:cNvSpPr>
+            <a:spLocks noGrp="1"/>
+          </p:cNvSpPr>
+          <p:nvPr>
+            <p:ph type="title"/>
+          </p:nvPr>
+        </p:nvSpPr>
+        <p:spPr/>
+        <p:txBody>
+          <a:bodyPr/>
+          <a:lstStyle/>
+          <a:p>
+            <a:r>
+              <a:rPr lang="en-US" dirty="0"/>
+              <a:t>Frame Example</a:t>
+            </a:r>
+          </a:p>
+        </p:txBody>
+      </p:sp>
+      <p:sp>
+        <p:nvSpPr>
+          <p:cNvPr id="4" name="Rectangle: Rounded Corners 3">
+            <a:extLst>
+              <a:ext uri="{FF2B5EF4-FFF2-40B4-BE49-F238E27FC236}">
+                <a16:creationId xmlns:a16="http://schemas.microsoft.com/office/drawing/2014/main" id="{75C1EE8F-F1A8-567B-B3A4-25E887DB8CAE}"/>
+              </a:ext>
+            </a:extLst>
+          </p:cNvPr>
+          <p:cNvSpPr/>
+          <p:nvPr/>
+        </p:nvSpPr>
+        <p:spPr>
+          <a:xfrm>
+            <a:off x="1213682" y="1638095"/>
+            <a:ext cx="1681018" cy="1588654"/>
+          </a:xfrm>
+          <a:prstGeom prst="roundRect">
+            <a:avLst/>
+          </a:prstGeom>
+        </p:spPr>
+        <p:style>
+          <a:lnRef idx="2">
+            <a:schemeClr val="accent1">
+              <a:shade val="15000"/>
+            </a:schemeClr>
+          </a:lnRef>
+          <a:fillRef idx="1">
+            <a:schemeClr val="accent1"/>
+          </a:fillRef>
+          <a:effectRef idx="0">
+            <a:schemeClr val="accent1"/>
+          </a:effectRef>
+          <a:fontRef idx="minor">
+            <a:schemeClr val="lt1"/>
+          </a:fontRef>
+        </p:style>
+        <p:txBody>
+          <a:bodyPr rtlCol="0" anchor="ctr"/>
+          <a:lstStyle/>
+          <a:p>
+            <a:pPr algn="ctr"/>
+            <a:endParaRPr lang="en-US"/>
+          </a:p>
+        </p:txBody>
+      </p:sp>
+      <p:sp>
+        <p:nvSpPr>
+          <p:cNvPr id="6" name="Rectangle: Rounded Corners 5">
+            <a:extLst>
+              <a:ext uri="{FF2B5EF4-FFF2-40B4-BE49-F238E27FC236}">
+                <a16:creationId xmlns:a16="http://schemas.microsoft.com/office/drawing/2014/main" id="{26689E0D-871D-8E8B-70D3-71740678B0B5}"/>
+              </a:ext>
+            </a:extLst>
+          </p:cNvPr>
+          <p:cNvSpPr/>
+          <p:nvPr/>
+        </p:nvSpPr>
+        <p:spPr>
+          <a:xfrm>
+            <a:off x="3661226" y="1623717"/>
+            <a:ext cx="1681018" cy="1588654"/>
+          </a:xfrm>
+          <a:prstGeom prst="roundRect">
+            <a:avLst/>
+          </a:prstGeom>
+        </p:spPr>
+        <p:style>
+          <a:lnRef idx="2">
+            <a:schemeClr val="accent1">
+              <a:shade val="15000"/>
+            </a:schemeClr>
+          </a:lnRef>
+          <a:fillRef idx="1">
+            <a:schemeClr val="accent1"/>
+          </a:fillRef>
+          <a:effectRef idx="0">
+            <a:schemeClr val="accent1"/>
+          </a:effectRef>
+          <a:fontRef idx="minor">
+            <a:schemeClr val="lt1"/>
+          </a:fontRef>
+        </p:style>
+        <p:txBody>
+          <a:bodyPr rtlCol="0" anchor="ctr"/>
+          <a:lstStyle/>
+          <a:p>
+            <a:pPr algn="ctr"/>
+            <a:endParaRPr lang="en-US"/>
+          </a:p>
+        </p:txBody>
+      </p:sp>
+      <p:sp>
+        <p:nvSpPr>
+          <p:cNvPr id="8" name="Rectangle: Rounded Corners 7">
+            <a:extLst>
+              <a:ext uri="{FF2B5EF4-FFF2-40B4-BE49-F238E27FC236}">
+                <a16:creationId xmlns:a16="http://schemas.microsoft.com/office/drawing/2014/main" id="{50556B6E-51E5-82F2-986C-88B9A4679536}"/>
+              </a:ext>
+            </a:extLst>
+          </p:cNvPr>
+          <p:cNvSpPr/>
+          <p:nvPr/>
+        </p:nvSpPr>
+        <p:spPr>
+          <a:xfrm>
+            <a:off x="4059694" y="4232683"/>
+            <a:ext cx="1681018" cy="2216023"/>
+          </a:xfrm>
+          <a:prstGeom prst="roundRect">
+            <a:avLst/>
+          </a:prstGeom>
+        </p:spPr>
+        <p:style>
+          <a:lnRef idx="2">
+            <a:schemeClr val="accent1">
+              <a:shade val="15000"/>
+            </a:schemeClr>
+          </a:lnRef>
+          <a:fillRef idx="1">
+            <a:schemeClr val="accent1"/>
+          </a:fillRef>
+          <a:effectRef idx="0">
+            <a:schemeClr val="accent1"/>
+          </a:effectRef>
+          <a:fontRef idx="minor">
+            <a:schemeClr val="lt1"/>
+          </a:fontRef>
+        </p:style>
+        <p:txBody>
+          <a:bodyPr rtlCol="0" anchor="ctr"/>
+          <a:lstStyle/>
+          <a:p>
+            <a:pPr algn="ctr"/>
+            <a:endParaRPr lang="en-US"/>
+          </a:p>
+        </p:txBody>
+      </p:sp>
+      <p:sp>
+        <p:nvSpPr>
+          <p:cNvPr id="10" name="Rectangle: Rounded Corners 9">
+            <a:extLst>
+              <a:ext uri="{FF2B5EF4-FFF2-40B4-BE49-F238E27FC236}">
+                <a16:creationId xmlns:a16="http://schemas.microsoft.com/office/drawing/2014/main" id="{CF8E077F-FA7A-BC58-28C7-8729B3E44A81}"/>
+              </a:ext>
+            </a:extLst>
+          </p:cNvPr>
+          <p:cNvSpPr/>
+          <p:nvPr/>
+        </p:nvSpPr>
+        <p:spPr>
+          <a:xfrm>
+            <a:off x="6187198" y="4231802"/>
+            <a:ext cx="1681018" cy="2216904"/>
+          </a:xfrm>
+          <a:prstGeom prst="roundRect">
+            <a:avLst/>
+          </a:prstGeom>
+        </p:spPr>
+        <p:style>
+          <a:lnRef idx="2">
+            <a:schemeClr val="accent1">
+              <a:shade val="15000"/>
+            </a:schemeClr>
+          </a:lnRef>
+          <a:fillRef idx="1">
+            <a:schemeClr val="accent1"/>
+          </a:fillRef>
+          <a:effectRef idx="0">
+            <a:schemeClr val="accent1"/>
+          </a:effectRef>
+          <a:fontRef idx="minor">
+            <a:schemeClr val="lt1"/>
+          </a:fontRef>
+        </p:style>
+        <p:txBody>
+          <a:bodyPr rtlCol="0" anchor="ctr"/>
+          <a:lstStyle/>
+          <a:p>
+            <a:pPr algn="ctr"/>
+            <a:endParaRPr lang="en-US"/>
+          </a:p>
+        </p:txBody>
+      </p:sp>
+      <p:sp>
+        <p:nvSpPr>
+          <p:cNvPr id="12" name="Rectangle: Rounded Corners 11">
+            <a:extLst>
+              <a:ext uri="{FF2B5EF4-FFF2-40B4-BE49-F238E27FC236}">
+                <a16:creationId xmlns:a16="http://schemas.microsoft.com/office/drawing/2014/main" id="{1D1E3DC7-104C-222D-4B3D-05D1122CAB48}"/>
+              </a:ext>
+            </a:extLst>
+          </p:cNvPr>
+          <p:cNvSpPr/>
+          <p:nvPr/>
+        </p:nvSpPr>
+        <p:spPr>
+          <a:xfrm>
+            <a:off x="8314702" y="4231802"/>
+            <a:ext cx="1681018" cy="2216904"/>
+          </a:xfrm>
+          <a:prstGeom prst="roundRect">
+            <a:avLst/>
+          </a:prstGeom>
+        </p:spPr>
+        <p:style>
+          <a:lnRef idx="2">
+            <a:schemeClr val="accent1">
+              <a:shade val="15000"/>
+            </a:schemeClr>
+          </a:lnRef>
+          <a:fillRef idx="1">
+            <a:schemeClr val="accent1"/>
+          </a:fillRef>
+          <a:effectRef idx="0">
+            <a:schemeClr val="accent1"/>
+          </a:effectRef>
+          <a:fontRef idx="minor">
+            <a:schemeClr val="lt1"/>
+          </a:fontRef>
+        </p:style>
+        <p:txBody>
+          <a:bodyPr rtlCol="0" anchor="ctr"/>
+          <a:lstStyle/>
+          <a:p>
+            <a:pPr algn="ctr"/>
+            <a:endParaRPr lang="en-US"/>
+          </a:p>
+        </p:txBody>
+      </p:sp>
+      <p:sp>
+        <p:nvSpPr>
+          <p:cNvPr id="14" name="Rectangle 13">
+            <a:extLst>
+              <a:ext uri="{FF2B5EF4-FFF2-40B4-BE49-F238E27FC236}">
+                <a16:creationId xmlns:a16="http://schemas.microsoft.com/office/drawing/2014/main" id="{67E936E8-B72B-5351-BB97-759A7ACB560C}"/>
+              </a:ext>
+            </a:extLst>
+          </p:cNvPr>
+          <p:cNvSpPr/>
+          <p:nvPr/>
+        </p:nvSpPr>
+        <p:spPr>
+          <a:xfrm>
+            <a:off x="3960896" y="2106563"/>
+            <a:ext cx="1150254" cy="240020"/>
+          </a:xfrm>
+          <a:prstGeom prst="rect">
+            <a:avLst/>
+          </a:prstGeom>
+          <a:solidFill>
+            <a:schemeClr val="accent2">
+              <a:lumMod val="40000"/>
+              <a:lumOff val="60000"/>
+            </a:schemeClr>
+          </a:solidFill>
+        </p:spPr>
+        <p:style>
+          <a:lnRef idx="2">
+            <a:schemeClr val="accent1">
+              <a:shade val="15000"/>
+            </a:schemeClr>
+          </a:lnRef>
+          <a:fillRef idx="1">
+            <a:schemeClr val="accent1"/>
+          </a:fillRef>
+          <a:effectRef idx="0">
+            <a:schemeClr val="accent1"/>
+          </a:effectRef>
+          <a:fontRef idx="minor">
+            <a:schemeClr val="lt1"/>
+          </a:fontRef>
+        </p:style>
+        <p:txBody>
+          <a:bodyPr rtlCol="0" anchor="ctr"/>
+          <a:lstStyle/>
+          <a:p>
+            <a:pPr algn="ctr"/>
+            <a:endParaRPr lang="en-US" sz="1200">
+              <a:solidFill>
+                <a:schemeClr val="tx1"/>
+              </a:solidFill>
+            </a:endParaRPr>
+          </a:p>
+        </p:txBody>
+      </p:sp>
+      <p:sp>
+        <p:nvSpPr>
+          <p:cNvPr id="15" name="Rectangle 14">
+            <a:extLst>
+              <a:ext uri="{FF2B5EF4-FFF2-40B4-BE49-F238E27FC236}">
+                <a16:creationId xmlns:a16="http://schemas.microsoft.com/office/drawing/2014/main" id="{456B8345-C064-5C50-3510-03F87A13DCFF}"/>
+              </a:ext>
+            </a:extLst>
+          </p:cNvPr>
+          <p:cNvSpPr/>
+          <p:nvPr/>
+        </p:nvSpPr>
+        <p:spPr>
+          <a:xfrm>
+            <a:off x="3960896" y="2484069"/>
+            <a:ext cx="1150254" cy="240020"/>
+          </a:xfrm>
+          <a:prstGeom prst="rect">
+            <a:avLst/>
+          </a:prstGeom>
+          <a:solidFill>
+            <a:schemeClr val="bg1"/>
+          </a:solidFill>
+        </p:spPr>
+        <p:style>
+          <a:lnRef idx="2">
+            <a:schemeClr val="accent1">
+              <a:shade val="15000"/>
+            </a:schemeClr>
+          </a:lnRef>
+          <a:fillRef idx="1">
+            <a:schemeClr val="accent1"/>
+          </a:fillRef>
+          <a:effectRef idx="0">
+            <a:schemeClr val="accent1"/>
+          </a:effectRef>
+          <a:fontRef idx="minor">
+            <a:schemeClr val="lt1"/>
+          </a:fontRef>
+        </p:style>
+        <p:txBody>
+          <a:bodyPr rtlCol="0" anchor="ctr"/>
+          <a:lstStyle/>
+          <a:p>
+            <a:pPr algn="ctr"/>
+            <a:r>
+              <a:rPr lang="en-US" sz="1400" dirty="0">
+                <a:solidFill>
+                  <a:schemeClr val="tx1"/>
+                </a:solidFill>
+              </a:rPr>
+              <a:t>INPUT X</a:t>
+            </a:r>
+          </a:p>
+        </p:txBody>
+      </p:sp>
+      <p:sp>
+        <p:nvSpPr>
+          <p:cNvPr id="16" name="Rectangle 15">
+            <a:extLst>
+              <a:ext uri="{FF2B5EF4-FFF2-40B4-BE49-F238E27FC236}">
+                <a16:creationId xmlns:a16="http://schemas.microsoft.com/office/drawing/2014/main" id="{11C72B05-6195-080E-C4EE-9303251E3215}"/>
+              </a:ext>
+            </a:extLst>
+          </p:cNvPr>
+          <p:cNvSpPr/>
+          <p:nvPr/>
+        </p:nvSpPr>
+        <p:spPr>
+          <a:xfrm>
+            <a:off x="3960896" y="2841299"/>
+            <a:ext cx="1150254" cy="240020"/>
+          </a:xfrm>
+          <a:prstGeom prst="rect">
+            <a:avLst/>
+          </a:prstGeom>
+          <a:solidFill>
+            <a:schemeClr val="bg1"/>
+          </a:solidFill>
+        </p:spPr>
+        <p:style>
+          <a:lnRef idx="2">
+            <a:schemeClr val="accent1">
+              <a:shade val="15000"/>
+            </a:schemeClr>
+          </a:lnRef>
+          <a:fillRef idx="1">
+            <a:schemeClr val="accent1"/>
+          </a:fillRef>
+          <a:effectRef idx="0">
+            <a:schemeClr val="accent1"/>
+          </a:effectRef>
+          <a:fontRef idx="minor">
+            <a:schemeClr val="lt1"/>
+          </a:fontRef>
+        </p:style>
+        <p:txBody>
+          <a:bodyPr rtlCol="0" anchor="ctr"/>
+          <a:lstStyle/>
+          <a:p>
+            <a:pPr algn="ctr"/>
+            <a:r>
+              <a:rPr lang="en-US" sz="1400" dirty="0">
+                <a:solidFill>
+                  <a:schemeClr val="tx1"/>
+                </a:solidFill>
+              </a:rPr>
+              <a:t>OUTPUT X</a:t>
+            </a:r>
+          </a:p>
+        </p:txBody>
+      </p:sp>
+      <p:sp>
+        <p:nvSpPr>
+          <p:cNvPr id="17" name="Rectangle 16">
+            <a:extLst>
+              <a:ext uri="{FF2B5EF4-FFF2-40B4-BE49-F238E27FC236}">
+                <a16:creationId xmlns:a16="http://schemas.microsoft.com/office/drawing/2014/main" id="{058C8368-B331-9B28-126A-6AFBEEECC73E}"/>
+              </a:ext>
+            </a:extLst>
+          </p:cNvPr>
+          <p:cNvSpPr/>
+          <p:nvPr/>
+        </p:nvSpPr>
+        <p:spPr>
+          <a:xfrm>
+            <a:off x="4363578" y="4677852"/>
+            <a:ext cx="1150254" cy="240020"/>
+          </a:xfrm>
+          <a:prstGeom prst="rect">
+            <a:avLst/>
+          </a:prstGeom>
+          <a:solidFill>
+            <a:schemeClr val="accent2">
+              <a:lumMod val="40000"/>
+              <a:lumOff val="60000"/>
+            </a:schemeClr>
+          </a:solidFill>
+        </p:spPr>
+        <p:style>
+          <a:lnRef idx="2">
+            <a:schemeClr val="accent1">
+              <a:shade val="15000"/>
+            </a:schemeClr>
+          </a:lnRef>
+          <a:fillRef idx="1">
+            <a:schemeClr val="accent1"/>
+          </a:fillRef>
+          <a:effectRef idx="0">
+            <a:schemeClr val="accent1"/>
+          </a:effectRef>
+          <a:fontRef idx="minor">
+            <a:schemeClr val="lt1"/>
+          </a:fontRef>
+        </p:style>
+        <p:txBody>
+          <a:bodyPr rtlCol="0" anchor="ctr"/>
+          <a:lstStyle/>
+          <a:p>
+            <a:pPr algn="ctr"/>
+            <a:endParaRPr lang="en-US" sz="1200">
+              <a:solidFill>
+                <a:schemeClr val="tx1"/>
+              </a:solidFill>
+            </a:endParaRPr>
+          </a:p>
+        </p:txBody>
+      </p:sp>
+      <p:sp>
+        <p:nvSpPr>
+          <p:cNvPr id="18" name="Rectangle 17">
+            <a:extLst>
+              <a:ext uri="{FF2B5EF4-FFF2-40B4-BE49-F238E27FC236}">
+                <a16:creationId xmlns:a16="http://schemas.microsoft.com/office/drawing/2014/main" id="{0A84641D-CDD8-CC1D-0C43-EB4EF29CD1F2}"/>
+              </a:ext>
+            </a:extLst>
+          </p:cNvPr>
+          <p:cNvSpPr/>
+          <p:nvPr/>
+        </p:nvSpPr>
+        <p:spPr>
+          <a:xfrm>
+            <a:off x="4363578" y="5037070"/>
+            <a:ext cx="1150254" cy="240020"/>
+          </a:xfrm>
+          <a:prstGeom prst="rect">
+            <a:avLst/>
+          </a:prstGeom>
+          <a:solidFill>
+            <a:schemeClr val="bg1"/>
+          </a:solidFill>
+        </p:spPr>
+        <p:style>
+          <a:lnRef idx="2">
+            <a:schemeClr val="accent1">
+              <a:shade val="15000"/>
+            </a:schemeClr>
+          </a:lnRef>
+          <a:fillRef idx="1">
+            <a:schemeClr val="accent1"/>
+          </a:fillRef>
+          <a:effectRef idx="0">
+            <a:schemeClr val="accent1"/>
+          </a:effectRef>
+          <a:fontRef idx="minor">
+            <a:schemeClr val="lt1"/>
+          </a:fontRef>
+        </p:style>
+        <p:txBody>
+          <a:bodyPr rtlCol="0" anchor="ctr"/>
+          <a:lstStyle/>
+          <a:p>
+            <a:pPr algn="ctr"/>
+            <a:r>
+              <a:rPr lang="en-US" sz="1400" dirty="0">
+                <a:solidFill>
+                  <a:schemeClr val="tx1"/>
+                </a:solidFill>
+              </a:rPr>
+              <a:t>INPUT A</a:t>
+            </a:r>
+          </a:p>
+        </p:txBody>
+      </p:sp>
+      <p:sp>
+        <p:nvSpPr>
+          <p:cNvPr id="19" name="Rectangle 18">
+            <a:extLst>
+              <a:ext uri="{FF2B5EF4-FFF2-40B4-BE49-F238E27FC236}">
+                <a16:creationId xmlns:a16="http://schemas.microsoft.com/office/drawing/2014/main" id="{DB21EDDD-765E-8A66-10E2-15B6A31DE901}"/>
+              </a:ext>
+            </a:extLst>
+          </p:cNvPr>
+          <p:cNvSpPr/>
+          <p:nvPr/>
+        </p:nvSpPr>
+        <p:spPr>
+          <a:xfrm>
+            <a:off x="4416903" y="5942233"/>
+            <a:ext cx="1150254" cy="240020"/>
+          </a:xfrm>
+          <a:prstGeom prst="rect">
+            <a:avLst/>
+          </a:prstGeom>
+          <a:solidFill>
+            <a:schemeClr val="bg1"/>
+          </a:solidFill>
+        </p:spPr>
+        <p:style>
+          <a:lnRef idx="2">
+            <a:schemeClr val="accent1">
+              <a:shade val="15000"/>
+            </a:schemeClr>
+          </a:lnRef>
+          <a:fillRef idx="1">
+            <a:schemeClr val="accent1"/>
+          </a:fillRef>
+          <a:effectRef idx="0">
+            <a:schemeClr val="accent1"/>
+          </a:effectRef>
+          <a:fontRef idx="minor">
+            <a:schemeClr val="lt1"/>
+          </a:fontRef>
+        </p:style>
+        <p:txBody>
+          <a:bodyPr rtlCol="0" anchor="ctr"/>
+          <a:lstStyle/>
+          <a:p>
+            <a:pPr algn="ctr"/>
+            <a:r>
+              <a:rPr lang="en-US" sz="1400" dirty="0">
+                <a:solidFill>
+                  <a:schemeClr val="tx1"/>
+                </a:solidFill>
+              </a:rPr>
+              <a:t>OUTPUT a</a:t>
+            </a:r>
+          </a:p>
+        </p:txBody>
+      </p:sp>
+      <p:cxnSp>
+        <p:nvCxnSpPr>
+          <p:cNvPr id="21" name="Connector: Elbow 20">
+            <a:extLst>
+              <a:ext uri="{FF2B5EF4-FFF2-40B4-BE49-F238E27FC236}">
+                <a16:creationId xmlns:a16="http://schemas.microsoft.com/office/drawing/2014/main" id="{40314FB9-534A-3952-567E-F0DABDF77F3B}"/>
+              </a:ext>
+            </a:extLst>
+          </p:cNvPr>
+          <p:cNvCxnSpPr>
+            <a:cxnSpLocks/>
+            <a:stCxn id="17" idx="3"/>
+            <a:endCxn id="6" idx="3"/>
+          </p:cNvCxnSpPr>
+          <p:nvPr/>
+        </p:nvCxnSpPr>
+        <p:spPr>
+          <a:xfrm flipH="1" flipV="1">
+            <a:off x="5342244" y="2418044"/>
+            <a:ext cx="171588" cy="2379818"/>
+          </a:xfrm>
+          <a:prstGeom prst="bentConnector3">
+            <a:avLst>
+              <a:gd name="adj1" fmla="val -133226"/>
+            </a:avLst>
+          </a:prstGeom>
+          <a:ln>
+            <a:solidFill>
+              <a:srgbClr val="FF0000"/>
+            </a:solidFill>
+            <a:tailEnd type="triangle"/>
+          </a:ln>
+        </p:spPr>
+        <p:style>
+          <a:lnRef idx="2">
+            <a:schemeClr val="accent1"/>
+          </a:lnRef>
+          <a:fillRef idx="0">
+            <a:schemeClr val="accent1"/>
+          </a:fillRef>
+          <a:effectRef idx="1">
+            <a:schemeClr val="accent1"/>
+          </a:effectRef>
+          <a:fontRef idx="minor">
+            <a:schemeClr val="tx1"/>
+          </a:fontRef>
+        </p:style>
+      </p:cxnSp>
+      <p:sp>
+        <p:nvSpPr>
+          <p:cNvPr id="22" name="Rectangle 21">
+            <a:extLst>
+              <a:ext uri="{FF2B5EF4-FFF2-40B4-BE49-F238E27FC236}">
+                <a16:creationId xmlns:a16="http://schemas.microsoft.com/office/drawing/2014/main" id="{059250AA-E52E-0024-7BE6-DBAEFA7343C1}"/>
+              </a:ext>
+            </a:extLst>
+          </p:cNvPr>
+          <p:cNvSpPr/>
+          <p:nvPr/>
+        </p:nvSpPr>
+        <p:spPr>
+          <a:xfrm>
+            <a:off x="6497494" y="4732716"/>
+            <a:ext cx="1150254" cy="240020"/>
+          </a:xfrm>
+          <a:prstGeom prst="rect">
+            <a:avLst/>
+          </a:prstGeom>
+          <a:solidFill>
+            <a:schemeClr val="accent2">
+              <a:lumMod val="40000"/>
+              <a:lumOff val="60000"/>
+            </a:schemeClr>
+          </a:solidFill>
+        </p:spPr>
+        <p:style>
+          <a:lnRef idx="2">
+            <a:schemeClr val="accent1">
+              <a:shade val="15000"/>
+            </a:schemeClr>
+          </a:lnRef>
+          <a:fillRef idx="1">
+            <a:schemeClr val="accent1"/>
+          </a:fillRef>
+          <a:effectRef idx="0">
+            <a:schemeClr val="accent1"/>
+          </a:effectRef>
+          <a:fontRef idx="minor">
+            <a:schemeClr val="lt1"/>
+          </a:fontRef>
+        </p:style>
+        <p:txBody>
+          <a:bodyPr rtlCol="0" anchor="ctr"/>
+          <a:lstStyle/>
+          <a:p>
+            <a:pPr algn="ctr"/>
+            <a:endParaRPr lang="en-US" sz="1200">
+              <a:solidFill>
+                <a:schemeClr val="tx1"/>
+              </a:solidFill>
+            </a:endParaRPr>
+          </a:p>
+        </p:txBody>
+      </p:sp>
+      <p:sp>
+        <p:nvSpPr>
+          <p:cNvPr id="23" name="Rectangle 22">
+            <a:extLst>
+              <a:ext uri="{FF2B5EF4-FFF2-40B4-BE49-F238E27FC236}">
+                <a16:creationId xmlns:a16="http://schemas.microsoft.com/office/drawing/2014/main" id="{8F5A1DDC-9540-8D8E-5BA6-4920B98DB03B}"/>
+              </a:ext>
+            </a:extLst>
+          </p:cNvPr>
+          <p:cNvSpPr/>
+          <p:nvPr/>
+        </p:nvSpPr>
+        <p:spPr>
+          <a:xfrm>
+            <a:off x="6497494" y="5039516"/>
+            <a:ext cx="1150254" cy="240020"/>
+          </a:xfrm>
+          <a:prstGeom prst="rect">
+            <a:avLst/>
+          </a:prstGeom>
+          <a:solidFill>
+            <a:schemeClr val="bg1"/>
+          </a:solidFill>
+        </p:spPr>
+        <p:style>
+          <a:lnRef idx="2">
+            <a:schemeClr val="accent1">
+              <a:shade val="15000"/>
+            </a:schemeClr>
+          </a:lnRef>
+          <a:fillRef idx="1">
+            <a:schemeClr val="accent1"/>
+          </a:fillRef>
+          <a:effectRef idx="0">
+            <a:schemeClr val="accent1"/>
+          </a:effectRef>
+          <a:fontRef idx="minor">
+            <a:schemeClr val="lt1"/>
+          </a:fontRef>
+        </p:style>
+        <p:txBody>
+          <a:bodyPr rtlCol="0" anchor="ctr"/>
+          <a:lstStyle/>
+          <a:p>
+            <a:pPr algn="ctr"/>
+            <a:r>
+              <a:rPr lang="en-US" sz="1400" dirty="0">
+                <a:solidFill>
+                  <a:schemeClr val="tx1"/>
+                </a:solidFill>
+              </a:rPr>
+              <a:t>INPUT B</a:t>
+            </a:r>
+          </a:p>
+        </p:txBody>
+      </p:sp>
+      <p:sp>
+        <p:nvSpPr>
+          <p:cNvPr id="24" name="Rectangle 23">
+            <a:extLst>
+              <a:ext uri="{FF2B5EF4-FFF2-40B4-BE49-F238E27FC236}">
+                <a16:creationId xmlns:a16="http://schemas.microsoft.com/office/drawing/2014/main" id="{77D6B79D-5786-F086-D06D-CEB03C6645A7}"/>
+              </a:ext>
+            </a:extLst>
+          </p:cNvPr>
+          <p:cNvSpPr/>
+          <p:nvPr/>
+        </p:nvSpPr>
+        <p:spPr>
+          <a:xfrm>
+            <a:off x="6497494" y="5942614"/>
+            <a:ext cx="1150254" cy="240020"/>
+          </a:xfrm>
+          <a:prstGeom prst="rect">
+            <a:avLst/>
+          </a:prstGeom>
+          <a:solidFill>
+            <a:schemeClr val="bg1"/>
+          </a:solidFill>
+        </p:spPr>
+        <p:style>
+          <a:lnRef idx="2">
+            <a:schemeClr val="accent1">
+              <a:shade val="15000"/>
+            </a:schemeClr>
+          </a:lnRef>
+          <a:fillRef idx="1">
+            <a:schemeClr val="accent1"/>
+          </a:fillRef>
+          <a:effectRef idx="0">
+            <a:schemeClr val="accent1"/>
+          </a:effectRef>
+          <a:fontRef idx="minor">
+            <a:schemeClr val="lt1"/>
+          </a:fontRef>
+        </p:style>
+        <p:txBody>
+          <a:bodyPr rtlCol="0" anchor="ctr"/>
+          <a:lstStyle/>
+          <a:p>
+            <a:pPr algn="ctr"/>
+            <a:r>
+              <a:rPr lang="en-US" sz="1400" dirty="0">
+                <a:solidFill>
+                  <a:schemeClr val="tx1"/>
+                </a:solidFill>
+              </a:rPr>
+              <a:t>OUTPUT b</a:t>
+            </a:r>
+          </a:p>
+        </p:txBody>
+      </p:sp>
+      <p:sp>
+        <p:nvSpPr>
+          <p:cNvPr id="25" name="Rectangle 24">
+            <a:extLst>
+              <a:ext uri="{FF2B5EF4-FFF2-40B4-BE49-F238E27FC236}">
+                <a16:creationId xmlns:a16="http://schemas.microsoft.com/office/drawing/2014/main" id="{5AD40E43-36B0-EF84-D945-11FB639EEAF9}"/>
+              </a:ext>
+            </a:extLst>
+          </p:cNvPr>
+          <p:cNvSpPr/>
+          <p:nvPr/>
+        </p:nvSpPr>
+        <p:spPr>
+          <a:xfrm>
+            <a:off x="8607364" y="4741860"/>
+            <a:ext cx="1150254" cy="240020"/>
+          </a:xfrm>
+          <a:prstGeom prst="rect">
+            <a:avLst/>
+          </a:prstGeom>
+          <a:solidFill>
+            <a:schemeClr val="accent2">
+              <a:lumMod val="40000"/>
+              <a:lumOff val="60000"/>
+            </a:schemeClr>
+          </a:solidFill>
+        </p:spPr>
+        <p:style>
+          <a:lnRef idx="2">
+            <a:schemeClr val="accent1">
+              <a:shade val="15000"/>
+            </a:schemeClr>
+          </a:lnRef>
+          <a:fillRef idx="1">
+            <a:schemeClr val="accent1"/>
+          </a:fillRef>
+          <a:effectRef idx="0">
+            <a:schemeClr val="accent1"/>
+          </a:effectRef>
+          <a:fontRef idx="minor">
+            <a:schemeClr val="lt1"/>
+          </a:fontRef>
+        </p:style>
+        <p:txBody>
+          <a:bodyPr rtlCol="0" anchor="ctr"/>
+          <a:lstStyle/>
+          <a:p>
+            <a:pPr algn="ctr"/>
+            <a:endParaRPr lang="en-US" sz="1200">
+              <a:solidFill>
+                <a:schemeClr val="tx1"/>
+              </a:solidFill>
+            </a:endParaRPr>
+          </a:p>
+        </p:txBody>
+      </p:sp>
+      <p:sp>
+        <p:nvSpPr>
+          <p:cNvPr id="26" name="Rectangle 25">
+            <a:extLst>
+              <a:ext uri="{FF2B5EF4-FFF2-40B4-BE49-F238E27FC236}">
+                <a16:creationId xmlns:a16="http://schemas.microsoft.com/office/drawing/2014/main" id="{0944EA27-57D8-11EC-4366-89DCD2CF8A20}"/>
+              </a:ext>
+            </a:extLst>
+          </p:cNvPr>
+          <p:cNvSpPr/>
+          <p:nvPr/>
+        </p:nvSpPr>
+        <p:spPr>
+          <a:xfrm>
+            <a:off x="8607364" y="5060787"/>
+            <a:ext cx="1150254" cy="240020"/>
+          </a:xfrm>
+          <a:prstGeom prst="rect">
+            <a:avLst/>
+          </a:prstGeom>
+          <a:solidFill>
+            <a:schemeClr val="bg1"/>
+          </a:solidFill>
+        </p:spPr>
+        <p:style>
+          <a:lnRef idx="2">
+            <a:schemeClr val="accent1">
+              <a:shade val="15000"/>
+            </a:schemeClr>
+          </a:lnRef>
+          <a:fillRef idx="1">
+            <a:schemeClr val="accent1"/>
+          </a:fillRef>
+          <a:effectRef idx="0">
+            <a:schemeClr val="accent1"/>
+          </a:effectRef>
+          <a:fontRef idx="minor">
+            <a:schemeClr val="lt1"/>
+          </a:fontRef>
+        </p:style>
+        <p:txBody>
+          <a:bodyPr rtlCol="0" anchor="ctr"/>
+          <a:lstStyle/>
+          <a:p>
+            <a:pPr algn="ctr"/>
+            <a:r>
+              <a:rPr lang="en-US" sz="1400" dirty="0">
+                <a:solidFill>
+                  <a:schemeClr val="tx1"/>
+                </a:solidFill>
+              </a:rPr>
+              <a:t>INPUT G</a:t>
+            </a:r>
+          </a:p>
+        </p:txBody>
+      </p:sp>
+      <p:sp>
+        <p:nvSpPr>
+          <p:cNvPr id="27" name="Rectangle 26">
+            <a:extLst>
+              <a:ext uri="{FF2B5EF4-FFF2-40B4-BE49-F238E27FC236}">
+                <a16:creationId xmlns:a16="http://schemas.microsoft.com/office/drawing/2014/main" id="{8AF5AC8D-D8E4-7C75-5069-A31DE94F4091}"/>
+              </a:ext>
+            </a:extLst>
+          </p:cNvPr>
+          <p:cNvSpPr/>
+          <p:nvPr/>
+        </p:nvSpPr>
+        <p:spPr>
+          <a:xfrm>
+            <a:off x="8607364" y="5942233"/>
+            <a:ext cx="1150254" cy="240020"/>
+          </a:xfrm>
+          <a:prstGeom prst="rect">
+            <a:avLst/>
+          </a:prstGeom>
+          <a:solidFill>
+            <a:schemeClr val="bg1"/>
+          </a:solidFill>
+        </p:spPr>
+        <p:style>
+          <a:lnRef idx="2">
+            <a:schemeClr val="accent1">
+              <a:shade val="15000"/>
+            </a:schemeClr>
+          </a:lnRef>
+          <a:fillRef idx="1">
+            <a:schemeClr val="accent1"/>
+          </a:fillRef>
+          <a:effectRef idx="0">
+            <a:schemeClr val="accent1"/>
+          </a:effectRef>
+          <a:fontRef idx="minor">
+            <a:schemeClr val="lt1"/>
+          </a:fontRef>
+        </p:style>
+        <p:txBody>
+          <a:bodyPr rtlCol="0" anchor="ctr"/>
+          <a:lstStyle/>
+          <a:p>
+            <a:pPr algn="ctr"/>
+            <a:r>
+              <a:rPr lang="en-US" sz="1400" dirty="0">
+                <a:solidFill>
+                  <a:schemeClr val="tx1"/>
+                </a:solidFill>
+              </a:rPr>
+              <a:t>OUTPUT g</a:t>
+            </a:r>
+          </a:p>
+        </p:txBody>
+      </p:sp>
+      <p:cxnSp>
+        <p:nvCxnSpPr>
+          <p:cNvPr id="28" name="Connector: Elbow 27">
+            <a:extLst>
+              <a:ext uri="{FF2B5EF4-FFF2-40B4-BE49-F238E27FC236}">
+                <a16:creationId xmlns:a16="http://schemas.microsoft.com/office/drawing/2014/main" id="{2858C8EC-C790-5A13-63A3-0BB8193185D5}"/>
+              </a:ext>
+            </a:extLst>
+          </p:cNvPr>
+          <p:cNvCxnSpPr>
+            <a:cxnSpLocks/>
+            <a:stCxn id="22" idx="3"/>
+            <a:endCxn id="6" idx="3"/>
+          </p:cNvCxnSpPr>
+          <p:nvPr/>
+        </p:nvCxnSpPr>
+        <p:spPr>
+          <a:xfrm flipH="1" flipV="1">
+            <a:off x="5342244" y="2418044"/>
+            <a:ext cx="2305504" cy="2434682"/>
+          </a:xfrm>
+          <a:prstGeom prst="bentConnector3">
+            <a:avLst>
+              <a:gd name="adj1" fmla="val -9915"/>
+            </a:avLst>
+          </a:prstGeom>
+          <a:ln>
+            <a:solidFill>
+              <a:srgbClr val="FF0000"/>
+            </a:solidFill>
+            <a:tailEnd type="triangle"/>
+          </a:ln>
+        </p:spPr>
+        <p:style>
+          <a:lnRef idx="2">
+            <a:schemeClr val="accent1"/>
+          </a:lnRef>
+          <a:fillRef idx="0">
+            <a:schemeClr val="accent1"/>
+          </a:fillRef>
+          <a:effectRef idx="1">
+            <a:schemeClr val="accent1"/>
+          </a:effectRef>
+          <a:fontRef idx="minor">
+            <a:schemeClr val="tx1"/>
+          </a:fontRef>
+        </p:style>
+      </p:cxnSp>
+      <p:cxnSp>
+        <p:nvCxnSpPr>
+          <p:cNvPr id="31" name="Connector: Elbow 30">
+            <a:extLst>
+              <a:ext uri="{FF2B5EF4-FFF2-40B4-BE49-F238E27FC236}">
+                <a16:creationId xmlns:a16="http://schemas.microsoft.com/office/drawing/2014/main" id="{4A52D422-6C8D-F1D3-4813-DD4900B20E42}"/>
+              </a:ext>
+            </a:extLst>
+          </p:cNvPr>
+          <p:cNvCxnSpPr>
+            <a:cxnSpLocks/>
+            <a:stCxn id="25" idx="3"/>
+            <a:endCxn id="6" idx="3"/>
+          </p:cNvCxnSpPr>
+          <p:nvPr/>
+        </p:nvCxnSpPr>
+        <p:spPr>
+          <a:xfrm flipH="1" flipV="1">
+            <a:off x="5342244" y="2418044"/>
+            <a:ext cx="4415374" cy="2443826"/>
+          </a:xfrm>
+          <a:prstGeom prst="bentConnector3">
+            <a:avLst>
+              <a:gd name="adj1" fmla="val -5177"/>
+            </a:avLst>
+          </a:prstGeom>
+          <a:ln>
+            <a:solidFill>
+              <a:srgbClr val="FF0000"/>
+            </a:solidFill>
+            <a:tailEnd type="triangle"/>
+          </a:ln>
+        </p:spPr>
+        <p:style>
+          <a:lnRef idx="2">
+            <a:schemeClr val="accent1"/>
+          </a:lnRef>
+          <a:fillRef idx="0">
+            <a:schemeClr val="accent1"/>
+          </a:fillRef>
+          <a:effectRef idx="1">
+            <a:schemeClr val="accent1"/>
+          </a:effectRef>
+          <a:fontRef idx="minor">
+            <a:schemeClr val="tx1"/>
+          </a:fontRef>
+        </p:style>
+      </p:cxnSp>
+      <p:sp>
+        <p:nvSpPr>
+          <p:cNvPr id="34" name="Rectangle 33">
+            <a:extLst>
+              <a:ext uri="{FF2B5EF4-FFF2-40B4-BE49-F238E27FC236}">
+                <a16:creationId xmlns:a16="http://schemas.microsoft.com/office/drawing/2014/main" id="{8EB9F40B-ADE9-0379-0C43-81BDEDE82F7B}"/>
+              </a:ext>
+            </a:extLst>
+          </p:cNvPr>
+          <p:cNvSpPr/>
+          <p:nvPr/>
+        </p:nvSpPr>
+        <p:spPr>
+          <a:xfrm>
+            <a:off x="1496549" y="2126550"/>
+            <a:ext cx="1150254" cy="240020"/>
+          </a:xfrm>
+          <a:prstGeom prst="rect">
+            <a:avLst/>
+          </a:prstGeom>
+          <a:solidFill>
+            <a:schemeClr val="accent2">
+              <a:lumMod val="40000"/>
+              <a:lumOff val="60000"/>
+            </a:schemeClr>
+          </a:solidFill>
+        </p:spPr>
+        <p:style>
+          <a:lnRef idx="2">
+            <a:schemeClr val="accent1">
+              <a:shade val="15000"/>
+            </a:schemeClr>
+          </a:lnRef>
+          <a:fillRef idx="1">
+            <a:schemeClr val="accent1"/>
+          </a:fillRef>
+          <a:effectRef idx="0">
+            <a:schemeClr val="accent1"/>
+          </a:effectRef>
+          <a:fontRef idx="minor">
+            <a:schemeClr val="lt1"/>
+          </a:fontRef>
+        </p:style>
+        <p:txBody>
+          <a:bodyPr rtlCol="0" anchor="ctr"/>
+          <a:lstStyle/>
+          <a:p>
+            <a:pPr algn="ctr"/>
+            <a:endParaRPr lang="en-US" sz="1200">
+              <a:solidFill>
+                <a:schemeClr val="tx1"/>
+              </a:solidFill>
+            </a:endParaRPr>
+          </a:p>
+        </p:txBody>
+      </p:sp>
+      <p:sp>
+        <p:nvSpPr>
+          <p:cNvPr id="35" name="Rectangle 34">
+            <a:extLst>
+              <a:ext uri="{FF2B5EF4-FFF2-40B4-BE49-F238E27FC236}">
+                <a16:creationId xmlns:a16="http://schemas.microsoft.com/office/drawing/2014/main" id="{1CC6790B-A4C2-2D0C-6A73-5BDC36141B4D}"/>
+              </a:ext>
+            </a:extLst>
+          </p:cNvPr>
+          <p:cNvSpPr/>
+          <p:nvPr/>
+        </p:nvSpPr>
+        <p:spPr>
+          <a:xfrm>
+            <a:off x="1496549" y="2499305"/>
+            <a:ext cx="1150254" cy="240020"/>
+          </a:xfrm>
+          <a:prstGeom prst="rect">
+            <a:avLst/>
+          </a:prstGeom>
+          <a:solidFill>
+            <a:schemeClr val="accent3">
+              <a:lumMod val="40000"/>
+              <a:lumOff val="60000"/>
+            </a:schemeClr>
+          </a:solidFill>
+        </p:spPr>
+        <p:style>
+          <a:lnRef idx="2">
+            <a:schemeClr val="accent1">
+              <a:shade val="15000"/>
+            </a:schemeClr>
+          </a:lnRef>
+          <a:fillRef idx="1">
+            <a:schemeClr val="accent1"/>
+          </a:fillRef>
+          <a:effectRef idx="0">
+            <a:schemeClr val="accent1"/>
+          </a:effectRef>
+          <a:fontRef idx="minor">
+            <a:schemeClr val="lt1"/>
+          </a:fontRef>
+        </p:style>
+        <p:txBody>
+          <a:bodyPr rtlCol="0" anchor="ctr"/>
+          <a:lstStyle/>
+          <a:p>
+            <a:pPr algn="ctr"/>
+            <a:r>
+              <a:rPr lang="en-US" sz="1200" dirty="0">
+                <a:solidFill>
+                  <a:schemeClr val="tx1"/>
+                </a:solidFill>
+              </a:rPr>
+              <a:t>LETTER 1 P</a:t>
+            </a:r>
+          </a:p>
+        </p:txBody>
+      </p:sp>
+      <p:sp>
+        <p:nvSpPr>
+          <p:cNvPr id="36" name="Rectangle 35">
+            <a:extLst>
+              <a:ext uri="{FF2B5EF4-FFF2-40B4-BE49-F238E27FC236}">
+                <a16:creationId xmlns:a16="http://schemas.microsoft.com/office/drawing/2014/main" id="{0D0612A1-CC34-AE55-90AE-8A707B98BA93}"/>
+              </a:ext>
+            </a:extLst>
+          </p:cNvPr>
+          <p:cNvSpPr/>
+          <p:nvPr/>
+        </p:nvSpPr>
+        <p:spPr>
+          <a:xfrm>
+            <a:off x="1496549" y="2872059"/>
+            <a:ext cx="1150254" cy="240020"/>
+          </a:xfrm>
+          <a:prstGeom prst="rect">
+            <a:avLst/>
+          </a:prstGeom>
+          <a:solidFill>
+            <a:schemeClr val="accent3">
+              <a:lumMod val="40000"/>
+              <a:lumOff val="60000"/>
+            </a:schemeClr>
+          </a:solidFill>
+        </p:spPr>
+        <p:style>
+          <a:lnRef idx="2">
+            <a:schemeClr val="accent1">
+              <a:shade val="15000"/>
+            </a:schemeClr>
+          </a:lnRef>
+          <a:fillRef idx="1">
+            <a:schemeClr val="accent1"/>
+          </a:fillRef>
+          <a:effectRef idx="0">
+            <a:schemeClr val="accent1"/>
+          </a:effectRef>
+          <a:fontRef idx="minor">
+            <a:schemeClr val="lt1"/>
+          </a:fontRef>
+        </p:style>
+        <p:txBody>
+          <a:bodyPr rtlCol="0" anchor="ctr"/>
+          <a:lstStyle/>
+          <a:p>
+            <a:pPr algn="ctr"/>
+            <a:r>
+              <a:rPr lang="en-US" sz="1200" dirty="0">
+                <a:solidFill>
+                  <a:schemeClr val="tx1"/>
+                </a:solidFill>
+              </a:rPr>
+              <a:t>LETTER N P</a:t>
+            </a:r>
+          </a:p>
+        </p:txBody>
+      </p:sp>
+      <p:sp>
+        <p:nvSpPr>
+          <p:cNvPr id="37" name="Rectangle: Rounded Corners 36">
+            <a:extLst>
+              <a:ext uri="{FF2B5EF4-FFF2-40B4-BE49-F238E27FC236}">
+                <a16:creationId xmlns:a16="http://schemas.microsoft.com/office/drawing/2014/main" id="{AAAE5E69-3540-3C44-6DEB-A056B451C5A6}"/>
+              </a:ext>
+            </a:extLst>
+          </p:cNvPr>
+          <p:cNvSpPr/>
+          <p:nvPr/>
+        </p:nvSpPr>
+        <p:spPr>
+          <a:xfrm>
+            <a:off x="1070156" y="4757682"/>
+            <a:ext cx="1681018" cy="1844286"/>
+          </a:xfrm>
+          <a:prstGeom prst="roundRect">
+            <a:avLst/>
+          </a:prstGeom>
+        </p:spPr>
+        <p:style>
+          <a:lnRef idx="2">
+            <a:schemeClr val="accent1">
+              <a:shade val="15000"/>
+            </a:schemeClr>
+          </a:lnRef>
+          <a:fillRef idx="1">
+            <a:schemeClr val="accent1"/>
+          </a:fillRef>
+          <a:effectRef idx="0">
+            <a:schemeClr val="accent1"/>
+          </a:effectRef>
+          <a:fontRef idx="minor">
+            <a:schemeClr val="lt1"/>
+          </a:fontRef>
+        </p:style>
+        <p:txBody>
+          <a:bodyPr rtlCol="0" anchor="ctr"/>
+          <a:lstStyle/>
+          <a:p>
+            <a:pPr algn="ctr"/>
+            <a:endParaRPr lang="en-US"/>
+          </a:p>
+        </p:txBody>
+      </p:sp>
+      <p:sp>
+        <p:nvSpPr>
+          <p:cNvPr id="39" name="Rectangle 38">
+            <a:extLst>
+              <a:ext uri="{FF2B5EF4-FFF2-40B4-BE49-F238E27FC236}">
+                <a16:creationId xmlns:a16="http://schemas.microsoft.com/office/drawing/2014/main" id="{3E2D96AC-AE9E-04C1-674D-240CF885C70B}"/>
+              </a:ext>
+            </a:extLst>
+          </p:cNvPr>
+          <p:cNvSpPr/>
+          <p:nvPr/>
+        </p:nvSpPr>
+        <p:spPr>
+          <a:xfrm>
+            <a:off x="1352199" y="5132788"/>
+            <a:ext cx="1150254" cy="240020"/>
+          </a:xfrm>
+          <a:prstGeom prst="rect">
+            <a:avLst/>
+          </a:prstGeom>
+          <a:solidFill>
+            <a:schemeClr val="accent2">
+              <a:lumMod val="40000"/>
+              <a:lumOff val="60000"/>
+            </a:schemeClr>
+          </a:solidFill>
+        </p:spPr>
+        <p:style>
+          <a:lnRef idx="2">
+            <a:schemeClr val="accent1">
+              <a:shade val="15000"/>
+            </a:schemeClr>
+          </a:lnRef>
+          <a:fillRef idx="1">
+            <a:schemeClr val="accent1"/>
+          </a:fillRef>
+          <a:effectRef idx="0">
+            <a:schemeClr val="accent1"/>
+          </a:effectRef>
+          <a:fontRef idx="minor">
+            <a:schemeClr val="lt1"/>
+          </a:fontRef>
+        </p:style>
+        <p:txBody>
+          <a:bodyPr rtlCol="0" anchor="ctr"/>
+          <a:lstStyle/>
+          <a:p>
+            <a:pPr algn="ctr"/>
+            <a:endParaRPr lang="en-US" sz="1200">
+              <a:solidFill>
+                <a:schemeClr val="tx1"/>
+              </a:solidFill>
+            </a:endParaRPr>
+          </a:p>
+        </p:txBody>
+      </p:sp>
+      <p:sp>
+        <p:nvSpPr>
+          <p:cNvPr id="40" name="Rectangle 39">
+            <a:extLst>
+              <a:ext uri="{FF2B5EF4-FFF2-40B4-BE49-F238E27FC236}">
+                <a16:creationId xmlns:a16="http://schemas.microsoft.com/office/drawing/2014/main" id="{D35A5B84-2823-42FF-7133-4B36B931E5CC}"/>
+              </a:ext>
+            </a:extLst>
+          </p:cNvPr>
+          <p:cNvSpPr/>
+          <p:nvPr/>
+        </p:nvSpPr>
+        <p:spPr>
+          <a:xfrm>
+            <a:off x="1353847" y="5489311"/>
+            <a:ext cx="1150254" cy="240020"/>
+          </a:xfrm>
+          <a:prstGeom prst="rect">
+            <a:avLst/>
+          </a:prstGeom>
+          <a:solidFill>
+            <a:schemeClr val="accent3">
+              <a:lumMod val="40000"/>
+              <a:lumOff val="60000"/>
+            </a:schemeClr>
+          </a:solidFill>
+        </p:spPr>
+        <p:style>
+          <a:lnRef idx="2">
+            <a:schemeClr val="accent1">
+              <a:shade val="15000"/>
+            </a:schemeClr>
+          </a:lnRef>
+          <a:fillRef idx="1">
+            <a:schemeClr val="accent1"/>
+          </a:fillRef>
+          <a:effectRef idx="0">
+            <a:schemeClr val="accent1"/>
+          </a:effectRef>
+          <a:fontRef idx="minor">
+            <a:schemeClr val="lt1"/>
+          </a:fontRef>
+        </p:style>
+        <p:txBody>
+          <a:bodyPr rtlCol="0" anchor="ctr"/>
+          <a:lstStyle/>
+          <a:p>
+            <a:pPr algn="ctr"/>
+            <a:endParaRPr lang="en-US" sz="1200" dirty="0">
+              <a:solidFill>
+                <a:schemeClr val="tx1"/>
+              </a:solidFill>
+            </a:endParaRPr>
+          </a:p>
+        </p:txBody>
+      </p:sp>
+      <p:sp>
+        <p:nvSpPr>
+          <p:cNvPr id="41" name="Rectangle 40">
+            <a:extLst>
+              <a:ext uri="{FF2B5EF4-FFF2-40B4-BE49-F238E27FC236}">
+                <a16:creationId xmlns:a16="http://schemas.microsoft.com/office/drawing/2014/main" id="{3D91B768-4483-E824-F37B-9D44D379CEBF}"/>
+              </a:ext>
+            </a:extLst>
+          </p:cNvPr>
+          <p:cNvSpPr/>
+          <p:nvPr/>
+        </p:nvSpPr>
+        <p:spPr>
+          <a:xfrm>
+            <a:off x="1352199" y="5845834"/>
+            <a:ext cx="1150254" cy="240020"/>
+          </a:xfrm>
+          <a:prstGeom prst="rect">
+            <a:avLst/>
+          </a:prstGeom>
+          <a:solidFill>
+            <a:schemeClr val="accent3">
+              <a:lumMod val="40000"/>
+              <a:lumOff val="60000"/>
+            </a:schemeClr>
+          </a:solidFill>
+        </p:spPr>
+        <p:style>
+          <a:lnRef idx="2">
+            <a:schemeClr val="accent1">
+              <a:shade val="15000"/>
+            </a:schemeClr>
+          </a:lnRef>
+          <a:fillRef idx="1">
+            <a:schemeClr val="accent1"/>
+          </a:fillRef>
+          <a:effectRef idx="0">
+            <a:schemeClr val="accent1"/>
+          </a:effectRef>
+          <a:fontRef idx="minor">
+            <a:schemeClr val="lt1"/>
+          </a:fontRef>
+        </p:style>
+        <p:txBody>
+          <a:bodyPr rtlCol="0" anchor="ctr"/>
+          <a:lstStyle/>
+          <a:p>
+            <a:pPr algn="ctr"/>
+            <a:endParaRPr lang="en-US" sz="1200" dirty="0">
+              <a:solidFill>
+                <a:schemeClr val="tx1"/>
+              </a:solidFill>
+            </a:endParaRPr>
+          </a:p>
+        </p:txBody>
+      </p:sp>
+      <p:cxnSp>
+        <p:nvCxnSpPr>
+          <p:cNvPr id="42" name="Connector: Elbow 41">
+            <a:extLst>
+              <a:ext uri="{FF2B5EF4-FFF2-40B4-BE49-F238E27FC236}">
+                <a16:creationId xmlns:a16="http://schemas.microsoft.com/office/drawing/2014/main" id="{A4C7B79B-0831-4072-8958-7027E55BA064}"/>
+              </a:ext>
+            </a:extLst>
+          </p:cNvPr>
+          <p:cNvCxnSpPr>
+            <a:cxnSpLocks/>
+            <a:stCxn id="39" idx="3"/>
+            <a:endCxn id="4" idx="2"/>
+          </p:cNvCxnSpPr>
+          <p:nvPr/>
+        </p:nvCxnSpPr>
+        <p:spPr>
+          <a:xfrm flipH="1" flipV="1">
+            <a:off x="2054191" y="3226749"/>
+            <a:ext cx="448262" cy="2026049"/>
+          </a:xfrm>
+          <a:prstGeom prst="bentConnector4">
+            <a:avLst>
+              <a:gd name="adj1" fmla="val -50997"/>
+              <a:gd name="adj2" fmla="val 52962"/>
+            </a:avLst>
+          </a:prstGeom>
+          <a:ln>
+            <a:solidFill>
+              <a:srgbClr val="FF0000"/>
+            </a:solidFill>
+            <a:tailEnd type="triangle"/>
+          </a:ln>
+        </p:spPr>
+        <p:style>
+          <a:lnRef idx="2">
+            <a:schemeClr val="accent1"/>
+          </a:lnRef>
+          <a:fillRef idx="0">
+            <a:schemeClr val="accent1"/>
+          </a:fillRef>
+          <a:effectRef idx="1">
+            <a:schemeClr val="accent1"/>
+          </a:effectRef>
+          <a:fontRef idx="minor">
+            <a:schemeClr val="tx1"/>
+          </a:fontRef>
+        </p:style>
+      </p:cxnSp>
+      <p:sp>
+        <p:nvSpPr>
+          <p:cNvPr id="45" name="Rectangle 44">
+            <a:extLst>
+              <a:ext uri="{FF2B5EF4-FFF2-40B4-BE49-F238E27FC236}">
+                <a16:creationId xmlns:a16="http://schemas.microsoft.com/office/drawing/2014/main" id="{D5A65613-915D-FFBC-BBE1-780139EEC90B}"/>
+              </a:ext>
+            </a:extLst>
+          </p:cNvPr>
+          <p:cNvSpPr/>
+          <p:nvPr/>
+        </p:nvSpPr>
+        <p:spPr>
+          <a:xfrm>
+            <a:off x="1352199" y="6202358"/>
+            <a:ext cx="1150254" cy="240020"/>
+          </a:xfrm>
+          <a:prstGeom prst="rect">
+            <a:avLst/>
+          </a:prstGeom>
+          <a:solidFill>
+            <a:schemeClr val="accent3">
+              <a:lumMod val="40000"/>
+              <a:lumOff val="60000"/>
+            </a:schemeClr>
+          </a:solidFill>
+        </p:spPr>
+        <p:style>
+          <a:lnRef idx="2">
+            <a:schemeClr val="accent1">
+              <a:shade val="15000"/>
+            </a:schemeClr>
+          </a:lnRef>
+          <a:fillRef idx="1">
+            <a:schemeClr val="accent1"/>
+          </a:fillRef>
+          <a:effectRef idx="0">
+            <a:schemeClr val="accent1"/>
+          </a:effectRef>
+          <a:fontRef idx="minor">
+            <a:schemeClr val="lt1"/>
+          </a:fontRef>
+        </p:style>
+        <p:txBody>
+          <a:bodyPr rtlCol="0" anchor="ctr"/>
+          <a:lstStyle/>
+          <a:p>
+            <a:pPr algn="ctr"/>
+            <a:endParaRPr lang="en-US" sz="1200" dirty="0">
+              <a:solidFill>
+                <a:schemeClr val="tx1"/>
+              </a:solidFill>
+            </a:endParaRPr>
+          </a:p>
+        </p:txBody>
+      </p:sp>
+      <p:cxnSp>
+        <p:nvCxnSpPr>
+          <p:cNvPr id="46" name="Connector: Elbow 45">
+            <a:extLst>
+              <a:ext uri="{FF2B5EF4-FFF2-40B4-BE49-F238E27FC236}">
+                <a16:creationId xmlns:a16="http://schemas.microsoft.com/office/drawing/2014/main" id="{A168A0C9-47A1-B98A-B8CB-FCC0B00C6D45}"/>
+              </a:ext>
+            </a:extLst>
+          </p:cNvPr>
+          <p:cNvCxnSpPr>
+            <a:cxnSpLocks/>
+            <a:stCxn id="40" idx="3"/>
+            <a:endCxn id="10" idx="2"/>
+          </p:cNvCxnSpPr>
+          <p:nvPr/>
+        </p:nvCxnSpPr>
+        <p:spPr>
+          <a:xfrm>
+            <a:off x="2504101" y="5609321"/>
+            <a:ext cx="4523606" cy="839385"/>
+          </a:xfrm>
+          <a:prstGeom prst="bentConnector4">
+            <a:avLst>
+              <a:gd name="adj1" fmla="val 40710"/>
+              <a:gd name="adj2" fmla="val 127234"/>
+            </a:avLst>
+          </a:prstGeom>
+          <a:ln>
+            <a:solidFill>
+              <a:srgbClr val="FF0000"/>
+            </a:solidFill>
+            <a:tailEnd type="triangle"/>
+          </a:ln>
+        </p:spPr>
+        <p:style>
+          <a:lnRef idx="2">
+            <a:schemeClr val="accent1"/>
+          </a:lnRef>
+          <a:fillRef idx="0">
+            <a:schemeClr val="accent1"/>
+          </a:fillRef>
+          <a:effectRef idx="1">
+            <a:schemeClr val="accent1"/>
+          </a:effectRef>
+          <a:fontRef idx="minor">
+            <a:schemeClr val="tx1"/>
+          </a:fontRef>
+        </p:style>
+      </p:cxnSp>
+      <p:cxnSp>
+        <p:nvCxnSpPr>
+          <p:cNvPr id="50" name="Connector: Elbow 49">
+            <a:extLst>
+              <a:ext uri="{FF2B5EF4-FFF2-40B4-BE49-F238E27FC236}">
+                <a16:creationId xmlns:a16="http://schemas.microsoft.com/office/drawing/2014/main" id="{C8E6676B-2459-DBED-78F8-F3DEE6227A34}"/>
+              </a:ext>
+            </a:extLst>
+          </p:cNvPr>
+          <p:cNvCxnSpPr>
+            <a:cxnSpLocks/>
+            <a:stCxn id="41" idx="3"/>
+            <a:endCxn id="8" idx="2"/>
+          </p:cNvCxnSpPr>
+          <p:nvPr/>
+        </p:nvCxnSpPr>
+        <p:spPr>
+          <a:xfrm>
+            <a:off x="2502453" y="5965844"/>
+            <a:ext cx="2397750" cy="482862"/>
+          </a:xfrm>
+          <a:prstGeom prst="bentConnector4">
+            <a:avLst>
+              <a:gd name="adj1" fmla="val 32473"/>
+              <a:gd name="adj2" fmla="val 147343"/>
+            </a:avLst>
+          </a:prstGeom>
+          <a:ln>
+            <a:solidFill>
+              <a:srgbClr val="FF0000"/>
+            </a:solidFill>
+            <a:tailEnd type="triangle"/>
+          </a:ln>
+        </p:spPr>
+        <p:style>
+          <a:lnRef idx="2">
+            <a:schemeClr val="accent1"/>
+          </a:lnRef>
+          <a:fillRef idx="0">
+            <a:schemeClr val="accent1"/>
+          </a:fillRef>
+          <a:effectRef idx="1">
+            <a:schemeClr val="accent1"/>
+          </a:effectRef>
+          <a:fontRef idx="minor">
+            <a:schemeClr val="tx1"/>
+          </a:fontRef>
+        </p:style>
+      </p:cxnSp>
+      <p:cxnSp>
+        <p:nvCxnSpPr>
+          <p:cNvPr id="53" name="Connector: Elbow 52">
+            <a:extLst>
+              <a:ext uri="{FF2B5EF4-FFF2-40B4-BE49-F238E27FC236}">
+                <a16:creationId xmlns:a16="http://schemas.microsoft.com/office/drawing/2014/main" id="{C9D42B88-86D9-F2C8-530F-4C5933B31CB4}"/>
+              </a:ext>
+            </a:extLst>
+          </p:cNvPr>
+          <p:cNvCxnSpPr>
+            <a:cxnSpLocks/>
+            <a:stCxn id="45" idx="3"/>
+            <a:endCxn id="12" idx="2"/>
+          </p:cNvCxnSpPr>
+          <p:nvPr/>
+        </p:nvCxnSpPr>
+        <p:spPr>
+          <a:xfrm>
+            <a:off x="2502453" y="6322368"/>
+            <a:ext cx="6652758" cy="126338"/>
+          </a:xfrm>
+          <a:prstGeom prst="bentConnector4">
+            <a:avLst>
+              <a:gd name="adj1" fmla="val 43683"/>
+              <a:gd name="adj2" fmla="val 280943"/>
+            </a:avLst>
+          </a:prstGeom>
+          <a:ln>
+            <a:solidFill>
+              <a:srgbClr val="FF0000"/>
+            </a:solidFill>
+            <a:tailEnd type="triangle"/>
+          </a:ln>
+        </p:spPr>
+        <p:style>
+          <a:lnRef idx="2">
+            <a:schemeClr val="accent1"/>
+          </a:lnRef>
+          <a:fillRef idx="0">
+            <a:schemeClr val="accent1"/>
+          </a:fillRef>
+          <a:effectRef idx="1">
+            <a:schemeClr val="accent1"/>
+          </a:effectRef>
+          <a:fontRef idx="minor">
+            <a:schemeClr val="tx1"/>
+          </a:fontRef>
+        </p:style>
+      </p:cxnSp>
+      <p:sp>
+        <p:nvSpPr>
+          <p:cNvPr id="60" name="TextBox 59">
+            <a:extLst>
+              <a:ext uri="{FF2B5EF4-FFF2-40B4-BE49-F238E27FC236}">
+                <a16:creationId xmlns:a16="http://schemas.microsoft.com/office/drawing/2014/main" id="{CFA92681-183B-D23B-6ABC-743E8331151E}"/>
+              </a:ext>
+            </a:extLst>
+          </p:cNvPr>
+          <p:cNvSpPr txBox="1"/>
+          <p:nvPr/>
+        </p:nvSpPr>
+        <p:spPr>
+          <a:xfrm>
+            <a:off x="6839712" y="365125"/>
+            <a:ext cx="4754880" cy="3139321"/>
+          </a:xfrm>
+          <a:prstGeom prst="rect">
+            <a:avLst/>
+          </a:prstGeom>
+          <a:noFill/>
+        </p:spPr>
+        <p:txBody>
+          <a:bodyPr wrap="square" rtlCol="0">
+            <a:spAutoFit/>
+          </a:bodyPr>
+          <a:lstStyle/>
+          <a:p>
+            <a:r>
+              <a:rPr lang="en-US" dirty="0"/>
+              <a:t>Here we have a very simple frame example for the word bag</a:t>
+            </a:r>
+          </a:p>
+          <a:p>
+            <a:pPr marL="285750" indent="-285750">
+              <a:buFont typeface="Arial" panose="020B0604020202020204" pitchFamily="34" charset="0"/>
+              <a:buChar char="•"/>
+            </a:pPr>
+            <a:r>
+              <a:rPr lang="en-US" dirty="0"/>
+              <a:t>The Word and Letter frames are abstract</a:t>
+            </a:r>
+          </a:p>
+          <a:p>
+            <a:pPr marL="285750" indent="-285750">
+              <a:buFont typeface="Arial" panose="020B0604020202020204" pitchFamily="34" charset="0"/>
+              <a:buChar char="•"/>
+            </a:pPr>
+            <a:r>
+              <a:rPr lang="en-US" dirty="0"/>
+              <a:t>The bag frame is a type of the Word frame</a:t>
+            </a:r>
+          </a:p>
+          <a:p>
+            <a:pPr marL="285750" indent="-285750">
+              <a:buFont typeface="Arial" panose="020B0604020202020204" pitchFamily="34" charset="0"/>
+              <a:buChar char="•"/>
+            </a:pPr>
+            <a:r>
+              <a:rPr lang="en-US" dirty="0"/>
+              <a:t>The a, b, and g frames are all types of the Letter frame</a:t>
+            </a:r>
+          </a:p>
+          <a:p>
+            <a:pPr marL="285750" indent="-285750">
+              <a:buFont typeface="Arial" panose="020B0604020202020204" pitchFamily="34" charset="0"/>
+              <a:buChar char="•"/>
+            </a:pPr>
+            <a:r>
+              <a:rPr lang="en-US" dirty="0"/>
+              <a:t>The Word frame instances have 1 to N slots of type Letter</a:t>
+            </a:r>
+          </a:p>
+          <a:p>
+            <a:pPr marL="285750" indent="-285750">
+              <a:buFont typeface="Arial" panose="020B0604020202020204" pitchFamily="34" charset="0"/>
+              <a:buChar char="•"/>
+            </a:pPr>
+            <a:r>
+              <a:rPr lang="en-US" dirty="0"/>
+              <a:t>The Letter frame instances have one or more INPUT slots and one or more OUTPUT slots</a:t>
+            </a:r>
+          </a:p>
+        </p:txBody>
+      </p:sp>
+      <p:sp>
+        <p:nvSpPr>
+          <p:cNvPr id="3" name="Rectangle 2">
+            <a:extLst>
+              <a:ext uri="{FF2B5EF4-FFF2-40B4-BE49-F238E27FC236}">
+                <a16:creationId xmlns:a16="http://schemas.microsoft.com/office/drawing/2014/main" id="{1778BEC9-8ED2-EC27-005A-F3072BD8607E}"/>
+              </a:ext>
+            </a:extLst>
+          </p:cNvPr>
+          <p:cNvSpPr/>
+          <p:nvPr/>
+        </p:nvSpPr>
+        <p:spPr>
+          <a:xfrm>
+            <a:off x="10575636" y="3536128"/>
+            <a:ext cx="1150254" cy="240020"/>
+          </a:xfrm>
+          <a:prstGeom prst="rect">
+            <a:avLst/>
+          </a:prstGeom>
+          <a:solidFill>
+            <a:schemeClr val="tx2">
+              <a:lumMod val="25000"/>
+              <a:lumOff val="75000"/>
+            </a:schemeClr>
+          </a:solidFill>
+        </p:spPr>
+        <p:style>
+          <a:lnRef idx="2">
+            <a:schemeClr val="accent1">
+              <a:shade val="15000"/>
+            </a:schemeClr>
+          </a:lnRef>
+          <a:fillRef idx="1">
+            <a:schemeClr val="accent1"/>
+          </a:fillRef>
+          <a:effectRef idx="0">
+            <a:schemeClr val="accent1"/>
+          </a:effectRef>
+          <a:fontRef idx="minor">
+            <a:schemeClr val="lt1"/>
+          </a:fontRef>
+        </p:style>
+        <p:txBody>
+          <a:bodyPr rtlCol="0" anchor="ctr"/>
+          <a:lstStyle/>
+          <a:p>
+            <a:pPr algn="ctr"/>
+            <a:r>
+              <a:rPr lang="en-US" sz="1200" dirty="0">
+                <a:solidFill>
+                  <a:schemeClr val="tx1"/>
+                </a:solidFill>
+              </a:rPr>
+              <a:t>Frame Name</a:t>
+            </a:r>
+          </a:p>
+        </p:txBody>
+      </p:sp>
+      <p:sp>
+        <p:nvSpPr>
+          <p:cNvPr id="20" name="Rectangle 19">
+            <a:extLst>
+              <a:ext uri="{FF2B5EF4-FFF2-40B4-BE49-F238E27FC236}">
+                <a16:creationId xmlns:a16="http://schemas.microsoft.com/office/drawing/2014/main" id="{CF5BBF73-47EF-50D3-7FDB-C8B77F8EF20B}"/>
+              </a:ext>
+            </a:extLst>
+          </p:cNvPr>
+          <p:cNvSpPr/>
+          <p:nvPr/>
+        </p:nvSpPr>
+        <p:spPr>
+          <a:xfrm>
+            <a:off x="10598127" y="3889505"/>
+            <a:ext cx="1150254" cy="240020"/>
+          </a:xfrm>
+          <a:prstGeom prst="rect">
+            <a:avLst/>
+          </a:prstGeom>
+          <a:solidFill>
+            <a:schemeClr val="accent2">
+              <a:lumMod val="40000"/>
+              <a:lumOff val="60000"/>
+            </a:schemeClr>
+          </a:solidFill>
+        </p:spPr>
+        <p:style>
+          <a:lnRef idx="2">
+            <a:schemeClr val="accent1">
+              <a:shade val="15000"/>
+            </a:schemeClr>
+          </a:lnRef>
+          <a:fillRef idx="1">
+            <a:schemeClr val="accent1"/>
+          </a:fillRef>
+          <a:effectRef idx="0">
+            <a:schemeClr val="accent1"/>
+          </a:effectRef>
+          <a:fontRef idx="minor">
+            <a:schemeClr val="lt1"/>
+          </a:fontRef>
+        </p:style>
+        <p:txBody>
+          <a:bodyPr rtlCol="0" anchor="ctr"/>
+          <a:lstStyle/>
+          <a:p>
+            <a:pPr algn="ctr"/>
+            <a:r>
+              <a:rPr lang="en-US" sz="1200" dirty="0">
+                <a:solidFill>
+                  <a:schemeClr val="tx1"/>
+                </a:solidFill>
+              </a:rPr>
+              <a:t>Parent Frame</a:t>
+            </a:r>
+          </a:p>
+        </p:txBody>
+      </p:sp>
+      <p:sp>
+        <p:nvSpPr>
+          <p:cNvPr id="29" name="Rectangle 28">
+            <a:extLst>
+              <a:ext uri="{FF2B5EF4-FFF2-40B4-BE49-F238E27FC236}">
+                <a16:creationId xmlns:a16="http://schemas.microsoft.com/office/drawing/2014/main" id="{AC8010CE-356B-93D0-56B4-76687E16A3E2}"/>
+              </a:ext>
+            </a:extLst>
+          </p:cNvPr>
+          <p:cNvSpPr/>
+          <p:nvPr/>
+        </p:nvSpPr>
+        <p:spPr>
+          <a:xfrm>
+            <a:off x="10598127" y="4346606"/>
+            <a:ext cx="1150254" cy="240020"/>
+          </a:xfrm>
+          <a:prstGeom prst="rect">
+            <a:avLst/>
+          </a:prstGeom>
+          <a:solidFill>
+            <a:schemeClr val="accent3">
+              <a:lumMod val="40000"/>
+              <a:lumOff val="60000"/>
+            </a:schemeClr>
+          </a:solidFill>
+        </p:spPr>
+        <p:style>
+          <a:lnRef idx="2">
+            <a:schemeClr val="accent1">
+              <a:shade val="15000"/>
+            </a:schemeClr>
+          </a:lnRef>
+          <a:fillRef idx="1">
+            <a:schemeClr val="accent1"/>
+          </a:fillRef>
+          <a:effectRef idx="0">
+            <a:schemeClr val="accent1"/>
+          </a:effectRef>
+          <a:fontRef idx="minor">
+            <a:schemeClr val="lt1"/>
+          </a:fontRef>
+        </p:style>
+        <p:txBody>
+          <a:bodyPr rtlCol="0" anchor="ctr"/>
+          <a:lstStyle/>
+          <a:p>
+            <a:pPr algn="ctr"/>
+            <a:r>
+              <a:rPr lang="en-US" sz="1200" dirty="0">
+                <a:solidFill>
+                  <a:schemeClr val="tx1"/>
+                </a:solidFill>
+              </a:rPr>
+              <a:t>Slot Frame</a:t>
+            </a:r>
+          </a:p>
+        </p:txBody>
+      </p:sp>
+      <p:sp>
+        <p:nvSpPr>
+          <p:cNvPr id="30" name="Rectangle 29">
+            <a:extLst>
+              <a:ext uri="{FF2B5EF4-FFF2-40B4-BE49-F238E27FC236}">
+                <a16:creationId xmlns:a16="http://schemas.microsoft.com/office/drawing/2014/main" id="{EFF13978-0D2F-7344-3855-DBC97138748E}"/>
+              </a:ext>
+            </a:extLst>
+          </p:cNvPr>
+          <p:cNvSpPr/>
+          <p:nvPr/>
+        </p:nvSpPr>
+        <p:spPr>
+          <a:xfrm>
+            <a:off x="10598127" y="4689764"/>
+            <a:ext cx="1150254" cy="240020"/>
+          </a:xfrm>
+          <a:prstGeom prst="rect">
+            <a:avLst/>
+          </a:prstGeom>
+          <a:solidFill>
+            <a:schemeClr val="bg1"/>
+          </a:solidFill>
+        </p:spPr>
+        <p:style>
+          <a:lnRef idx="2">
+            <a:schemeClr val="accent1">
+              <a:shade val="15000"/>
+            </a:schemeClr>
+          </a:lnRef>
+          <a:fillRef idx="1">
+            <a:schemeClr val="accent1"/>
+          </a:fillRef>
+          <a:effectRef idx="0">
+            <a:schemeClr val="accent1"/>
+          </a:effectRef>
+          <a:fontRef idx="minor">
+            <a:schemeClr val="lt1"/>
+          </a:fontRef>
+        </p:style>
+        <p:txBody>
+          <a:bodyPr rtlCol="0" anchor="ctr"/>
+          <a:lstStyle/>
+          <a:p>
+            <a:pPr algn="ctr"/>
+            <a:r>
+              <a:rPr lang="en-US" sz="1200" dirty="0">
+                <a:solidFill>
+                  <a:schemeClr val="tx1"/>
+                </a:solidFill>
+              </a:rPr>
+              <a:t>Slot Value</a:t>
+            </a:r>
+          </a:p>
+        </p:txBody>
+      </p:sp>
+      <p:sp>
+        <p:nvSpPr>
+          <p:cNvPr id="32" name="Rectangle 31">
+            <a:extLst>
+              <a:ext uri="{FF2B5EF4-FFF2-40B4-BE49-F238E27FC236}">
+                <a16:creationId xmlns:a16="http://schemas.microsoft.com/office/drawing/2014/main" id="{7DEEEB75-AA92-985F-CECD-C45334779509}"/>
+              </a:ext>
+            </a:extLst>
+          </p:cNvPr>
+          <p:cNvSpPr/>
+          <p:nvPr/>
+        </p:nvSpPr>
+        <p:spPr>
+          <a:xfrm>
+            <a:off x="1496549" y="1753795"/>
+            <a:ext cx="1150254" cy="240020"/>
+          </a:xfrm>
+          <a:prstGeom prst="rect">
+            <a:avLst/>
+          </a:prstGeom>
+          <a:solidFill>
+            <a:schemeClr val="tx2">
+              <a:lumMod val="25000"/>
+              <a:lumOff val="75000"/>
+            </a:schemeClr>
+          </a:solidFill>
+        </p:spPr>
+        <p:style>
+          <a:lnRef idx="2">
+            <a:schemeClr val="accent1">
+              <a:shade val="15000"/>
+            </a:schemeClr>
+          </a:lnRef>
+          <a:fillRef idx="1">
+            <a:schemeClr val="accent1"/>
+          </a:fillRef>
+          <a:effectRef idx="0">
+            <a:schemeClr val="accent1"/>
+          </a:effectRef>
+          <a:fontRef idx="minor">
+            <a:schemeClr val="lt1"/>
+          </a:fontRef>
+        </p:style>
+        <p:txBody>
+          <a:bodyPr rtlCol="0" anchor="ctr"/>
+          <a:lstStyle/>
+          <a:p>
+            <a:pPr algn="ctr"/>
+            <a:r>
+              <a:rPr lang="en-US" sz="1200" dirty="0">
+                <a:solidFill>
+                  <a:schemeClr val="tx1"/>
+                </a:solidFill>
+              </a:rPr>
+              <a:t>Word</a:t>
+            </a:r>
+          </a:p>
+        </p:txBody>
+      </p:sp>
+      <p:sp>
+        <p:nvSpPr>
+          <p:cNvPr id="33" name="Rectangle 32">
+            <a:extLst>
+              <a:ext uri="{FF2B5EF4-FFF2-40B4-BE49-F238E27FC236}">
+                <a16:creationId xmlns:a16="http://schemas.microsoft.com/office/drawing/2014/main" id="{CDB4D20F-5865-E6BD-133D-256ED5408852}"/>
+              </a:ext>
+            </a:extLst>
+          </p:cNvPr>
+          <p:cNvSpPr/>
+          <p:nvPr/>
+        </p:nvSpPr>
+        <p:spPr>
+          <a:xfrm>
+            <a:off x="3960896" y="1728533"/>
+            <a:ext cx="1150254" cy="240020"/>
+          </a:xfrm>
+          <a:prstGeom prst="rect">
+            <a:avLst/>
+          </a:prstGeom>
+          <a:solidFill>
+            <a:schemeClr val="tx2">
+              <a:lumMod val="25000"/>
+              <a:lumOff val="75000"/>
+            </a:schemeClr>
+          </a:solidFill>
+        </p:spPr>
+        <p:style>
+          <a:lnRef idx="2">
+            <a:schemeClr val="accent1">
+              <a:shade val="15000"/>
+            </a:schemeClr>
+          </a:lnRef>
+          <a:fillRef idx="1">
+            <a:schemeClr val="accent1"/>
+          </a:fillRef>
+          <a:effectRef idx="0">
+            <a:schemeClr val="accent1"/>
+          </a:effectRef>
+          <a:fontRef idx="minor">
+            <a:schemeClr val="lt1"/>
+          </a:fontRef>
+        </p:style>
+        <p:txBody>
+          <a:bodyPr rtlCol="0" anchor="ctr"/>
+          <a:lstStyle/>
+          <a:p>
+            <a:pPr algn="ctr"/>
+            <a:r>
+              <a:rPr lang="en-US" sz="1200" dirty="0">
+                <a:solidFill>
+                  <a:schemeClr val="tx1"/>
+                </a:solidFill>
+              </a:rPr>
+              <a:t>Letter</a:t>
+            </a:r>
+          </a:p>
+        </p:txBody>
+      </p:sp>
+      <p:cxnSp>
+        <p:nvCxnSpPr>
+          <p:cNvPr id="43" name="Connector: Elbow 42">
+            <a:extLst>
+              <a:ext uri="{FF2B5EF4-FFF2-40B4-BE49-F238E27FC236}">
+                <a16:creationId xmlns:a16="http://schemas.microsoft.com/office/drawing/2014/main" id="{90E5AB45-B539-0BF2-B0A3-1E08B0E33A81}"/>
+              </a:ext>
+            </a:extLst>
+          </p:cNvPr>
+          <p:cNvCxnSpPr>
+            <a:cxnSpLocks/>
+            <a:stCxn id="35" idx="3"/>
+            <a:endCxn id="6" idx="1"/>
+          </p:cNvCxnSpPr>
+          <p:nvPr/>
+        </p:nvCxnSpPr>
+        <p:spPr>
+          <a:xfrm flipV="1">
+            <a:off x="2646803" y="2418044"/>
+            <a:ext cx="1014423" cy="201271"/>
+          </a:xfrm>
+          <a:prstGeom prst="bentConnector3">
+            <a:avLst>
+              <a:gd name="adj1" fmla="val 50000"/>
+            </a:avLst>
+          </a:prstGeom>
+          <a:ln>
+            <a:solidFill>
+              <a:srgbClr val="FF0000"/>
+            </a:solidFill>
+            <a:tailEnd type="triangle"/>
+          </a:ln>
+        </p:spPr>
+        <p:style>
+          <a:lnRef idx="2">
+            <a:schemeClr val="accent1"/>
+          </a:lnRef>
+          <a:fillRef idx="0">
+            <a:schemeClr val="accent1"/>
+          </a:fillRef>
+          <a:effectRef idx="1">
+            <a:schemeClr val="accent1"/>
+          </a:effectRef>
+          <a:fontRef idx="minor">
+            <a:schemeClr val="tx1"/>
+          </a:fontRef>
+        </p:style>
+      </p:cxnSp>
+      <p:cxnSp>
+        <p:nvCxnSpPr>
+          <p:cNvPr id="48" name="Connector: Elbow 47">
+            <a:extLst>
+              <a:ext uri="{FF2B5EF4-FFF2-40B4-BE49-F238E27FC236}">
+                <a16:creationId xmlns:a16="http://schemas.microsoft.com/office/drawing/2014/main" id="{C1F86A04-DB2F-8CED-97C9-FAA640379E03}"/>
+              </a:ext>
+            </a:extLst>
+          </p:cNvPr>
+          <p:cNvCxnSpPr>
+            <a:cxnSpLocks/>
+            <a:stCxn id="36" idx="3"/>
+            <a:endCxn id="6" idx="1"/>
+          </p:cNvCxnSpPr>
+          <p:nvPr/>
+        </p:nvCxnSpPr>
+        <p:spPr>
+          <a:xfrm flipV="1">
+            <a:off x="2646803" y="2418044"/>
+            <a:ext cx="1014423" cy="574025"/>
+          </a:xfrm>
+          <a:prstGeom prst="bentConnector3">
+            <a:avLst>
+              <a:gd name="adj1" fmla="val 50000"/>
+            </a:avLst>
+          </a:prstGeom>
+          <a:ln>
+            <a:solidFill>
+              <a:srgbClr val="FF0000"/>
+            </a:solidFill>
+            <a:tailEnd type="triangle"/>
+          </a:ln>
+        </p:spPr>
+        <p:style>
+          <a:lnRef idx="2">
+            <a:schemeClr val="accent1"/>
+          </a:lnRef>
+          <a:fillRef idx="0">
+            <a:schemeClr val="accent1"/>
+          </a:fillRef>
+          <a:effectRef idx="1">
+            <a:schemeClr val="accent1"/>
+          </a:effectRef>
+          <a:fontRef idx="minor">
+            <a:schemeClr val="tx1"/>
+          </a:fontRef>
+        </p:style>
+      </p:cxnSp>
+      <p:sp>
+        <p:nvSpPr>
+          <p:cNvPr id="52" name="Rectangle 51">
+            <a:extLst>
+              <a:ext uri="{FF2B5EF4-FFF2-40B4-BE49-F238E27FC236}">
+                <a16:creationId xmlns:a16="http://schemas.microsoft.com/office/drawing/2014/main" id="{3695DB11-5869-5ACD-8158-79F5A3D8A677}"/>
+              </a:ext>
+            </a:extLst>
+          </p:cNvPr>
+          <p:cNvSpPr/>
+          <p:nvPr/>
+        </p:nvSpPr>
+        <p:spPr>
+          <a:xfrm>
+            <a:off x="1369773" y="4818704"/>
+            <a:ext cx="1150254" cy="240020"/>
+          </a:xfrm>
+          <a:prstGeom prst="rect">
+            <a:avLst/>
+          </a:prstGeom>
+          <a:solidFill>
+            <a:schemeClr val="tx2">
+              <a:lumMod val="25000"/>
+              <a:lumOff val="75000"/>
+            </a:schemeClr>
+          </a:solidFill>
+        </p:spPr>
+        <p:style>
+          <a:lnRef idx="2">
+            <a:schemeClr val="accent1">
+              <a:shade val="15000"/>
+            </a:schemeClr>
+          </a:lnRef>
+          <a:fillRef idx="1">
+            <a:schemeClr val="accent1"/>
+          </a:fillRef>
+          <a:effectRef idx="0">
+            <a:schemeClr val="accent1"/>
+          </a:effectRef>
+          <a:fontRef idx="minor">
+            <a:schemeClr val="lt1"/>
+          </a:fontRef>
+        </p:style>
+        <p:txBody>
+          <a:bodyPr rtlCol="0" anchor="ctr"/>
+          <a:lstStyle/>
+          <a:p>
+            <a:pPr algn="ctr"/>
+            <a:r>
+              <a:rPr lang="en-US" sz="1200" dirty="0">
+                <a:solidFill>
+                  <a:schemeClr val="tx1"/>
+                </a:solidFill>
+              </a:rPr>
+              <a:t>bag</a:t>
+            </a:r>
+          </a:p>
+        </p:txBody>
+      </p:sp>
+      <p:sp>
+        <p:nvSpPr>
+          <p:cNvPr id="54" name="Rectangle 53">
+            <a:extLst>
+              <a:ext uri="{FF2B5EF4-FFF2-40B4-BE49-F238E27FC236}">
+                <a16:creationId xmlns:a16="http://schemas.microsoft.com/office/drawing/2014/main" id="{9684273A-CF79-41C3-043F-8195339CD2E1}"/>
+              </a:ext>
+            </a:extLst>
+          </p:cNvPr>
+          <p:cNvSpPr/>
+          <p:nvPr/>
+        </p:nvSpPr>
+        <p:spPr>
+          <a:xfrm>
+            <a:off x="4374204" y="4377239"/>
+            <a:ext cx="1150254" cy="240020"/>
+          </a:xfrm>
+          <a:prstGeom prst="rect">
+            <a:avLst/>
+          </a:prstGeom>
+          <a:solidFill>
+            <a:schemeClr val="tx2">
+              <a:lumMod val="25000"/>
+              <a:lumOff val="75000"/>
+            </a:schemeClr>
+          </a:solidFill>
+        </p:spPr>
+        <p:style>
+          <a:lnRef idx="2">
+            <a:schemeClr val="accent1">
+              <a:shade val="15000"/>
+            </a:schemeClr>
+          </a:lnRef>
+          <a:fillRef idx="1">
+            <a:schemeClr val="accent1"/>
+          </a:fillRef>
+          <a:effectRef idx="0">
+            <a:schemeClr val="accent1"/>
+          </a:effectRef>
+          <a:fontRef idx="minor">
+            <a:schemeClr val="lt1"/>
+          </a:fontRef>
+        </p:style>
+        <p:txBody>
+          <a:bodyPr rtlCol="0" anchor="ctr"/>
+          <a:lstStyle/>
+          <a:p>
+            <a:pPr algn="ctr"/>
+            <a:r>
+              <a:rPr lang="en-US" sz="1200" dirty="0">
+                <a:solidFill>
+                  <a:schemeClr val="tx1"/>
+                </a:solidFill>
+              </a:rPr>
+              <a:t>a</a:t>
+            </a:r>
+          </a:p>
+        </p:txBody>
+      </p:sp>
+      <p:sp>
+        <p:nvSpPr>
+          <p:cNvPr id="55" name="Rectangle 54">
+            <a:extLst>
+              <a:ext uri="{FF2B5EF4-FFF2-40B4-BE49-F238E27FC236}">
+                <a16:creationId xmlns:a16="http://schemas.microsoft.com/office/drawing/2014/main" id="{3A7E0824-9A18-49DA-8583-1BF2A4E572A5}"/>
+              </a:ext>
+            </a:extLst>
+          </p:cNvPr>
+          <p:cNvSpPr/>
+          <p:nvPr/>
+        </p:nvSpPr>
+        <p:spPr>
+          <a:xfrm>
+            <a:off x="6490571" y="4411286"/>
+            <a:ext cx="1150254" cy="240020"/>
+          </a:xfrm>
+          <a:prstGeom prst="rect">
+            <a:avLst/>
+          </a:prstGeom>
+          <a:solidFill>
+            <a:schemeClr val="tx2">
+              <a:lumMod val="25000"/>
+              <a:lumOff val="75000"/>
+            </a:schemeClr>
+          </a:solidFill>
+        </p:spPr>
+        <p:style>
+          <a:lnRef idx="2">
+            <a:schemeClr val="accent1">
+              <a:shade val="15000"/>
+            </a:schemeClr>
+          </a:lnRef>
+          <a:fillRef idx="1">
+            <a:schemeClr val="accent1"/>
+          </a:fillRef>
+          <a:effectRef idx="0">
+            <a:schemeClr val="accent1"/>
+          </a:effectRef>
+          <a:fontRef idx="minor">
+            <a:schemeClr val="lt1"/>
+          </a:fontRef>
+        </p:style>
+        <p:txBody>
+          <a:bodyPr rtlCol="0" anchor="ctr"/>
+          <a:lstStyle/>
+          <a:p>
+            <a:pPr algn="ctr"/>
+            <a:r>
+              <a:rPr lang="en-US" sz="1200" dirty="0">
+                <a:solidFill>
+                  <a:schemeClr val="tx1"/>
+                </a:solidFill>
+              </a:rPr>
+              <a:t>b</a:t>
+            </a:r>
+          </a:p>
+        </p:txBody>
+      </p:sp>
+      <p:sp>
+        <p:nvSpPr>
+          <p:cNvPr id="56" name="Rectangle 55">
+            <a:extLst>
+              <a:ext uri="{FF2B5EF4-FFF2-40B4-BE49-F238E27FC236}">
+                <a16:creationId xmlns:a16="http://schemas.microsoft.com/office/drawing/2014/main" id="{8D4A5578-E485-2A7E-FC39-F9DB2E497E7F}"/>
+              </a:ext>
+            </a:extLst>
+          </p:cNvPr>
+          <p:cNvSpPr/>
+          <p:nvPr/>
+        </p:nvSpPr>
+        <p:spPr>
+          <a:xfrm>
+            <a:off x="8607364" y="4407890"/>
+            <a:ext cx="1150254" cy="240020"/>
+          </a:xfrm>
+          <a:prstGeom prst="rect">
+            <a:avLst/>
+          </a:prstGeom>
+          <a:solidFill>
+            <a:schemeClr val="tx2">
+              <a:lumMod val="25000"/>
+              <a:lumOff val="75000"/>
+            </a:schemeClr>
+          </a:solidFill>
+        </p:spPr>
+        <p:style>
+          <a:lnRef idx="2">
+            <a:schemeClr val="accent1">
+              <a:shade val="15000"/>
+            </a:schemeClr>
+          </a:lnRef>
+          <a:fillRef idx="1">
+            <a:schemeClr val="accent1"/>
+          </a:fillRef>
+          <a:effectRef idx="0">
+            <a:schemeClr val="accent1"/>
+          </a:effectRef>
+          <a:fontRef idx="minor">
+            <a:schemeClr val="lt1"/>
+          </a:fontRef>
+        </p:style>
+        <p:txBody>
+          <a:bodyPr rtlCol="0" anchor="ctr"/>
+          <a:lstStyle/>
+          <a:p>
+            <a:pPr algn="ctr"/>
+            <a:r>
+              <a:rPr lang="en-US" sz="1200" dirty="0">
+                <a:solidFill>
+                  <a:schemeClr val="tx1"/>
+                </a:solidFill>
+              </a:rPr>
+              <a:t>g</a:t>
+            </a:r>
+          </a:p>
+        </p:txBody>
+      </p:sp>
+      <p:sp>
+        <p:nvSpPr>
+          <p:cNvPr id="57" name="TextBox 56">
+            <a:extLst>
+              <a:ext uri="{FF2B5EF4-FFF2-40B4-BE49-F238E27FC236}">
+                <a16:creationId xmlns:a16="http://schemas.microsoft.com/office/drawing/2014/main" id="{993FAAD6-E76C-098B-E6CC-76F7062EE542}"/>
+              </a:ext>
+            </a:extLst>
+          </p:cNvPr>
+          <p:cNvSpPr txBox="1"/>
+          <p:nvPr/>
+        </p:nvSpPr>
+        <p:spPr>
+          <a:xfrm>
+            <a:off x="4278324" y="3003740"/>
+            <a:ext cx="5571069" cy="1200329"/>
+          </a:xfrm>
+          <a:prstGeom prst="rect">
+            <a:avLst/>
+          </a:prstGeom>
+          <a:solidFill>
+            <a:srgbClr val="FF0000"/>
+          </a:solidFill>
+        </p:spPr>
+        <p:txBody>
+          <a:bodyPr wrap="square" rtlCol="0">
+            <a:spAutoFit/>
+          </a:bodyPr>
+          <a:lstStyle/>
+          <a:p>
+            <a:r>
+              <a:rPr lang="en-US" dirty="0"/>
+              <a:t>I first thought of having a Lower Case and Upper-Case sub type of Letter, but they need to be closely associated. So, they should be slots. Slots may need to have types.</a:t>
+            </a:r>
+          </a:p>
+        </p:txBody>
+      </p:sp>
+      <p:sp>
+        <p:nvSpPr>
+          <p:cNvPr id="71" name="Rectangle 70">
+            <a:extLst>
+              <a:ext uri="{FF2B5EF4-FFF2-40B4-BE49-F238E27FC236}">
+                <a16:creationId xmlns:a16="http://schemas.microsoft.com/office/drawing/2014/main" id="{88B43CDE-1213-1BAA-6698-005F95923693}"/>
+              </a:ext>
+            </a:extLst>
+          </p:cNvPr>
+          <p:cNvSpPr/>
+          <p:nvPr/>
+        </p:nvSpPr>
+        <p:spPr>
+          <a:xfrm>
+            <a:off x="4371128" y="5383921"/>
+            <a:ext cx="1150254" cy="240020"/>
+          </a:xfrm>
+          <a:prstGeom prst="rect">
+            <a:avLst/>
+          </a:prstGeom>
+          <a:solidFill>
+            <a:schemeClr val="bg1"/>
+          </a:solidFill>
+        </p:spPr>
+        <p:style>
+          <a:lnRef idx="2">
+            <a:schemeClr val="accent1">
+              <a:shade val="15000"/>
+            </a:schemeClr>
+          </a:lnRef>
+          <a:fillRef idx="1">
+            <a:schemeClr val="accent1"/>
+          </a:fillRef>
+          <a:effectRef idx="0">
+            <a:schemeClr val="accent1"/>
+          </a:effectRef>
+          <a:fontRef idx="minor">
+            <a:schemeClr val="lt1"/>
+          </a:fontRef>
+        </p:style>
+        <p:txBody>
+          <a:bodyPr rtlCol="0" anchor="ctr"/>
+          <a:lstStyle/>
+          <a:p>
+            <a:pPr algn="ctr"/>
+            <a:r>
+              <a:rPr lang="en-US" sz="1400" dirty="0">
+                <a:solidFill>
+                  <a:schemeClr val="tx1"/>
+                </a:solidFill>
+              </a:rPr>
+              <a:t>INPUT a</a:t>
+            </a:r>
+          </a:p>
+        </p:txBody>
+      </p:sp>
+      <p:sp>
+        <p:nvSpPr>
+          <p:cNvPr id="72" name="Rectangle 71">
+            <a:extLst>
+              <a:ext uri="{FF2B5EF4-FFF2-40B4-BE49-F238E27FC236}">
+                <a16:creationId xmlns:a16="http://schemas.microsoft.com/office/drawing/2014/main" id="{D86E4AEF-E66E-AB0F-8EE6-C1B936609AD4}"/>
+              </a:ext>
+            </a:extLst>
+          </p:cNvPr>
+          <p:cNvSpPr/>
+          <p:nvPr/>
+        </p:nvSpPr>
+        <p:spPr>
+          <a:xfrm>
+            <a:off x="6497494" y="5371054"/>
+            <a:ext cx="1150254" cy="240020"/>
+          </a:xfrm>
+          <a:prstGeom prst="rect">
+            <a:avLst/>
+          </a:prstGeom>
+          <a:solidFill>
+            <a:schemeClr val="bg1"/>
+          </a:solidFill>
+        </p:spPr>
+        <p:style>
+          <a:lnRef idx="2">
+            <a:schemeClr val="accent1">
+              <a:shade val="15000"/>
+            </a:schemeClr>
+          </a:lnRef>
+          <a:fillRef idx="1">
+            <a:schemeClr val="accent1"/>
+          </a:fillRef>
+          <a:effectRef idx="0">
+            <a:schemeClr val="accent1"/>
+          </a:effectRef>
+          <a:fontRef idx="minor">
+            <a:schemeClr val="lt1"/>
+          </a:fontRef>
+        </p:style>
+        <p:txBody>
+          <a:bodyPr rtlCol="0" anchor="ctr"/>
+          <a:lstStyle/>
+          <a:p>
+            <a:pPr algn="ctr"/>
+            <a:r>
+              <a:rPr lang="en-US" sz="1400" dirty="0">
+                <a:solidFill>
+                  <a:schemeClr val="tx1"/>
+                </a:solidFill>
+              </a:rPr>
+              <a:t>INPUT b</a:t>
+            </a:r>
+          </a:p>
+        </p:txBody>
+      </p:sp>
+      <p:sp>
+        <p:nvSpPr>
+          <p:cNvPr id="73" name="Rectangle 72">
+            <a:extLst>
+              <a:ext uri="{FF2B5EF4-FFF2-40B4-BE49-F238E27FC236}">
+                <a16:creationId xmlns:a16="http://schemas.microsoft.com/office/drawing/2014/main" id="{3448E4A7-7C41-3986-61E8-7EA4011975BF}"/>
+              </a:ext>
+            </a:extLst>
+          </p:cNvPr>
+          <p:cNvSpPr/>
+          <p:nvPr/>
+        </p:nvSpPr>
+        <p:spPr>
+          <a:xfrm>
+            <a:off x="8584948" y="5379714"/>
+            <a:ext cx="1150254" cy="240020"/>
+          </a:xfrm>
+          <a:prstGeom prst="rect">
+            <a:avLst/>
+          </a:prstGeom>
+          <a:solidFill>
+            <a:schemeClr val="bg1"/>
+          </a:solidFill>
+        </p:spPr>
+        <p:style>
+          <a:lnRef idx="2">
+            <a:schemeClr val="accent1">
+              <a:shade val="15000"/>
+            </a:schemeClr>
+          </a:lnRef>
+          <a:fillRef idx="1">
+            <a:schemeClr val="accent1"/>
+          </a:fillRef>
+          <a:effectRef idx="0">
+            <a:schemeClr val="accent1"/>
+          </a:effectRef>
+          <a:fontRef idx="minor">
+            <a:schemeClr val="lt1"/>
+          </a:fontRef>
+        </p:style>
+        <p:txBody>
+          <a:bodyPr rtlCol="0" anchor="ctr"/>
+          <a:lstStyle/>
+          <a:p>
+            <a:pPr algn="ctr"/>
+            <a:r>
+              <a:rPr lang="en-US" sz="1400" dirty="0">
+                <a:solidFill>
+                  <a:schemeClr val="tx1"/>
+                </a:solidFill>
+              </a:rPr>
+              <a:t>INPUT g</a:t>
+            </a:r>
+          </a:p>
+        </p:txBody>
+      </p:sp>
+    </p:spTree>
+    <p:extLst>
+      <p:ext uri="{BB962C8B-B14F-4D97-AF65-F5344CB8AC3E}">
+        <p14:creationId xmlns:p14="http://schemas.microsoft.com/office/powerpoint/2010/main" val="2719501612"/>
+      </p:ext>
+    </p:extLst>
+  </p:cSld>
+  <p:clrMapOvr>
+    <a:masterClrMapping/>
+  </p:clrMapOvr>
+</p:sld>
+</file>
+
+<file path=ppt/slides/slide19.xml><?xml version="1.0" encoding="utf-8"?>
+<p:sld xmlns:a="http://schemas.openxmlformats.org/drawingml/2006/main" xmlns:r="http://schemas.openxmlformats.org/officeDocument/2006/relationships" xmlns:p="http://schemas.openxmlformats.org/presentationml/2006/main">
+  <p:cSld>
+    <p:spTree>
+      <p:nvGrpSpPr>
+        <p:cNvPr id="1" name="">
+          <a:extLst>
+            <a:ext uri="{FF2B5EF4-FFF2-40B4-BE49-F238E27FC236}">
+              <a16:creationId xmlns:a16="http://schemas.microsoft.com/office/drawing/2014/main" id="{CF9A5BC7-6A3B-9A45-5BCB-211EE7913E8D}"/>
+            </a:ext>
+          </a:extLst>
+        </p:cNvPr>
+        <p:cNvGrpSpPr/>
+        <p:nvPr/>
+      </p:nvGrpSpPr>
+      <p:grpSpPr>
+        <a:xfrm>
+          <a:off x="0" y="0"/>
+          <a:ext cx="0" cy="0"/>
+          <a:chOff x="0" y="0"/>
+          <a:chExt cx="0" cy="0"/>
+        </a:xfrm>
+      </p:grpSpPr>
+      <p:sp>
+        <p:nvSpPr>
+          <p:cNvPr id="2" name="Title 1">
+            <a:extLst>
+              <a:ext uri="{FF2B5EF4-FFF2-40B4-BE49-F238E27FC236}">
+                <a16:creationId xmlns:a16="http://schemas.microsoft.com/office/drawing/2014/main" id="{CDA2D788-DA40-6433-BD9F-EF6BFF68EA30}"/>
+              </a:ext>
+            </a:extLst>
+          </p:cNvPr>
+          <p:cNvSpPr>
+            <a:spLocks noGrp="1"/>
+          </p:cNvSpPr>
+          <p:nvPr>
+            <p:ph type="title"/>
+          </p:nvPr>
+        </p:nvSpPr>
+        <p:spPr/>
+        <p:txBody>
+          <a:bodyPr/>
+          <a:lstStyle/>
+          <a:p>
+            <a:r>
+              <a:rPr lang="en-US" dirty="0"/>
+              <a:t>Frame Example</a:t>
+            </a:r>
+          </a:p>
+        </p:txBody>
+      </p:sp>
+      <p:sp>
+        <p:nvSpPr>
+          <p:cNvPr id="4" name="Rectangle: Rounded Corners 3">
+            <a:extLst>
+              <a:ext uri="{FF2B5EF4-FFF2-40B4-BE49-F238E27FC236}">
+                <a16:creationId xmlns:a16="http://schemas.microsoft.com/office/drawing/2014/main" id="{FEB7A172-C1C6-9502-5663-E9D9F84C3DCC}"/>
+              </a:ext>
+            </a:extLst>
+          </p:cNvPr>
+          <p:cNvSpPr/>
+          <p:nvPr/>
+        </p:nvSpPr>
+        <p:spPr>
+          <a:xfrm>
+            <a:off x="1616364" y="2530764"/>
+            <a:ext cx="1681018" cy="1588654"/>
+          </a:xfrm>
+          <a:prstGeom prst="roundRect">
+            <a:avLst/>
+          </a:prstGeom>
+        </p:spPr>
+        <p:style>
+          <a:lnRef idx="2">
+            <a:schemeClr val="accent1">
+              <a:shade val="15000"/>
+            </a:schemeClr>
+          </a:lnRef>
+          <a:fillRef idx="1">
+            <a:schemeClr val="accent1"/>
+          </a:fillRef>
+          <a:effectRef idx="0">
+            <a:schemeClr val="accent1"/>
+          </a:effectRef>
+          <a:fontRef idx="minor">
+            <a:schemeClr val="lt1"/>
+          </a:fontRef>
+        </p:style>
+        <p:txBody>
+          <a:bodyPr rtlCol="0" anchor="ctr"/>
+          <a:lstStyle/>
+          <a:p>
+            <a:pPr algn="ctr"/>
+            <a:endParaRPr lang="en-US"/>
+          </a:p>
+        </p:txBody>
+      </p:sp>
+      <p:sp>
+        <p:nvSpPr>
+          <p:cNvPr id="6" name="Rectangle: Rounded Corners 5">
+            <a:extLst>
+              <a:ext uri="{FF2B5EF4-FFF2-40B4-BE49-F238E27FC236}">
+                <a16:creationId xmlns:a16="http://schemas.microsoft.com/office/drawing/2014/main" id="{6B44845C-3604-5C4A-1110-078D9FC55614}"/>
+              </a:ext>
+            </a:extLst>
+          </p:cNvPr>
+          <p:cNvSpPr/>
+          <p:nvPr/>
+        </p:nvSpPr>
+        <p:spPr>
+          <a:xfrm>
+            <a:off x="4063908" y="2516386"/>
+            <a:ext cx="1681018" cy="1588654"/>
+          </a:xfrm>
+          <a:prstGeom prst="roundRect">
+            <a:avLst/>
+          </a:prstGeom>
+        </p:spPr>
+        <p:style>
+          <a:lnRef idx="2">
+            <a:schemeClr val="accent1">
+              <a:shade val="15000"/>
+            </a:schemeClr>
+          </a:lnRef>
+          <a:fillRef idx="1">
+            <a:schemeClr val="accent1"/>
+          </a:fillRef>
+          <a:effectRef idx="0">
+            <a:schemeClr val="accent1"/>
+          </a:effectRef>
+          <a:fontRef idx="minor">
+            <a:schemeClr val="lt1"/>
+          </a:fontRef>
+        </p:style>
+        <p:txBody>
+          <a:bodyPr rtlCol="0" anchor="ctr"/>
+          <a:lstStyle/>
+          <a:p>
+            <a:pPr algn="ctr"/>
+            <a:endParaRPr lang="en-US"/>
+          </a:p>
+        </p:txBody>
+      </p:sp>
+      <p:sp>
+        <p:nvSpPr>
+          <p:cNvPr id="8" name="Rectangle: Rounded Corners 7">
+            <a:extLst>
+              <a:ext uri="{FF2B5EF4-FFF2-40B4-BE49-F238E27FC236}">
+                <a16:creationId xmlns:a16="http://schemas.microsoft.com/office/drawing/2014/main" id="{85ECD30A-7C9F-393F-240B-F4DC95B2C77D}"/>
+              </a:ext>
+            </a:extLst>
+          </p:cNvPr>
+          <p:cNvSpPr/>
+          <p:nvPr/>
+        </p:nvSpPr>
+        <p:spPr>
+          <a:xfrm>
+            <a:off x="4059694" y="4860052"/>
+            <a:ext cx="1681018" cy="1588654"/>
+          </a:xfrm>
+          <a:prstGeom prst="roundRect">
+            <a:avLst/>
+          </a:prstGeom>
+        </p:spPr>
+        <p:style>
+          <a:lnRef idx="2">
+            <a:schemeClr val="accent1">
+              <a:shade val="15000"/>
+            </a:schemeClr>
+          </a:lnRef>
+          <a:fillRef idx="1">
+            <a:schemeClr val="accent1"/>
+          </a:fillRef>
+          <a:effectRef idx="0">
+            <a:schemeClr val="accent1"/>
+          </a:effectRef>
+          <a:fontRef idx="minor">
+            <a:schemeClr val="lt1"/>
+          </a:fontRef>
+        </p:style>
+        <p:txBody>
+          <a:bodyPr rtlCol="0" anchor="ctr"/>
+          <a:lstStyle/>
+          <a:p>
+            <a:pPr algn="ctr"/>
+            <a:endParaRPr lang="en-US"/>
+          </a:p>
+        </p:txBody>
+      </p:sp>
+      <p:sp>
+        <p:nvSpPr>
+          <p:cNvPr id="10" name="Rectangle: Rounded Corners 9">
+            <a:extLst>
+              <a:ext uri="{FF2B5EF4-FFF2-40B4-BE49-F238E27FC236}">
+                <a16:creationId xmlns:a16="http://schemas.microsoft.com/office/drawing/2014/main" id="{D21BDB79-2FAC-6235-52C2-AFF517812063}"/>
+              </a:ext>
+            </a:extLst>
+          </p:cNvPr>
+          <p:cNvSpPr/>
+          <p:nvPr/>
+        </p:nvSpPr>
+        <p:spPr>
+          <a:xfrm>
+            <a:off x="6187198" y="4860052"/>
+            <a:ext cx="1681018" cy="1588654"/>
+          </a:xfrm>
+          <a:prstGeom prst="roundRect">
+            <a:avLst/>
+          </a:prstGeom>
+        </p:spPr>
+        <p:style>
+          <a:lnRef idx="2">
+            <a:schemeClr val="accent1">
+              <a:shade val="15000"/>
+            </a:schemeClr>
+          </a:lnRef>
+          <a:fillRef idx="1">
+            <a:schemeClr val="accent1"/>
+          </a:fillRef>
+          <a:effectRef idx="0">
+            <a:schemeClr val="accent1"/>
+          </a:effectRef>
+          <a:fontRef idx="minor">
+            <a:schemeClr val="lt1"/>
+          </a:fontRef>
+        </p:style>
+        <p:txBody>
+          <a:bodyPr rtlCol="0" anchor="ctr"/>
+          <a:lstStyle/>
+          <a:p>
+            <a:pPr algn="ctr"/>
+            <a:endParaRPr lang="en-US"/>
+          </a:p>
+        </p:txBody>
+      </p:sp>
+      <p:sp>
+        <p:nvSpPr>
+          <p:cNvPr id="12" name="Rectangle: Rounded Corners 11">
+            <a:extLst>
+              <a:ext uri="{FF2B5EF4-FFF2-40B4-BE49-F238E27FC236}">
+                <a16:creationId xmlns:a16="http://schemas.microsoft.com/office/drawing/2014/main" id="{4490ECE3-53C9-1C85-3433-049B3C4EF9C9}"/>
+              </a:ext>
+            </a:extLst>
+          </p:cNvPr>
+          <p:cNvSpPr/>
+          <p:nvPr/>
+        </p:nvSpPr>
+        <p:spPr>
+          <a:xfrm>
+            <a:off x="8314702" y="4860052"/>
+            <a:ext cx="1681018" cy="1588654"/>
+          </a:xfrm>
+          <a:prstGeom prst="roundRect">
+            <a:avLst/>
+          </a:prstGeom>
+        </p:spPr>
+        <p:style>
+          <a:lnRef idx="2">
+            <a:schemeClr val="accent1">
+              <a:shade val="15000"/>
+            </a:schemeClr>
+          </a:lnRef>
+          <a:fillRef idx="1">
+            <a:schemeClr val="accent1"/>
+          </a:fillRef>
+          <a:effectRef idx="0">
+            <a:schemeClr val="accent1"/>
+          </a:effectRef>
+          <a:fontRef idx="minor">
+            <a:schemeClr val="lt1"/>
+          </a:fontRef>
+        </p:style>
+        <p:txBody>
+          <a:bodyPr rtlCol="0" anchor="ctr"/>
+          <a:lstStyle/>
+          <a:p>
+            <a:pPr algn="ctr"/>
+            <a:endParaRPr lang="en-US"/>
+          </a:p>
+        </p:txBody>
+      </p:sp>
+      <p:sp>
+        <p:nvSpPr>
+          <p:cNvPr id="14" name="Rectangle 13">
+            <a:extLst>
+              <a:ext uri="{FF2B5EF4-FFF2-40B4-BE49-F238E27FC236}">
+                <a16:creationId xmlns:a16="http://schemas.microsoft.com/office/drawing/2014/main" id="{6CA49D84-7086-4F4B-202E-2EBA72CDCB62}"/>
+              </a:ext>
+            </a:extLst>
+          </p:cNvPr>
+          <p:cNvSpPr/>
+          <p:nvPr/>
+        </p:nvSpPr>
+        <p:spPr>
+          <a:xfrm>
+            <a:off x="4363578" y="2999232"/>
+            <a:ext cx="1150254" cy="240020"/>
+          </a:xfrm>
+          <a:prstGeom prst="rect">
+            <a:avLst/>
+          </a:prstGeom>
+          <a:solidFill>
+            <a:schemeClr val="accent2">
+              <a:lumMod val="40000"/>
+              <a:lumOff val="60000"/>
+            </a:schemeClr>
+          </a:solidFill>
+        </p:spPr>
+        <p:style>
+          <a:lnRef idx="2">
+            <a:schemeClr val="accent1">
+              <a:shade val="15000"/>
+            </a:schemeClr>
+          </a:lnRef>
+          <a:fillRef idx="1">
+            <a:schemeClr val="accent1"/>
+          </a:fillRef>
+          <a:effectRef idx="0">
+            <a:schemeClr val="accent1"/>
+          </a:effectRef>
+          <a:fontRef idx="minor">
+            <a:schemeClr val="lt1"/>
+          </a:fontRef>
+        </p:style>
+        <p:txBody>
+          <a:bodyPr rtlCol="0" anchor="ctr"/>
+          <a:lstStyle/>
+          <a:p>
+            <a:pPr algn="ctr"/>
+            <a:endParaRPr lang="en-US" sz="1200">
+              <a:solidFill>
+                <a:schemeClr val="tx1"/>
+              </a:solidFill>
+            </a:endParaRPr>
+          </a:p>
+        </p:txBody>
+      </p:sp>
+      <p:sp>
+        <p:nvSpPr>
+          <p:cNvPr id="15" name="Rectangle 14">
+            <a:extLst>
+              <a:ext uri="{FF2B5EF4-FFF2-40B4-BE49-F238E27FC236}">
+                <a16:creationId xmlns:a16="http://schemas.microsoft.com/office/drawing/2014/main" id="{AFDD7360-0AC8-A9AE-A2FA-74B416F7F42B}"/>
+              </a:ext>
+            </a:extLst>
+          </p:cNvPr>
+          <p:cNvSpPr/>
+          <p:nvPr/>
+        </p:nvSpPr>
+        <p:spPr>
+          <a:xfrm>
+            <a:off x="4363578" y="3376738"/>
+            <a:ext cx="1150254" cy="240020"/>
+          </a:xfrm>
+          <a:prstGeom prst="rect">
+            <a:avLst/>
+          </a:prstGeom>
+          <a:solidFill>
+            <a:schemeClr val="bg1"/>
+          </a:solidFill>
+        </p:spPr>
+        <p:style>
+          <a:lnRef idx="2">
+            <a:schemeClr val="accent1">
+              <a:shade val="15000"/>
+            </a:schemeClr>
+          </a:lnRef>
+          <a:fillRef idx="1">
+            <a:schemeClr val="accent1"/>
+          </a:fillRef>
+          <a:effectRef idx="0">
+            <a:schemeClr val="accent1"/>
+          </a:effectRef>
+          <a:fontRef idx="minor">
+            <a:schemeClr val="lt1"/>
+          </a:fontRef>
+        </p:style>
+        <p:txBody>
+          <a:bodyPr rtlCol="0" anchor="ctr"/>
+          <a:lstStyle/>
+          <a:p>
+            <a:pPr algn="ctr"/>
+            <a:r>
+              <a:rPr lang="en-US" sz="1400" dirty="0">
+                <a:solidFill>
+                  <a:schemeClr val="tx1"/>
+                </a:solidFill>
+              </a:rPr>
+              <a:t>INPUT X</a:t>
+            </a:r>
+          </a:p>
+        </p:txBody>
+      </p:sp>
+      <p:sp>
+        <p:nvSpPr>
+          <p:cNvPr id="16" name="Rectangle 15">
+            <a:extLst>
+              <a:ext uri="{FF2B5EF4-FFF2-40B4-BE49-F238E27FC236}">
+                <a16:creationId xmlns:a16="http://schemas.microsoft.com/office/drawing/2014/main" id="{38057503-B072-55BF-3114-17896DB24186}"/>
+              </a:ext>
+            </a:extLst>
+          </p:cNvPr>
+          <p:cNvSpPr/>
+          <p:nvPr/>
+        </p:nvSpPr>
+        <p:spPr>
+          <a:xfrm>
+            <a:off x="4363578" y="3733968"/>
+            <a:ext cx="1150254" cy="240020"/>
+          </a:xfrm>
+          <a:prstGeom prst="rect">
+            <a:avLst/>
+          </a:prstGeom>
+          <a:solidFill>
+            <a:schemeClr val="bg1"/>
+          </a:solidFill>
+        </p:spPr>
+        <p:style>
+          <a:lnRef idx="2">
+            <a:schemeClr val="accent1">
+              <a:shade val="15000"/>
+            </a:schemeClr>
+          </a:lnRef>
+          <a:fillRef idx="1">
+            <a:schemeClr val="accent1"/>
+          </a:fillRef>
+          <a:effectRef idx="0">
+            <a:schemeClr val="accent1"/>
+          </a:effectRef>
+          <a:fontRef idx="minor">
+            <a:schemeClr val="lt1"/>
+          </a:fontRef>
+        </p:style>
+        <p:txBody>
+          <a:bodyPr rtlCol="0" anchor="ctr"/>
+          <a:lstStyle/>
+          <a:p>
+            <a:pPr algn="ctr"/>
+            <a:r>
+              <a:rPr lang="en-US" sz="1400" dirty="0">
+                <a:solidFill>
+                  <a:schemeClr val="tx1"/>
+                </a:solidFill>
+              </a:rPr>
+              <a:t>OUTPUT X</a:t>
+            </a:r>
+          </a:p>
+        </p:txBody>
+      </p:sp>
+      <p:sp>
+        <p:nvSpPr>
+          <p:cNvPr id="17" name="Rectangle 16">
+            <a:extLst>
+              <a:ext uri="{FF2B5EF4-FFF2-40B4-BE49-F238E27FC236}">
+                <a16:creationId xmlns:a16="http://schemas.microsoft.com/office/drawing/2014/main" id="{BF03AE7B-7CFA-ECE0-E872-63C4F2B876F0}"/>
+              </a:ext>
+            </a:extLst>
+          </p:cNvPr>
+          <p:cNvSpPr/>
+          <p:nvPr/>
+        </p:nvSpPr>
+        <p:spPr>
+          <a:xfrm>
+            <a:off x="4363578" y="5235636"/>
+            <a:ext cx="1150254" cy="240020"/>
+          </a:xfrm>
+          <a:prstGeom prst="rect">
+            <a:avLst/>
+          </a:prstGeom>
+          <a:solidFill>
+            <a:schemeClr val="accent2">
+              <a:lumMod val="40000"/>
+              <a:lumOff val="60000"/>
+            </a:schemeClr>
+          </a:solidFill>
+        </p:spPr>
+        <p:style>
+          <a:lnRef idx="2">
+            <a:schemeClr val="accent1">
+              <a:shade val="15000"/>
+            </a:schemeClr>
+          </a:lnRef>
+          <a:fillRef idx="1">
+            <a:schemeClr val="accent1"/>
+          </a:fillRef>
+          <a:effectRef idx="0">
+            <a:schemeClr val="accent1"/>
+          </a:effectRef>
+          <a:fontRef idx="minor">
+            <a:schemeClr val="lt1"/>
+          </a:fontRef>
+        </p:style>
+        <p:txBody>
+          <a:bodyPr rtlCol="0" anchor="ctr"/>
+          <a:lstStyle/>
+          <a:p>
+            <a:pPr algn="ctr"/>
+            <a:endParaRPr lang="en-US" sz="1200">
+              <a:solidFill>
+                <a:schemeClr val="tx1"/>
+              </a:solidFill>
+            </a:endParaRPr>
+          </a:p>
+        </p:txBody>
+      </p:sp>
+      <p:sp>
+        <p:nvSpPr>
+          <p:cNvPr id="18" name="Rectangle 17">
+            <a:extLst>
+              <a:ext uri="{FF2B5EF4-FFF2-40B4-BE49-F238E27FC236}">
+                <a16:creationId xmlns:a16="http://schemas.microsoft.com/office/drawing/2014/main" id="{86625F19-7157-9B13-C6AB-1E7CD7209765}"/>
+              </a:ext>
+            </a:extLst>
+          </p:cNvPr>
+          <p:cNvSpPr/>
+          <p:nvPr/>
+        </p:nvSpPr>
+        <p:spPr>
+          <a:xfrm>
+            <a:off x="4363578" y="5594854"/>
+            <a:ext cx="1150254" cy="240020"/>
+          </a:xfrm>
+          <a:prstGeom prst="rect">
+            <a:avLst/>
+          </a:prstGeom>
+          <a:solidFill>
+            <a:schemeClr val="bg1"/>
+          </a:solidFill>
+        </p:spPr>
+        <p:style>
+          <a:lnRef idx="2">
+            <a:schemeClr val="accent1">
+              <a:shade val="15000"/>
+            </a:schemeClr>
+          </a:lnRef>
+          <a:fillRef idx="1">
+            <a:schemeClr val="accent1"/>
+          </a:fillRef>
+          <a:effectRef idx="0">
+            <a:schemeClr val="accent1"/>
+          </a:effectRef>
+          <a:fontRef idx="minor">
+            <a:schemeClr val="lt1"/>
+          </a:fontRef>
+        </p:style>
+        <p:txBody>
+          <a:bodyPr rtlCol="0" anchor="ctr"/>
+          <a:lstStyle/>
+          <a:p>
+            <a:pPr algn="ctr"/>
+            <a:r>
+              <a:rPr lang="en-US" sz="1400" dirty="0">
+                <a:solidFill>
+                  <a:schemeClr val="tx1"/>
+                </a:solidFill>
+              </a:rPr>
+              <a:t>INPUT 0</a:t>
+            </a:r>
+          </a:p>
+        </p:txBody>
+      </p:sp>
+      <p:sp>
+        <p:nvSpPr>
+          <p:cNvPr id="19" name="Rectangle 18">
+            <a:extLst>
+              <a:ext uri="{FF2B5EF4-FFF2-40B4-BE49-F238E27FC236}">
+                <a16:creationId xmlns:a16="http://schemas.microsoft.com/office/drawing/2014/main" id="{9CDFA542-8081-4FF6-AD6E-78DFA4B3C7BA}"/>
+              </a:ext>
+            </a:extLst>
+          </p:cNvPr>
+          <p:cNvSpPr/>
+          <p:nvPr/>
+        </p:nvSpPr>
+        <p:spPr>
+          <a:xfrm>
+            <a:off x="4363578" y="6006948"/>
+            <a:ext cx="1150254" cy="240020"/>
+          </a:xfrm>
+          <a:prstGeom prst="rect">
+            <a:avLst/>
+          </a:prstGeom>
+          <a:solidFill>
+            <a:schemeClr val="bg1"/>
+          </a:solidFill>
+        </p:spPr>
+        <p:style>
+          <a:lnRef idx="2">
+            <a:schemeClr val="accent1">
+              <a:shade val="15000"/>
+            </a:schemeClr>
+          </a:lnRef>
+          <a:fillRef idx="1">
+            <a:schemeClr val="accent1"/>
+          </a:fillRef>
+          <a:effectRef idx="0">
+            <a:schemeClr val="accent1"/>
+          </a:effectRef>
+          <a:fontRef idx="minor">
+            <a:schemeClr val="lt1"/>
+          </a:fontRef>
+        </p:style>
+        <p:txBody>
+          <a:bodyPr rtlCol="0" anchor="ctr"/>
+          <a:lstStyle/>
+          <a:p>
+            <a:pPr algn="ctr"/>
+            <a:r>
+              <a:rPr lang="en-US" sz="1400" dirty="0">
+                <a:solidFill>
+                  <a:schemeClr val="tx1"/>
+                </a:solidFill>
+              </a:rPr>
+              <a:t>OUTPUT 0</a:t>
+            </a:r>
+          </a:p>
+        </p:txBody>
+      </p:sp>
+      <p:cxnSp>
+        <p:nvCxnSpPr>
+          <p:cNvPr id="21" name="Connector: Elbow 20">
+            <a:extLst>
+              <a:ext uri="{FF2B5EF4-FFF2-40B4-BE49-F238E27FC236}">
+                <a16:creationId xmlns:a16="http://schemas.microsoft.com/office/drawing/2014/main" id="{4654090C-DC6C-FDA1-43A5-E4C84FC8A896}"/>
+              </a:ext>
+            </a:extLst>
+          </p:cNvPr>
+          <p:cNvCxnSpPr>
+            <a:stCxn id="17" idx="3"/>
+            <a:endCxn id="6" idx="2"/>
+          </p:cNvCxnSpPr>
+          <p:nvPr/>
+        </p:nvCxnSpPr>
+        <p:spPr>
+          <a:xfrm flipH="1" flipV="1">
+            <a:off x="4904417" y="4105040"/>
+            <a:ext cx="609415" cy="1250606"/>
+          </a:xfrm>
+          <a:prstGeom prst="bentConnector4">
+            <a:avLst>
+              <a:gd name="adj1" fmla="val -37511"/>
+              <a:gd name="adj2" fmla="val 54798"/>
+            </a:avLst>
+          </a:prstGeom>
+          <a:ln>
+            <a:solidFill>
+              <a:srgbClr val="FF0000"/>
+            </a:solidFill>
+            <a:tailEnd type="triangle"/>
+          </a:ln>
+        </p:spPr>
+        <p:style>
+          <a:lnRef idx="2">
+            <a:schemeClr val="accent1"/>
+          </a:lnRef>
+          <a:fillRef idx="0">
+            <a:schemeClr val="accent1"/>
+          </a:fillRef>
+          <a:effectRef idx="1">
+            <a:schemeClr val="accent1"/>
+          </a:effectRef>
+          <a:fontRef idx="minor">
+            <a:schemeClr val="tx1"/>
+          </a:fontRef>
+        </p:style>
+      </p:cxnSp>
+      <p:sp>
+        <p:nvSpPr>
+          <p:cNvPr id="22" name="Rectangle 21">
+            <a:extLst>
+              <a:ext uri="{FF2B5EF4-FFF2-40B4-BE49-F238E27FC236}">
+                <a16:creationId xmlns:a16="http://schemas.microsoft.com/office/drawing/2014/main" id="{25505FED-4C19-F61F-82EE-4C5FAEC70D6F}"/>
+              </a:ext>
+            </a:extLst>
+          </p:cNvPr>
+          <p:cNvSpPr/>
+          <p:nvPr/>
+        </p:nvSpPr>
+        <p:spPr>
+          <a:xfrm>
+            <a:off x="6497494" y="5290500"/>
+            <a:ext cx="1150254" cy="240020"/>
+          </a:xfrm>
+          <a:prstGeom prst="rect">
+            <a:avLst/>
+          </a:prstGeom>
+          <a:solidFill>
+            <a:schemeClr val="accent2">
+              <a:lumMod val="40000"/>
+              <a:lumOff val="60000"/>
+            </a:schemeClr>
+          </a:solidFill>
+        </p:spPr>
+        <p:style>
+          <a:lnRef idx="2">
+            <a:schemeClr val="accent1">
+              <a:shade val="15000"/>
+            </a:schemeClr>
+          </a:lnRef>
+          <a:fillRef idx="1">
+            <a:schemeClr val="accent1"/>
+          </a:fillRef>
+          <a:effectRef idx="0">
+            <a:schemeClr val="accent1"/>
+          </a:effectRef>
+          <a:fontRef idx="minor">
+            <a:schemeClr val="lt1"/>
+          </a:fontRef>
+        </p:style>
+        <p:txBody>
+          <a:bodyPr rtlCol="0" anchor="ctr"/>
+          <a:lstStyle/>
+          <a:p>
+            <a:pPr algn="ctr"/>
+            <a:endParaRPr lang="en-US" sz="1200">
+              <a:solidFill>
+                <a:schemeClr val="tx1"/>
+              </a:solidFill>
+            </a:endParaRPr>
+          </a:p>
+        </p:txBody>
+      </p:sp>
+      <p:sp>
+        <p:nvSpPr>
+          <p:cNvPr id="23" name="Rectangle 22">
+            <a:extLst>
+              <a:ext uri="{FF2B5EF4-FFF2-40B4-BE49-F238E27FC236}">
+                <a16:creationId xmlns:a16="http://schemas.microsoft.com/office/drawing/2014/main" id="{88CBD8F8-863F-E1D3-DA0B-AC317E1E1561}"/>
+              </a:ext>
+            </a:extLst>
+          </p:cNvPr>
+          <p:cNvSpPr/>
+          <p:nvPr/>
+        </p:nvSpPr>
+        <p:spPr>
+          <a:xfrm>
+            <a:off x="6497494" y="5668006"/>
+            <a:ext cx="1150254" cy="240020"/>
+          </a:xfrm>
+          <a:prstGeom prst="rect">
+            <a:avLst/>
+          </a:prstGeom>
+          <a:solidFill>
+            <a:schemeClr val="bg1"/>
+          </a:solidFill>
+        </p:spPr>
+        <p:style>
+          <a:lnRef idx="2">
+            <a:schemeClr val="accent1">
+              <a:shade val="15000"/>
+            </a:schemeClr>
+          </a:lnRef>
+          <a:fillRef idx="1">
+            <a:schemeClr val="accent1"/>
+          </a:fillRef>
+          <a:effectRef idx="0">
+            <a:schemeClr val="accent1"/>
+          </a:effectRef>
+          <a:fontRef idx="minor">
+            <a:schemeClr val="lt1"/>
+          </a:fontRef>
+        </p:style>
+        <p:txBody>
+          <a:bodyPr rtlCol="0" anchor="ctr"/>
+          <a:lstStyle/>
+          <a:p>
+            <a:pPr algn="ctr"/>
+            <a:r>
+              <a:rPr lang="en-US" sz="1400" dirty="0">
+                <a:solidFill>
+                  <a:schemeClr val="tx1"/>
+                </a:solidFill>
+              </a:rPr>
+              <a:t>INPUT 1</a:t>
+            </a:r>
+          </a:p>
+        </p:txBody>
+      </p:sp>
+      <p:sp>
+        <p:nvSpPr>
+          <p:cNvPr id="24" name="Rectangle 23">
+            <a:extLst>
+              <a:ext uri="{FF2B5EF4-FFF2-40B4-BE49-F238E27FC236}">
+                <a16:creationId xmlns:a16="http://schemas.microsoft.com/office/drawing/2014/main" id="{6C24F9F6-ED2E-26E3-DB07-E1D3F3F4685B}"/>
+              </a:ext>
+            </a:extLst>
+          </p:cNvPr>
+          <p:cNvSpPr/>
+          <p:nvPr/>
+        </p:nvSpPr>
+        <p:spPr>
+          <a:xfrm>
+            <a:off x="6497494" y="6006948"/>
+            <a:ext cx="1150254" cy="240020"/>
+          </a:xfrm>
+          <a:prstGeom prst="rect">
+            <a:avLst/>
+          </a:prstGeom>
+          <a:solidFill>
+            <a:schemeClr val="bg1"/>
+          </a:solidFill>
+        </p:spPr>
+        <p:style>
+          <a:lnRef idx="2">
+            <a:schemeClr val="accent1">
+              <a:shade val="15000"/>
+            </a:schemeClr>
+          </a:lnRef>
+          <a:fillRef idx="1">
+            <a:schemeClr val="accent1"/>
+          </a:fillRef>
+          <a:effectRef idx="0">
+            <a:schemeClr val="accent1"/>
+          </a:effectRef>
+          <a:fontRef idx="minor">
+            <a:schemeClr val="lt1"/>
+          </a:fontRef>
+        </p:style>
+        <p:txBody>
+          <a:bodyPr rtlCol="0" anchor="ctr"/>
+          <a:lstStyle/>
+          <a:p>
+            <a:pPr algn="ctr"/>
+            <a:r>
+              <a:rPr lang="en-US" sz="1400" dirty="0">
+                <a:solidFill>
+                  <a:schemeClr val="tx1"/>
+                </a:solidFill>
+              </a:rPr>
+              <a:t>OUTPUT 1</a:t>
+            </a:r>
+          </a:p>
+        </p:txBody>
+      </p:sp>
+      <p:sp>
+        <p:nvSpPr>
+          <p:cNvPr id="25" name="Rectangle 24">
+            <a:extLst>
+              <a:ext uri="{FF2B5EF4-FFF2-40B4-BE49-F238E27FC236}">
+                <a16:creationId xmlns:a16="http://schemas.microsoft.com/office/drawing/2014/main" id="{5C663D3B-BD07-7482-9AD7-03C8ADDDBA2C}"/>
+              </a:ext>
+            </a:extLst>
+          </p:cNvPr>
+          <p:cNvSpPr/>
+          <p:nvPr/>
+        </p:nvSpPr>
+        <p:spPr>
+          <a:xfrm>
+            <a:off x="8607364" y="5299644"/>
+            <a:ext cx="1150254" cy="240020"/>
+          </a:xfrm>
+          <a:prstGeom prst="rect">
+            <a:avLst/>
+          </a:prstGeom>
+          <a:solidFill>
+            <a:schemeClr val="accent2">
+              <a:lumMod val="40000"/>
+              <a:lumOff val="60000"/>
+            </a:schemeClr>
+          </a:solidFill>
+        </p:spPr>
+        <p:style>
+          <a:lnRef idx="2">
+            <a:schemeClr val="accent1">
+              <a:shade val="15000"/>
+            </a:schemeClr>
+          </a:lnRef>
+          <a:fillRef idx="1">
+            <a:schemeClr val="accent1"/>
+          </a:fillRef>
+          <a:effectRef idx="0">
+            <a:schemeClr val="accent1"/>
+          </a:effectRef>
+          <a:fontRef idx="minor">
+            <a:schemeClr val="lt1"/>
+          </a:fontRef>
+        </p:style>
+        <p:txBody>
+          <a:bodyPr rtlCol="0" anchor="ctr"/>
+          <a:lstStyle/>
+          <a:p>
+            <a:pPr algn="ctr"/>
+            <a:endParaRPr lang="en-US" sz="1200">
+              <a:solidFill>
+                <a:schemeClr val="tx1"/>
+              </a:solidFill>
+            </a:endParaRPr>
+          </a:p>
+        </p:txBody>
+      </p:sp>
+      <p:sp>
+        <p:nvSpPr>
+          <p:cNvPr id="26" name="Rectangle 25">
+            <a:extLst>
+              <a:ext uri="{FF2B5EF4-FFF2-40B4-BE49-F238E27FC236}">
+                <a16:creationId xmlns:a16="http://schemas.microsoft.com/office/drawing/2014/main" id="{B5D6FC5F-99C0-8553-3222-DF877E96531F}"/>
+              </a:ext>
+            </a:extLst>
+          </p:cNvPr>
+          <p:cNvSpPr/>
+          <p:nvPr/>
+        </p:nvSpPr>
+        <p:spPr>
+          <a:xfrm>
+            <a:off x="8607364" y="5677150"/>
+            <a:ext cx="1150254" cy="240020"/>
+          </a:xfrm>
+          <a:prstGeom prst="rect">
+            <a:avLst/>
+          </a:prstGeom>
+          <a:solidFill>
+            <a:schemeClr val="bg1"/>
+          </a:solidFill>
+        </p:spPr>
+        <p:style>
+          <a:lnRef idx="2">
+            <a:schemeClr val="accent1">
+              <a:shade val="15000"/>
+            </a:schemeClr>
+          </a:lnRef>
+          <a:fillRef idx="1">
+            <a:schemeClr val="accent1"/>
+          </a:fillRef>
+          <a:effectRef idx="0">
+            <a:schemeClr val="accent1"/>
+          </a:effectRef>
+          <a:fontRef idx="minor">
+            <a:schemeClr val="lt1"/>
+          </a:fontRef>
+        </p:style>
+        <p:txBody>
+          <a:bodyPr rtlCol="0" anchor="ctr"/>
+          <a:lstStyle/>
+          <a:p>
+            <a:pPr algn="ctr"/>
+            <a:r>
+              <a:rPr lang="en-US" sz="1400" dirty="0">
+                <a:solidFill>
+                  <a:schemeClr val="tx1"/>
+                </a:solidFill>
+              </a:rPr>
+              <a:t>INPUT 2</a:t>
+            </a:r>
+          </a:p>
+        </p:txBody>
+      </p:sp>
+      <p:sp>
+        <p:nvSpPr>
+          <p:cNvPr id="27" name="Rectangle 26">
+            <a:extLst>
+              <a:ext uri="{FF2B5EF4-FFF2-40B4-BE49-F238E27FC236}">
+                <a16:creationId xmlns:a16="http://schemas.microsoft.com/office/drawing/2014/main" id="{B6AB543F-B867-FCFB-CE14-F9DE264A31E9}"/>
+              </a:ext>
+            </a:extLst>
+          </p:cNvPr>
+          <p:cNvSpPr/>
+          <p:nvPr/>
+        </p:nvSpPr>
+        <p:spPr>
+          <a:xfrm>
+            <a:off x="8607364" y="6006948"/>
+            <a:ext cx="1150254" cy="240020"/>
+          </a:xfrm>
+          <a:prstGeom prst="rect">
+            <a:avLst/>
+          </a:prstGeom>
+          <a:solidFill>
+            <a:schemeClr val="bg1"/>
+          </a:solidFill>
+        </p:spPr>
+        <p:style>
+          <a:lnRef idx="2">
+            <a:schemeClr val="accent1">
+              <a:shade val="15000"/>
+            </a:schemeClr>
+          </a:lnRef>
+          <a:fillRef idx="1">
+            <a:schemeClr val="accent1"/>
+          </a:fillRef>
+          <a:effectRef idx="0">
+            <a:schemeClr val="accent1"/>
+          </a:effectRef>
+          <a:fontRef idx="minor">
+            <a:schemeClr val="lt1"/>
+          </a:fontRef>
+        </p:style>
+        <p:txBody>
+          <a:bodyPr rtlCol="0" anchor="ctr"/>
+          <a:lstStyle/>
+          <a:p>
+            <a:pPr algn="ctr"/>
+            <a:r>
+              <a:rPr lang="en-US" sz="1400" dirty="0">
+                <a:solidFill>
+                  <a:schemeClr val="tx1"/>
+                </a:solidFill>
+              </a:rPr>
+              <a:t>OUTPUT 2</a:t>
+            </a:r>
+          </a:p>
+        </p:txBody>
+      </p:sp>
+      <p:cxnSp>
+        <p:nvCxnSpPr>
+          <p:cNvPr id="28" name="Connector: Elbow 27">
+            <a:extLst>
+              <a:ext uri="{FF2B5EF4-FFF2-40B4-BE49-F238E27FC236}">
+                <a16:creationId xmlns:a16="http://schemas.microsoft.com/office/drawing/2014/main" id="{971DAACE-B623-41D9-20EA-CD71933058CE}"/>
+              </a:ext>
+            </a:extLst>
+          </p:cNvPr>
+          <p:cNvCxnSpPr>
+            <a:cxnSpLocks/>
+            <a:stCxn id="22" idx="3"/>
+            <a:endCxn id="6" idx="2"/>
+          </p:cNvCxnSpPr>
+          <p:nvPr/>
+        </p:nvCxnSpPr>
+        <p:spPr>
+          <a:xfrm flipH="1" flipV="1">
+            <a:off x="4904417" y="4105040"/>
+            <a:ext cx="2743331" cy="1305470"/>
+          </a:xfrm>
+          <a:prstGeom prst="bentConnector4">
+            <a:avLst>
+              <a:gd name="adj1" fmla="val -8333"/>
+              <a:gd name="adj2" fmla="val 64402"/>
+            </a:avLst>
+          </a:prstGeom>
+          <a:ln>
+            <a:solidFill>
+              <a:srgbClr val="FF0000"/>
+            </a:solidFill>
+            <a:tailEnd type="triangle"/>
+          </a:ln>
+        </p:spPr>
+        <p:style>
+          <a:lnRef idx="2">
+            <a:schemeClr val="accent1"/>
+          </a:lnRef>
+          <a:fillRef idx="0">
+            <a:schemeClr val="accent1"/>
+          </a:fillRef>
+          <a:effectRef idx="1">
+            <a:schemeClr val="accent1"/>
+          </a:effectRef>
+          <a:fontRef idx="minor">
+            <a:schemeClr val="tx1"/>
+          </a:fontRef>
+        </p:style>
+      </p:cxnSp>
+      <p:cxnSp>
+        <p:nvCxnSpPr>
+          <p:cNvPr id="31" name="Connector: Elbow 30">
+            <a:extLst>
+              <a:ext uri="{FF2B5EF4-FFF2-40B4-BE49-F238E27FC236}">
+                <a16:creationId xmlns:a16="http://schemas.microsoft.com/office/drawing/2014/main" id="{37005D39-0013-5FC9-39A2-3705CD9CBA40}"/>
+              </a:ext>
+            </a:extLst>
+          </p:cNvPr>
+          <p:cNvCxnSpPr>
+            <a:cxnSpLocks/>
+            <a:stCxn id="25" idx="3"/>
+            <a:endCxn id="6" idx="2"/>
+          </p:cNvCxnSpPr>
+          <p:nvPr/>
+        </p:nvCxnSpPr>
+        <p:spPr>
+          <a:xfrm flipH="1" flipV="1">
+            <a:off x="4904417" y="4105040"/>
+            <a:ext cx="4853201" cy="1314614"/>
+          </a:xfrm>
+          <a:prstGeom prst="bentConnector4">
+            <a:avLst>
+              <a:gd name="adj1" fmla="val -4710"/>
+              <a:gd name="adj2" fmla="val 73344"/>
+            </a:avLst>
+          </a:prstGeom>
+          <a:ln>
+            <a:solidFill>
+              <a:srgbClr val="FF0000"/>
+            </a:solidFill>
+            <a:tailEnd type="triangle"/>
+          </a:ln>
+        </p:spPr>
+        <p:style>
+          <a:lnRef idx="2">
+            <a:schemeClr val="accent1"/>
+          </a:lnRef>
+          <a:fillRef idx="0">
+            <a:schemeClr val="accent1"/>
+          </a:fillRef>
+          <a:effectRef idx="1">
+            <a:schemeClr val="accent1"/>
+          </a:effectRef>
+          <a:fontRef idx="minor">
+            <a:schemeClr val="tx1"/>
+          </a:fontRef>
+        </p:style>
+      </p:cxnSp>
+      <p:sp>
+        <p:nvSpPr>
+          <p:cNvPr id="34" name="Rectangle 33">
+            <a:extLst>
+              <a:ext uri="{FF2B5EF4-FFF2-40B4-BE49-F238E27FC236}">
+                <a16:creationId xmlns:a16="http://schemas.microsoft.com/office/drawing/2014/main" id="{6A2AD52C-62B3-12B4-53BD-1BB8CB81D7AC}"/>
+              </a:ext>
+            </a:extLst>
+          </p:cNvPr>
+          <p:cNvSpPr/>
+          <p:nvPr/>
+        </p:nvSpPr>
+        <p:spPr>
+          <a:xfrm>
+            <a:off x="1899231" y="3019219"/>
+            <a:ext cx="1150254" cy="240020"/>
+          </a:xfrm>
+          <a:prstGeom prst="rect">
+            <a:avLst/>
+          </a:prstGeom>
+          <a:solidFill>
+            <a:schemeClr val="accent2">
+              <a:lumMod val="40000"/>
+              <a:lumOff val="60000"/>
+            </a:schemeClr>
+          </a:solidFill>
+        </p:spPr>
+        <p:style>
+          <a:lnRef idx="2">
+            <a:schemeClr val="accent1">
+              <a:shade val="15000"/>
+            </a:schemeClr>
+          </a:lnRef>
+          <a:fillRef idx="1">
+            <a:schemeClr val="accent1"/>
+          </a:fillRef>
+          <a:effectRef idx="0">
+            <a:schemeClr val="accent1"/>
+          </a:effectRef>
+          <a:fontRef idx="minor">
+            <a:schemeClr val="lt1"/>
+          </a:fontRef>
+        </p:style>
+        <p:txBody>
+          <a:bodyPr rtlCol="0" anchor="ctr"/>
+          <a:lstStyle/>
+          <a:p>
+            <a:pPr algn="ctr"/>
+            <a:endParaRPr lang="en-US" sz="1200">
+              <a:solidFill>
+                <a:schemeClr val="tx1"/>
+              </a:solidFill>
+            </a:endParaRPr>
+          </a:p>
+        </p:txBody>
+      </p:sp>
+      <p:sp>
+        <p:nvSpPr>
+          <p:cNvPr id="35" name="Rectangle 34">
+            <a:extLst>
+              <a:ext uri="{FF2B5EF4-FFF2-40B4-BE49-F238E27FC236}">
+                <a16:creationId xmlns:a16="http://schemas.microsoft.com/office/drawing/2014/main" id="{F4095656-96FD-EF02-A1A8-F3CB32B4F5FE}"/>
+              </a:ext>
+            </a:extLst>
+          </p:cNvPr>
+          <p:cNvSpPr/>
+          <p:nvPr/>
+        </p:nvSpPr>
+        <p:spPr>
+          <a:xfrm>
+            <a:off x="1899231" y="3391974"/>
+            <a:ext cx="1150254" cy="240020"/>
+          </a:xfrm>
+          <a:prstGeom prst="rect">
+            <a:avLst/>
+          </a:prstGeom>
+          <a:solidFill>
+            <a:schemeClr val="accent3">
+              <a:lumMod val="40000"/>
+              <a:lumOff val="60000"/>
+            </a:schemeClr>
+          </a:solidFill>
+        </p:spPr>
+        <p:style>
+          <a:lnRef idx="2">
+            <a:schemeClr val="accent1">
+              <a:shade val="15000"/>
+            </a:schemeClr>
+          </a:lnRef>
+          <a:fillRef idx="1">
+            <a:schemeClr val="accent1"/>
+          </a:fillRef>
+          <a:effectRef idx="0">
+            <a:schemeClr val="accent1"/>
+          </a:effectRef>
+          <a:fontRef idx="minor">
+            <a:schemeClr val="lt1"/>
+          </a:fontRef>
+        </p:style>
+        <p:txBody>
+          <a:bodyPr rtlCol="0" anchor="ctr"/>
+          <a:lstStyle/>
+          <a:p>
+            <a:pPr algn="ctr"/>
+            <a:endParaRPr lang="en-US" sz="1200" dirty="0">
+              <a:solidFill>
+                <a:schemeClr val="tx1"/>
+              </a:solidFill>
+            </a:endParaRPr>
+          </a:p>
+        </p:txBody>
+      </p:sp>
+      <p:sp>
+        <p:nvSpPr>
+          <p:cNvPr id="36" name="Rectangle 35">
+            <a:extLst>
+              <a:ext uri="{FF2B5EF4-FFF2-40B4-BE49-F238E27FC236}">
+                <a16:creationId xmlns:a16="http://schemas.microsoft.com/office/drawing/2014/main" id="{27F40C68-3CDA-C125-0A77-942E5033C55A}"/>
+              </a:ext>
+            </a:extLst>
+          </p:cNvPr>
+          <p:cNvSpPr/>
+          <p:nvPr/>
+        </p:nvSpPr>
+        <p:spPr>
+          <a:xfrm>
+            <a:off x="1899231" y="3764728"/>
+            <a:ext cx="1150254" cy="240020"/>
+          </a:xfrm>
+          <a:prstGeom prst="rect">
+            <a:avLst/>
+          </a:prstGeom>
+          <a:solidFill>
+            <a:schemeClr val="accent3">
+              <a:lumMod val="40000"/>
+              <a:lumOff val="60000"/>
+            </a:schemeClr>
+          </a:solidFill>
+        </p:spPr>
+        <p:style>
+          <a:lnRef idx="2">
+            <a:schemeClr val="accent1">
+              <a:shade val="15000"/>
+            </a:schemeClr>
+          </a:lnRef>
+          <a:fillRef idx="1">
+            <a:schemeClr val="accent1"/>
+          </a:fillRef>
+          <a:effectRef idx="0">
+            <a:schemeClr val="accent1"/>
+          </a:effectRef>
+          <a:fontRef idx="minor">
+            <a:schemeClr val="lt1"/>
+          </a:fontRef>
+        </p:style>
+        <p:txBody>
+          <a:bodyPr rtlCol="0" anchor="ctr"/>
+          <a:lstStyle/>
+          <a:p>
+            <a:pPr algn="ctr"/>
+            <a:endParaRPr lang="en-US" sz="1200" dirty="0">
+              <a:solidFill>
+                <a:schemeClr val="tx1"/>
+              </a:solidFill>
+            </a:endParaRPr>
+          </a:p>
+        </p:txBody>
+      </p:sp>
+      <p:sp>
+        <p:nvSpPr>
+          <p:cNvPr id="37" name="Rectangle: Rounded Corners 36">
+            <a:extLst>
+              <a:ext uri="{FF2B5EF4-FFF2-40B4-BE49-F238E27FC236}">
+                <a16:creationId xmlns:a16="http://schemas.microsoft.com/office/drawing/2014/main" id="{EB3D3235-3F8A-578F-D1EE-43716A33EE72}"/>
+              </a:ext>
+            </a:extLst>
+          </p:cNvPr>
+          <p:cNvSpPr/>
+          <p:nvPr/>
+        </p:nvSpPr>
+        <p:spPr>
+          <a:xfrm>
+            <a:off x="1070156" y="4757682"/>
+            <a:ext cx="1681018" cy="1844286"/>
+          </a:xfrm>
+          <a:prstGeom prst="roundRect">
+            <a:avLst/>
+          </a:prstGeom>
+        </p:spPr>
+        <p:style>
+          <a:lnRef idx="2">
+            <a:schemeClr val="accent1">
+              <a:shade val="15000"/>
+            </a:schemeClr>
+          </a:lnRef>
+          <a:fillRef idx="1">
+            <a:schemeClr val="accent1"/>
+          </a:fillRef>
+          <a:effectRef idx="0">
+            <a:schemeClr val="accent1"/>
+          </a:effectRef>
+          <a:fontRef idx="minor">
+            <a:schemeClr val="lt1"/>
+          </a:fontRef>
+        </p:style>
+        <p:txBody>
+          <a:bodyPr rtlCol="0" anchor="ctr"/>
+          <a:lstStyle/>
+          <a:p>
+            <a:pPr algn="ctr"/>
+            <a:endParaRPr lang="en-US"/>
+          </a:p>
+        </p:txBody>
+      </p:sp>
+      <p:sp>
+        <p:nvSpPr>
+          <p:cNvPr id="39" name="Rectangle 38">
+            <a:extLst>
+              <a:ext uri="{FF2B5EF4-FFF2-40B4-BE49-F238E27FC236}">
+                <a16:creationId xmlns:a16="http://schemas.microsoft.com/office/drawing/2014/main" id="{5C265101-4219-2D17-DF48-4DB2026656B2}"/>
+              </a:ext>
+            </a:extLst>
+          </p:cNvPr>
+          <p:cNvSpPr/>
+          <p:nvPr/>
+        </p:nvSpPr>
+        <p:spPr>
+          <a:xfrm>
+            <a:off x="1352199" y="5132788"/>
+            <a:ext cx="1150254" cy="240020"/>
+          </a:xfrm>
+          <a:prstGeom prst="rect">
+            <a:avLst/>
+          </a:prstGeom>
+          <a:solidFill>
+            <a:schemeClr val="accent2">
+              <a:lumMod val="40000"/>
+              <a:lumOff val="60000"/>
+            </a:schemeClr>
+          </a:solidFill>
+        </p:spPr>
+        <p:style>
+          <a:lnRef idx="2">
+            <a:schemeClr val="accent1">
+              <a:shade val="15000"/>
+            </a:schemeClr>
+          </a:lnRef>
+          <a:fillRef idx="1">
+            <a:schemeClr val="accent1"/>
+          </a:fillRef>
+          <a:effectRef idx="0">
+            <a:schemeClr val="accent1"/>
+          </a:effectRef>
+          <a:fontRef idx="minor">
+            <a:schemeClr val="lt1"/>
+          </a:fontRef>
+        </p:style>
+        <p:txBody>
+          <a:bodyPr rtlCol="0" anchor="ctr"/>
+          <a:lstStyle/>
+          <a:p>
+            <a:pPr algn="ctr"/>
+            <a:endParaRPr lang="en-US" sz="1200">
+              <a:solidFill>
+                <a:schemeClr val="tx1"/>
+              </a:solidFill>
+            </a:endParaRPr>
+          </a:p>
+        </p:txBody>
+      </p:sp>
+      <p:sp>
+        <p:nvSpPr>
+          <p:cNvPr id="40" name="Rectangle 39">
+            <a:extLst>
+              <a:ext uri="{FF2B5EF4-FFF2-40B4-BE49-F238E27FC236}">
+                <a16:creationId xmlns:a16="http://schemas.microsoft.com/office/drawing/2014/main" id="{3961E32D-79BC-6116-2045-0338CB43C5D0}"/>
+              </a:ext>
+            </a:extLst>
+          </p:cNvPr>
+          <p:cNvSpPr/>
+          <p:nvPr/>
+        </p:nvSpPr>
+        <p:spPr>
+          <a:xfrm>
+            <a:off x="1353847" y="5489311"/>
+            <a:ext cx="1150254" cy="240020"/>
+          </a:xfrm>
+          <a:prstGeom prst="rect">
+            <a:avLst/>
+          </a:prstGeom>
+          <a:solidFill>
+            <a:schemeClr val="accent3">
+              <a:lumMod val="40000"/>
+              <a:lumOff val="60000"/>
+            </a:schemeClr>
+          </a:solidFill>
+        </p:spPr>
+        <p:style>
+          <a:lnRef idx="2">
+            <a:schemeClr val="accent1">
+              <a:shade val="15000"/>
+            </a:schemeClr>
+          </a:lnRef>
+          <a:fillRef idx="1">
+            <a:schemeClr val="accent1"/>
+          </a:fillRef>
+          <a:effectRef idx="0">
+            <a:schemeClr val="accent1"/>
+          </a:effectRef>
+          <a:fontRef idx="minor">
+            <a:schemeClr val="lt1"/>
+          </a:fontRef>
+        </p:style>
+        <p:txBody>
+          <a:bodyPr rtlCol="0" anchor="ctr"/>
+          <a:lstStyle/>
+          <a:p>
+            <a:pPr algn="ctr"/>
+            <a:endParaRPr lang="en-US" sz="1200" dirty="0">
+              <a:solidFill>
+                <a:schemeClr val="tx1"/>
+              </a:solidFill>
+            </a:endParaRPr>
+          </a:p>
+        </p:txBody>
+      </p:sp>
+      <p:sp>
+        <p:nvSpPr>
+          <p:cNvPr id="41" name="Rectangle 40">
+            <a:extLst>
+              <a:ext uri="{FF2B5EF4-FFF2-40B4-BE49-F238E27FC236}">
+                <a16:creationId xmlns:a16="http://schemas.microsoft.com/office/drawing/2014/main" id="{D4A29E25-D4A7-26E1-4F12-CEE0D2914205}"/>
+              </a:ext>
+            </a:extLst>
+          </p:cNvPr>
+          <p:cNvSpPr/>
+          <p:nvPr/>
+        </p:nvSpPr>
+        <p:spPr>
+          <a:xfrm>
+            <a:off x="1352199" y="5845834"/>
+            <a:ext cx="1150254" cy="240020"/>
+          </a:xfrm>
+          <a:prstGeom prst="rect">
+            <a:avLst/>
+          </a:prstGeom>
+          <a:solidFill>
+            <a:schemeClr val="accent3">
+              <a:lumMod val="40000"/>
+              <a:lumOff val="60000"/>
+            </a:schemeClr>
+          </a:solidFill>
+        </p:spPr>
+        <p:style>
+          <a:lnRef idx="2">
+            <a:schemeClr val="accent1">
+              <a:shade val="15000"/>
+            </a:schemeClr>
+          </a:lnRef>
+          <a:fillRef idx="1">
+            <a:schemeClr val="accent1"/>
+          </a:fillRef>
+          <a:effectRef idx="0">
+            <a:schemeClr val="accent1"/>
+          </a:effectRef>
+          <a:fontRef idx="minor">
+            <a:schemeClr val="lt1"/>
+          </a:fontRef>
+        </p:style>
+        <p:txBody>
+          <a:bodyPr rtlCol="0" anchor="ctr"/>
+          <a:lstStyle/>
+          <a:p>
+            <a:pPr algn="ctr"/>
+            <a:endParaRPr lang="en-US" sz="1200" dirty="0">
+              <a:solidFill>
+                <a:schemeClr val="tx1"/>
+              </a:solidFill>
+            </a:endParaRPr>
+          </a:p>
+        </p:txBody>
+      </p:sp>
+      <p:cxnSp>
+        <p:nvCxnSpPr>
+          <p:cNvPr id="42" name="Connector: Elbow 41">
+            <a:extLst>
+              <a:ext uri="{FF2B5EF4-FFF2-40B4-BE49-F238E27FC236}">
+                <a16:creationId xmlns:a16="http://schemas.microsoft.com/office/drawing/2014/main" id="{15BEA162-B522-F345-1296-03A75475F85F}"/>
+              </a:ext>
+            </a:extLst>
+          </p:cNvPr>
+          <p:cNvCxnSpPr>
+            <a:cxnSpLocks/>
+            <a:stCxn id="39" idx="3"/>
+            <a:endCxn id="4" idx="2"/>
+          </p:cNvCxnSpPr>
+          <p:nvPr/>
+        </p:nvCxnSpPr>
+        <p:spPr>
+          <a:xfrm flipH="1" flipV="1">
+            <a:off x="2456873" y="4119418"/>
+            <a:ext cx="45580" cy="1133380"/>
+          </a:xfrm>
+          <a:prstGeom prst="bentConnector4">
+            <a:avLst>
+              <a:gd name="adj1" fmla="val -501536"/>
+              <a:gd name="adj2" fmla="val 55294"/>
+            </a:avLst>
+          </a:prstGeom>
+          <a:ln>
+            <a:solidFill>
+              <a:srgbClr val="FF0000"/>
+            </a:solidFill>
+            <a:tailEnd type="triangle"/>
+          </a:ln>
+        </p:spPr>
+        <p:style>
+          <a:lnRef idx="2">
+            <a:schemeClr val="accent1"/>
+          </a:lnRef>
+          <a:fillRef idx="0">
+            <a:schemeClr val="accent1"/>
+          </a:fillRef>
+          <a:effectRef idx="1">
+            <a:schemeClr val="accent1"/>
+          </a:effectRef>
+          <a:fontRef idx="minor">
+            <a:schemeClr val="tx1"/>
+          </a:fontRef>
+        </p:style>
+      </p:cxnSp>
+      <p:cxnSp>
+        <p:nvCxnSpPr>
+          <p:cNvPr id="46" name="Connector: Elbow 45">
+            <a:extLst>
+              <a:ext uri="{FF2B5EF4-FFF2-40B4-BE49-F238E27FC236}">
+                <a16:creationId xmlns:a16="http://schemas.microsoft.com/office/drawing/2014/main" id="{35F96ED5-842D-01EF-75E4-D029535A91B0}"/>
+              </a:ext>
+            </a:extLst>
+          </p:cNvPr>
+          <p:cNvCxnSpPr>
+            <a:cxnSpLocks/>
+            <a:stCxn id="40" idx="3"/>
+            <a:endCxn id="10" idx="2"/>
+          </p:cNvCxnSpPr>
+          <p:nvPr/>
+        </p:nvCxnSpPr>
+        <p:spPr>
+          <a:xfrm>
+            <a:off x="2504101" y="5609321"/>
+            <a:ext cx="4523606" cy="839385"/>
+          </a:xfrm>
+          <a:prstGeom prst="bentConnector4">
+            <a:avLst>
+              <a:gd name="adj1" fmla="val 29188"/>
+              <a:gd name="adj2" fmla="val 127234"/>
+            </a:avLst>
+          </a:prstGeom>
+          <a:ln>
+            <a:solidFill>
+              <a:srgbClr val="FF0000"/>
+            </a:solidFill>
+            <a:tailEnd type="triangle"/>
+          </a:ln>
+        </p:spPr>
+        <p:style>
+          <a:lnRef idx="2">
+            <a:schemeClr val="accent1"/>
+          </a:lnRef>
+          <a:fillRef idx="0">
+            <a:schemeClr val="accent1"/>
+          </a:fillRef>
+          <a:effectRef idx="1">
+            <a:schemeClr val="accent1"/>
+          </a:effectRef>
+          <a:fontRef idx="minor">
+            <a:schemeClr val="tx1"/>
+          </a:fontRef>
+        </p:style>
+      </p:cxnSp>
+      <p:cxnSp>
+        <p:nvCxnSpPr>
+          <p:cNvPr id="50" name="Connector: Elbow 49">
+            <a:extLst>
+              <a:ext uri="{FF2B5EF4-FFF2-40B4-BE49-F238E27FC236}">
+                <a16:creationId xmlns:a16="http://schemas.microsoft.com/office/drawing/2014/main" id="{C9EEA3C7-AB9A-2E14-07A0-05FEA5B7035C}"/>
+              </a:ext>
+            </a:extLst>
+          </p:cNvPr>
+          <p:cNvCxnSpPr>
+            <a:cxnSpLocks/>
+            <a:stCxn id="41" idx="3"/>
+            <a:endCxn id="8" idx="2"/>
+          </p:cNvCxnSpPr>
+          <p:nvPr/>
+        </p:nvCxnSpPr>
+        <p:spPr>
+          <a:xfrm>
+            <a:off x="2502453" y="5965844"/>
+            <a:ext cx="2397750" cy="482862"/>
+          </a:xfrm>
+          <a:prstGeom prst="bentConnector4">
+            <a:avLst>
+              <a:gd name="adj1" fmla="val 32473"/>
+              <a:gd name="adj2" fmla="val 135981"/>
+            </a:avLst>
+          </a:prstGeom>
+          <a:ln>
+            <a:solidFill>
+              <a:srgbClr val="FF0000"/>
+            </a:solidFill>
+            <a:tailEnd type="triangle"/>
+          </a:ln>
+        </p:spPr>
+        <p:style>
+          <a:lnRef idx="2">
+            <a:schemeClr val="accent1"/>
+          </a:lnRef>
+          <a:fillRef idx="0">
+            <a:schemeClr val="accent1"/>
+          </a:fillRef>
+          <a:effectRef idx="1">
+            <a:schemeClr val="accent1"/>
+          </a:effectRef>
+          <a:fontRef idx="minor">
+            <a:schemeClr val="tx1"/>
+          </a:fontRef>
+        </p:style>
+      </p:cxnSp>
+      <p:sp>
+        <p:nvSpPr>
+          <p:cNvPr id="60" name="TextBox 59">
+            <a:extLst>
+              <a:ext uri="{FF2B5EF4-FFF2-40B4-BE49-F238E27FC236}">
+                <a16:creationId xmlns:a16="http://schemas.microsoft.com/office/drawing/2014/main" id="{DD969493-C278-F7A8-2BF8-29700E1E3BD0}"/>
+              </a:ext>
+            </a:extLst>
+          </p:cNvPr>
+          <p:cNvSpPr txBox="1"/>
+          <p:nvPr/>
+        </p:nvSpPr>
+        <p:spPr>
+          <a:xfrm>
+            <a:off x="6839712" y="365125"/>
+            <a:ext cx="4754880" cy="2862322"/>
+          </a:xfrm>
+          <a:prstGeom prst="rect">
+            <a:avLst/>
+          </a:prstGeom>
+          <a:noFill/>
+        </p:spPr>
+        <p:txBody>
+          <a:bodyPr wrap="square" rtlCol="0">
+            <a:spAutoFit/>
+          </a:bodyPr>
+          <a:lstStyle/>
+          <a:p>
+            <a:r>
+              <a:rPr lang="en-US" dirty="0"/>
+              <a:t>Here we have a very simple frame example for the number 10</a:t>
+            </a:r>
+          </a:p>
+          <a:p>
+            <a:pPr marL="285750" indent="-285750">
+              <a:buFont typeface="Arial" panose="020B0604020202020204" pitchFamily="34" charset="0"/>
+              <a:buChar char="•"/>
+            </a:pPr>
+            <a:r>
+              <a:rPr lang="en-US" dirty="0"/>
+              <a:t>The Number and Digit frames are abstract</a:t>
+            </a:r>
+          </a:p>
+          <a:p>
+            <a:pPr marL="285750" indent="-285750">
+              <a:buFont typeface="Arial" panose="020B0604020202020204" pitchFamily="34" charset="0"/>
+              <a:buChar char="•"/>
+            </a:pPr>
+            <a:r>
+              <a:rPr lang="en-US" dirty="0"/>
+              <a:t>The 10 frame is a type of the Number frame</a:t>
+            </a:r>
+          </a:p>
+          <a:p>
+            <a:pPr marL="285750" indent="-285750">
+              <a:buFont typeface="Arial" panose="020B0604020202020204" pitchFamily="34" charset="0"/>
+              <a:buChar char="•"/>
+            </a:pPr>
+            <a:r>
+              <a:rPr lang="en-US" dirty="0"/>
+              <a:t>The 0, 1, and 2 frames are all types of the Digit frame</a:t>
+            </a:r>
+          </a:p>
+          <a:p>
+            <a:pPr marL="285750" indent="-285750">
+              <a:buFont typeface="Arial" panose="020B0604020202020204" pitchFamily="34" charset="0"/>
+              <a:buChar char="•"/>
+            </a:pPr>
+            <a:r>
+              <a:rPr lang="en-US" dirty="0"/>
+              <a:t>The Number frame instances have 1 to N slots of type Digit</a:t>
+            </a:r>
+          </a:p>
+          <a:p>
+            <a:pPr marL="285750" indent="-285750">
+              <a:buFont typeface="Arial" panose="020B0604020202020204" pitchFamily="34" charset="0"/>
+              <a:buChar char="•"/>
+            </a:pPr>
+            <a:r>
+              <a:rPr lang="en-US" dirty="0"/>
+              <a:t>The Digit frame instances have one or more INPUT slots and one or more OUTPUT slots</a:t>
+            </a:r>
+          </a:p>
+        </p:txBody>
+      </p:sp>
+      <p:sp>
+        <p:nvSpPr>
+          <p:cNvPr id="3" name="Rectangle 2">
+            <a:extLst>
+              <a:ext uri="{FF2B5EF4-FFF2-40B4-BE49-F238E27FC236}">
+                <a16:creationId xmlns:a16="http://schemas.microsoft.com/office/drawing/2014/main" id="{19663CCF-5BD3-6214-958E-2915EA4FD57F}"/>
+              </a:ext>
+            </a:extLst>
+          </p:cNvPr>
+          <p:cNvSpPr/>
+          <p:nvPr/>
+        </p:nvSpPr>
+        <p:spPr>
+          <a:xfrm>
+            <a:off x="10575636" y="3536128"/>
+            <a:ext cx="1150254" cy="240020"/>
+          </a:xfrm>
+          <a:prstGeom prst="rect">
+            <a:avLst/>
+          </a:prstGeom>
+          <a:solidFill>
+            <a:schemeClr val="tx2">
+              <a:lumMod val="25000"/>
+              <a:lumOff val="75000"/>
+            </a:schemeClr>
+          </a:solidFill>
+        </p:spPr>
+        <p:style>
+          <a:lnRef idx="2">
+            <a:schemeClr val="accent1">
+              <a:shade val="15000"/>
+            </a:schemeClr>
+          </a:lnRef>
+          <a:fillRef idx="1">
+            <a:schemeClr val="accent1"/>
+          </a:fillRef>
+          <a:effectRef idx="0">
+            <a:schemeClr val="accent1"/>
+          </a:effectRef>
+          <a:fontRef idx="minor">
+            <a:schemeClr val="lt1"/>
+          </a:fontRef>
+        </p:style>
+        <p:txBody>
+          <a:bodyPr rtlCol="0" anchor="ctr"/>
+          <a:lstStyle/>
+          <a:p>
+            <a:pPr algn="ctr"/>
+            <a:r>
+              <a:rPr lang="en-US" sz="1200" dirty="0">
+                <a:solidFill>
+                  <a:schemeClr val="tx1"/>
+                </a:solidFill>
+              </a:rPr>
+              <a:t>Frame Name</a:t>
+            </a:r>
+          </a:p>
+        </p:txBody>
+      </p:sp>
+      <p:sp>
+        <p:nvSpPr>
+          <p:cNvPr id="20" name="Rectangle 19">
+            <a:extLst>
+              <a:ext uri="{FF2B5EF4-FFF2-40B4-BE49-F238E27FC236}">
+                <a16:creationId xmlns:a16="http://schemas.microsoft.com/office/drawing/2014/main" id="{869990F5-44B0-45A5-2883-BB2E2FB7ACC3}"/>
+              </a:ext>
+            </a:extLst>
+          </p:cNvPr>
+          <p:cNvSpPr/>
+          <p:nvPr/>
+        </p:nvSpPr>
+        <p:spPr>
+          <a:xfrm>
+            <a:off x="10598127" y="3889505"/>
+            <a:ext cx="1150254" cy="240020"/>
+          </a:xfrm>
+          <a:prstGeom prst="rect">
+            <a:avLst/>
+          </a:prstGeom>
+          <a:solidFill>
+            <a:schemeClr val="accent2">
+              <a:lumMod val="40000"/>
+              <a:lumOff val="60000"/>
+            </a:schemeClr>
+          </a:solidFill>
+        </p:spPr>
+        <p:style>
+          <a:lnRef idx="2">
+            <a:schemeClr val="accent1">
+              <a:shade val="15000"/>
+            </a:schemeClr>
+          </a:lnRef>
+          <a:fillRef idx="1">
+            <a:schemeClr val="accent1"/>
+          </a:fillRef>
+          <a:effectRef idx="0">
+            <a:schemeClr val="accent1"/>
+          </a:effectRef>
+          <a:fontRef idx="minor">
+            <a:schemeClr val="lt1"/>
+          </a:fontRef>
+        </p:style>
+        <p:txBody>
+          <a:bodyPr rtlCol="0" anchor="ctr"/>
+          <a:lstStyle/>
+          <a:p>
+            <a:pPr algn="ctr"/>
+            <a:r>
+              <a:rPr lang="en-US" sz="1200" dirty="0">
+                <a:solidFill>
+                  <a:schemeClr val="tx1"/>
+                </a:solidFill>
+              </a:rPr>
+              <a:t>Parent Frame</a:t>
+            </a:r>
+          </a:p>
+        </p:txBody>
+      </p:sp>
+      <p:sp>
+        <p:nvSpPr>
+          <p:cNvPr id="29" name="Rectangle 28">
+            <a:extLst>
+              <a:ext uri="{FF2B5EF4-FFF2-40B4-BE49-F238E27FC236}">
+                <a16:creationId xmlns:a16="http://schemas.microsoft.com/office/drawing/2014/main" id="{91CD459F-96FA-E220-3E74-B0E0F59E03E1}"/>
+              </a:ext>
+            </a:extLst>
+          </p:cNvPr>
+          <p:cNvSpPr/>
+          <p:nvPr/>
+        </p:nvSpPr>
+        <p:spPr>
+          <a:xfrm>
+            <a:off x="10598127" y="4346606"/>
+            <a:ext cx="1150254" cy="240020"/>
+          </a:xfrm>
+          <a:prstGeom prst="rect">
+            <a:avLst/>
+          </a:prstGeom>
+          <a:solidFill>
+            <a:schemeClr val="accent3">
+              <a:lumMod val="40000"/>
+              <a:lumOff val="60000"/>
+            </a:schemeClr>
+          </a:solidFill>
+        </p:spPr>
+        <p:style>
+          <a:lnRef idx="2">
+            <a:schemeClr val="accent1">
+              <a:shade val="15000"/>
+            </a:schemeClr>
+          </a:lnRef>
+          <a:fillRef idx="1">
+            <a:schemeClr val="accent1"/>
+          </a:fillRef>
+          <a:effectRef idx="0">
+            <a:schemeClr val="accent1"/>
+          </a:effectRef>
+          <a:fontRef idx="minor">
+            <a:schemeClr val="lt1"/>
+          </a:fontRef>
+        </p:style>
+        <p:txBody>
+          <a:bodyPr rtlCol="0" anchor="ctr"/>
+          <a:lstStyle/>
+          <a:p>
+            <a:pPr algn="ctr"/>
+            <a:r>
+              <a:rPr lang="en-US" sz="1200" dirty="0">
+                <a:solidFill>
+                  <a:schemeClr val="tx1"/>
+                </a:solidFill>
+              </a:rPr>
+              <a:t>Slot Frame</a:t>
+            </a:r>
+          </a:p>
+        </p:txBody>
+      </p:sp>
+      <p:sp>
+        <p:nvSpPr>
+          <p:cNvPr id="30" name="Rectangle 29">
+            <a:extLst>
+              <a:ext uri="{FF2B5EF4-FFF2-40B4-BE49-F238E27FC236}">
+                <a16:creationId xmlns:a16="http://schemas.microsoft.com/office/drawing/2014/main" id="{E6A41835-1394-2D35-DD1D-B99A88285CBE}"/>
+              </a:ext>
+            </a:extLst>
+          </p:cNvPr>
+          <p:cNvSpPr/>
+          <p:nvPr/>
+        </p:nvSpPr>
+        <p:spPr>
+          <a:xfrm>
+            <a:off x="10598127" y="4689764"/>
+            <a:ext cx="1150254" cy="240020"/>
+          </a:xfrm>
+          <a:prstGeom prst="rect">
+            <a:avLst/>
+          </a:prstGeom>
+          <a:solidFill>
+            <a:schemeClr val="bg1"/>
+          </a:solidFill>
+        </p:spPr>
+        <p:style>
+          <a:lnRef idx="2">
+            <a:schemeClr val="accent1">
+              <a:shade val="15000"/>
+            </a:schemeClr>
+          </a:lnRef>
+          <a:fillRef idx="1">
+            <a:schemeClr val="accent1"/>
+          </a:fillRef>
+          <a:effectRef idx="0">
+            <a:schemeClr val="accent1"/>
+          </a:effectRef>
+          <a:fontRef idx="minor">
+            <a:schemeClr val="lt1"/>
+          </a:fontRef>
+        </p:style>
+        <p:txBody>
+          <a:bodyPr rtlCol="0" anchor="ctr"/>
+          <a:lstStyle/>
+          <a:p>
+            <a:pPr algn="ctr"/>
+            <a:r>
+              <a:rPr lang="en-US" sz="1200" dirty="0">
+                <a:solidFill>
+                  <a:schemeClr val="tx1"/>
+                </a:solidFill>
+              </a:rPr>
+              <a:t>Slot Value</a:t>
+            </a:r>
+          </a:p>
+        </p:txBody>
+      </p:sp>
+      <p:sp>
+        <p:nvSpPr>
+          <p:cNvPr id="32" name="Rectangle 31">
+            <a:extLst>
+              <a:ext uri="{FF2B5EF4-FFF2-40B4-BE49-F238E27FC236}">
+                <a16:creationId xmlns:a16="http://schemas.microsoft.com/office/drawing/2014/main" id="{73592721-9711-444D-1E32-6782AE9C5EC0}"/>
+              </a:ext>
+            </a:extLst>
+          </p:cNvPr>
+          <p:cNvSpPr/>
+          <p:nvPr/>
+        </p:nvSpPr>
+        <p:spPr>
+          <a:xfrm>
+            <a:off x="1899231" y="2646464"/>
+            <a:ext cx="1150254" cy="240020"/>
+          </a:xfrm>
+          <a:prstGeom prst="rect">
+            <a:avLst/>
+          </a:prstGeom>
+          <a:solidFill>
+            <a:schemeClr val="tx2">
+              <a:lumMod val="25000"/>
+              <a:lumOff val="75000"/>
+            </a:schemeClr>
+          </a:solidFill>
+        </p:spPr>
+        <p:style>
+          <a:lnRef idx="2">
+            <a:schemeClr val="accent1">
+              <a:shade val="15000"/>
+            </a:schemeClr>
+          </a:lnRef>
+          <a:fillRef idx="1">
+            <a:schemeClr val="accent1"/>
+          </a:fillRef>
+          <a:effectRef idx="0">
+            <a:schemeClr val="accent1"/>
+          </a:effectRef>
+          <a:fontRef idx="minor">
+            <a:schemeClr val="lt1"/>
+          </a:fontRef>
+        </p:style>
+        <p:txBody>
+          <a:bodyPr rtlCol="0" anchor="ctr"/>
+          <a:lstStyle/>
+          <a:p>
+            <a:pPr algn="ctr"/>
+            <a:r>
+              <a:rPr lang="en-US" sz="1200" dirty="0">
+                <a:solidFill>
+                  <a:schemeClr val="tx1"/>
+                </a:solidFill>
+              </a:rPr>
+              <a:t>Number</a:t>
+            </a:r>
+          </a:p>
+        </p:txBody>
+      </p:sp>
+      <p:sp>
+        <p:nvSpPr>
+          <p:cNvPr id="33" name="Rectangle 32">
+            <a:extLst>
+              <a:ext uri="{FF2B5EF4-FFF2-40B4-BE49-F238E27FC236}">
+                <a16:creationId xmlns:a16="http://schemas.microsoft.com/office/drawing/2014/main" id="{FBA0BBC8-98FB-E43D-113A-1B8E0A7030BA}"/>
+              </a:ext>
+            </a:extLst>
+          </p:cNvPr>
+          <p:cNvSpPr/>
+          <p:nvPr/>
+        </p:nvSpPr>
+        <p:spPr>
+          <a:xfrm>
+            <a:off x="4363578" y="2621202"/>
+            <a:ext cx="1150254" cy="240020"/>
+          </a:xfrm>
+          <a:prstGeom prst="rect">
+            <a:avLst/>
+          </a:prstGeom>
+          <a:solidFill>
+            <a:schemeClr val="tx2">
+              <a:lumMod val="25000"/>
+              <a:lumOff val="75000"/>
+            </a:schemeClr>
+          </a:solidFill>
+        </p:spPr>
+        <p:style>
+          <a:lnRef idx="2">
+            <a:schemeClr val="accent1">
+              <a:shade val="15000"/>
+            </a:schemeClr>
+          </a:lnRef>
+          <a:fillRef idx="1">
+            <a:schemeClr val="accent1"/>
+          </a:fillRef>
+          <a:effectRef idx="0">
+            <a:schemeClr val="accent1"/>
+          </a:effectRef>
+          <a:fontRef idx="minor">
+            <a:schemeClr val="lt1"/>
+          </a:fontRef>
+        </p:style>
+        <p:txBody>
+          <a:bodyPr rtlCol="0" anchor="ctr"/>
+          <a:lstStyle/>
+          <a:p>
+            <a:pPr algn="ctr"/>
+            <a:r>
+              <a:rPr lang="en-US" sz="1200" dirty="0">
+                <a:solidFill>
+                  <a:schemeClr val="tx1"/>
+                </a:solidFill>
+              </a:rPr>
+              <a:t>Digit</a:t>
+            </a:r>
+          </a:p>
+        </p:txBody>
+      </p:sp>
+      <p:cxnSp>
+        <p:nvCxnSpPr>
+          <p:cNvPr id="43" name="Connector: Elbow 42">
+            <a:extLst>
+              <a:ext uri="{FF2B5EF4-FFF2-40B4-BE49-F238E27FC236}">
+                <a16:creationId xmlns:a16="http://schemas.microsoft.com/office/drawing/2014/main" id="{62370DF2-4917-92D4-BCB0-97B9C1A8966D}"/>
+              </a:ext>
+            </a:extLst>
+          </p:cNvPr>
+          <p:cNvCxnSpPr>
+            <a:cxnSpLocks/>
+            <a:stCxn id="35" idx="3"/>
+            <a:endCxn id="6" idx="1"/>
+          </p:cNvCxnSpPr>
+          <p:nvPr/>
+        </p:nvCxnSpPr>
+        <p:spPr>
+          <a:xfrm flipV="1">
+            <a:off x="3049485" y="3310713"/>
+            <a:ext cx="1014423" cy="201271"/>
+          </a:xfrm>
+          <a:prstGeom prst="bentConnector3">
+            <a:avLst>
+              <a:gd name="adj1" fmla="val 50000"/>
+            </a:avLst>
+          </a:prstGeom>
+          <a:ln>
+            <a:solidFill>
+              <a:srgbClr val="FF0000"/>
+            </a:solidFill>
+            <a:tailEnd type="triangle"/>
+          </a:ln>
+        </p:spPr>
+        <p:style>
+          <a:lnRef idx="2">
+            <a:schemeClr val="accent1"/>
+          </a:lnRef>
+          <a:fillRef idx="0">
+            <a:schemeClr val="accent1"/>
+          </a:fillRef>
+          <a:effectRef idx="1">
+            <a:schemeClr val="accent1"/>
+          </a:effectRef>
+          <a:fontRef idx="minor">
+            <a:schemeClr val="tx1"/>
+          </a:fontRef>
+        </p:style>
+      </p:cxnSp>
+      <p:cxnSp>
+        <p:nvCxnSpPr>
+          <p:cNvPr id="48" name="Connector: Elbow 47">
+            <a:extLst>
+              <a:ext uri="{FF2B5EF4-FFF2-40B4-BE49-F238E27FC236}">
+                <a16:creationId xmlns:a16="http://schemas.microsoft.com/office/drawing/2014/main" id="{9CAEA47A-B9AF-4D41-CE88-83BD403BA953}"/>
+              </a:ext>
+            </a:extLst>
+          </p:cNvPr>
+          <p:cNvCxnSpPr>
+            <a:cxnSpLocks/>
+            <a:stCxn id="36" idx="3"/>
+            <a:endCxn id="6" idx="1"/>
+          </p:cNvCxnSpPr>
+          <p:nvPr/>
+        </p:nvCxnSpPr>
+        <p:spPr>
+          <a:xfrm flipV="1">
+            <a:off x="3049485" y="3310713"/>
+            <a:ext cx="1014423" cy="574025"/>
+          </a:xfrm>
+          <a:prstGeom prst="bentConnector3">
+            <a:avLst>
+              <a:gd name="adj1" fmla="val 50000"/>
+            </a:avLst>
+          </a:prstGeom>
+          <a:ln>
+            <a:solidFill>
+              <a:srgbClr val="FF0000"/>
+            </a:solidFill>
+            <a:tailEnd type="triangle"/>
+          </a:ln>
+        </p:spPr>
+        <p:style>
+          <a:lnRef idx="2">
+            <a:schemeClr val="accent1"/>
+          </a:lnRef>
+          <a:fillRef idx="0">
+            <a:schemeClr val="accent1"/>
+          </a:fillRef>
+          <a:effectRef idx="1">
+            <a:schemeClr val="accent1"/>
+          </a:effectRef>
+          <a:fontRef idx="minor">
+            <a:schemeClr val="tx1"/>
+          </a:fontRef>
+        </p:style>
+      </p:cxnSp>
+      <p:sp>
+        <p:nvSpPr>
+          <p:cNvPr id="52" name="Rectangle 51">
+            <a:extLst>
+              <a:ext uri="{FF2B5EF4-FFF2-40B4-BE49-F238E27FC236}">
+                <a16:creationId xmlns:a16="http://schemas.microsoft.com/office/drawing/2014/main" id="{30AC2E81-E570-FA3E-2E45-E9D15D6F7015}"/>
+              </a:ext>
+            </a:extLst>
+          </p:cNvPr>
+          <p:cNvSpPr/>
+          <p:nvPr/>
+        </p:nvSpPr>
+        <p:spPr>
+          <a:xfrm>
+            <a:off x="1369773" y="4818704"/>
+            <a:ext cx="1150254" cy="240020"/>
+          </a:xfrm>
+          <a:prstGeom prst="rect">
+            <a:avLst/>
+          </a:prstGeom>
+          <a:solidFill>
+            <a:schemeClr val="tx2">
+              <a:lumMod val="25000"/>
+              <a:lumOff val="75000"/>
+            </a:schemeClr>
+          </a:solidFill>
+        </p:spPr>
+        <p:style>
+          <a:lnRef idx="2">
+            <a:schemeClr val="accent1">
+              <a:shade val="15000"/>
+            </a:schemeClr>
+          </a:lnRef>
+          <a:fillRef idx="1">
+            <a:schemeClr val="accent1"/>
+          </a:fillRef>
+          <a:effectRef idx="0">
+            <a:schemeClr val="accent1"/>
+          </a:effectRef>
+          <a:fontRef idx="minor">
+            <a:schemeClr val="lt1"/>
+          </a:fontRef>
+        </p:style>
+        <p:txBody>
+          <a:bodyPr rtlCol="0" anchor="ctr"/>
+          <a:lstStyle/>
+          <a:p>
+            <a:pPr algn="ctr"/>
+            <a:r>
+              <a:rPr lang="en-US" sz="1200" dirty="0">
+                <a:solidFill>
+                  <a:schemeClr val="tx1"/>
+                </a:solidFill>
+              </a:rPr>
+              <a:t>10</a:t>
+            </a:r>
+          </a:p>
+        </p:txBody>
+      </p:sp>
+      <p:sp>
+        <p:nvSpPr>
+          <p:cNvPr id="54" name="Rectangle 53">
+            <a:extLst>
+              <a:ext uri="{FF2B5EF4-FFF2-40B4-BE49-F238E27FC236}">
+                <a16:creationId xmlns:a16="http://schemas.microsoft.com/office/drawing/2014/main" id="{87C15ACD-CE94-0D2C-97AA-5F0FE879DE30}"/>
+              </a:ext>
+            </a:extLst>
+          </p:cNvPr>
+          <p:cNvSpPr/>
+          <p:nvPr/>
+        </p:nvSpPr>
+        <p:spPr>
+          <a:xfrm>
+            <a:off x="4374204" y="4935023"/>
+            <a:ext cx="1150254" cy="240020"/>
+          </a:xfrm>
+          <a:prstGeom prst="rect">
+            <a:avLst/>
+          </a:prstGeom>
+          <a:solidFill>
+            <a:schemeClr val="tx2">
+              <a:lumMod val="25000"/>
+              <a:lumOff val="75000"/>
+            </a:schemeClr>
+          </a:solidFill>
+        </p:spPr>
+        <p:style>
+          <a:lnRef idx="2">
+            <a:schemeClr val="accent1">
+              <a:shade val="15000"/>
+            </a:schemeClr>
+          </a:lnRef>
+          <a:fillRef idx="1">
+            <a:schemeClr val="accent1"/>
+          </a:fillRef>
+          <a:effectRef idx="0">
+            <a:schemeClr val="accent1"/>
+          </a:effectRef>
+          <a:fontRef idx="minor">
+            <a:schemeClr val="lt1"/>
+          </a:fontRef>
+        </p:style>
+        <p:txBody>
+          <a:bodyPr rtlCol="0" anchor="ctr"/>
+          <a:lstStyle/>
+          <a:p>
+            <a:pPr algn="ctr"/>
+            <a:r>
+              <a:rPr lang="en-US" sz="1200" dirty="0">
+                <a:solidFill>
+                  <a:schemeClr val="tx1"/>
+                </a:solidFill>
+              </a:rPr>
+              <a:t>0</a:t>
+            </a:r>
+          </a:p>
+        </p:txBody>
+      </p:sp>
+      <p:sp>
+        <p:nvSpPr>
+          <p:cNvPr id="55" name="Rectangle 54">
+            <a:extLst>
+              <a:ext uri="{FF2B5EF4-FFF2-40B4-BE49-F238E27FC236}">
+                <a16:creationId xmlns:a16="http://schemas.microsoft.com/office/drawing/2014/main" id="{28F14676-824C-E0BB-B5A9-7C0F35AF4B59}"/>
+              </a:ext>
+            </a:extLst>
+          </p:cNvPr>
+          <p:cNvSpPr/>
+          <p:nvPr/>
+        </p:nvSpPr>
+        <p:spPr>
+          <a:xfrm>
+            <a:off x="6490571" y="4969070"/>
+            <a:ext cx="1150254" cy="240020"/>
+          </a:xfrm>
+          <a:prstGeom prst="rect">
+            <a:avLst/>
+          </a:prstGeom>
+          <a:solidFill>
+            <a:schemeClr val="tx2">
+              <a:lumMod val="25000"/>
+              <a:lumOff val="75000"/>
+            </a:schemeClr>
+          </a:solidFill>
+        </p:spPr>
+        <p:style>
+          <a:lnRef idx="2">
+            <a:schemeClr val="accent1">
+              <a:shade val="15000"/>
+            </a:schemeClr>
+          </a:lnRef>
+          <a:fillRef idx="1">
+            <a:schemeClr val="accent1"/>
+          </a:fillRef>
+          <a:effectRef idx="0">
+            <a:schemeClr val="accent1"/>
+          </a:effectRef>
+          <a:fontRef idx="minor">
+            <a:schemeClr val="lt1"/>
+          </a:fontRef>
+        </p:style>
+        <p:txBody>
+          <a:bodyPr rtlCol="0" anchor="ctr"/>
+          <a:lstStyle/>
+          <a:p>
+            <a:pPr algn="ctr"/>
+            <a:r>
+              <a:rPr lang="en-US" sz="1200" dirty="0">
+                <a:solidFill>
+                  <a:schemeClr val="tx1"/>
+                </a:solidFill>
+              </a:rPr>
+              <a:t>1</a:t>
+            </a:r>
+          </a:p>
+        </p:txBody>
+      </p:sp>
+      <p:sp>
+        <p:nvSpPr>
+          <p:cNvPr id="56" name="Rectangle 55">
+            <a:extLst>
+              <a:ext uri="{FF2B5EF4-FFF2-40B4-BE49-F238E27FC236}">
+                <a16:creationId xmlns:a16="http://schemas.microsoft.com/office/drawing/2014/main" id="{3E99A7A2-286D-4207-3FCF-50E3E5F9D7E1}"/>
+              </a:ext>
+            </a:extLst>
+          </p:cNvPr>
+          <p:cNvSpPr/>
+          <p:nvPr/>
+        </p:nvSpPr>
+        <p:spPr>
+          <a:xfrm>
+            <a:off x="8607364" y="4965674"/>
+            <a:ext cx="1150254" cy="240020"/>
+          </a:xfrm>
+          <a:prstGeom prst="rect">
+            <a:avLst/>
+          </a:prstGeom>
+          <a:solidFill>
+            <a:schemeClr val="tx2">
+              <a:lumMod val="25000"/>
+              <a:lumOff val="75000"/>
+            </a:schemeClr>
+          </a:solidFill>
+        </p:spPr>
+        <p:style>
+          <a:lnRef idx="2">
+            <a:schemeClr val="accent1">
+              <a:shade val="15000"/>
+            </a:schemeClr>
+          </a:lnRef>
+          <a:fillRef idx="1">
+            <a:schemeClr val="accent1"/>
+          </a:fillRef>
+          <a:effectRef idx="0">
+            <a:schemeClr val="accent1"/>
+          </a:effectRef>
+          <a:fontRef idx="minor">
+            <a:schemeClr val="lt1"/>
+          </a:fontRef>
+        </p:style>
+        <p:txBody>
+          <a:bodyPr rtlCol="0" anchor="ctr"/>
+          <a:lstStyle/>
+          <a:p>
+            <a:pPr algn="ctr"/>
+            <a:r>
+              <a:rPr lang="en-US" sz="1200" dirty="0">
+                <a:solidFill>
+                  <a:schemeClr val="tx1"/>
+                </a:solidFill>
+              </a:rPr>
+              <a:t>2</a:t>
+            </a:r>
+          </a:p>
+        </p:txBody>
+      </p:sp>
+      <p:sp>
+        <p:nvSpPr>
+          <p:cNvPr id="57" name="TextBox 56">
+            <a:extLst>
+              <a:ext uri="{FF2B5EF4-FFF2-40B4-BE49-F238E27FC236}">
+                <a16:creationId xmlns:a16="http://schemas.microsoft.com/office/drawing/2014/main" id="{DF6C3BBD-FC1B-99AA-6C26-31E4BA5C5753}"/>
+              </a:ext>
+            </a:extLst>
+          </p:cNvPr>
+          <p:cNvSpPr txBox="1"/>
+          <p:nvPr/>
+        </p:nvSpPr>
+        <p:spPr>
+          <a:xfrm>
+            <a:off x="849688" y="1690688"/>
+            <a:ext cx="5372817" cy="369332"/>
+          </a:xfrm>
+          <a:prstGeom prst="rect">
+            <a:avLst/>
+          </a:prstGeom>
+          <a:solidFill>
+            <a:srgbClr val="FF0000"/>
+          </a:solidFill>
+        </p:spPr>
+        <p:txBody>
+          <a:bodyPr wrap="none" rtlCol="0">
+            <a:spAutoFit/>
+          </a:bodyPr>
+          <a:lstStyle/>
+          <a:p>
+            <a:r>
+              <a:rPr lang="en-US" dirty="0"/>
+              <a:t>Should there be slots for before, after, above, below?</a:t>
+            </a:r>
+          </a:p>
+        </p:txBody>
+      </p:sp>
+    </p:spTree>
+    <p:extLst>
+      <p:ext uri="{BB962C8B-B14F-4D97-AF65-F5344CB8AC3E}">
+        <p14:creationId xmlns:p14="http://schemas.microsoft.com/office/powerpoint/2010/main" val="4101655502"/>
+      </p:ext>
+    </p:extLst>
+  </p:cSld>
+  <p:clrMapOvr>
+    <a:masterClrMapping/>
+  </p:clrMapOvr>
+</p:sld>
+</file>
+
+<file path=ppt/slides/slide2.xml><?xml version="1.0" encoding="utf-8"?>
+<p:sld xmlns:a="http://schemas.openxmlformats.org/drawingml/2006/main" xmlns:r="http://schemas.openxmlformats.org/officeDocument/2006/relationships" xmlns:p="http://schemas.openxmlformats.org/presentationml/2006/main">
+  <p:cSld>
+    <p:spTree>
+      <p:nvGrpSpPr>
+        <p:cNvPr id="1" name=""/>
+        <p:cNvGrpSpPr/>
+        <p:nvPr/>
+      </p:nvGrpSpPr>
+      <p:grpSpPr>
+        <a:xfrm>
+          <a:off x="0" y="0"/>
+          <a:ext cx="0" cy="0"/>
+          <a:chOff x="0" y="0"/>
+          <a:chExt cx="0" cy="0"/>
+        </a:xfrm>
+      </p:grpSpPr>
+      <p:sp>
+        <p:nvSpPr>
+          <p:cNvPr id="2" name="Title 1">
+            <a:extLst>
+              <a:ext uri="{FF2B5EF4-FFF2-40B4-BE49-F238E27FC236}">
+                <a16:creationId xmlns:a16="http://schemas.microsoft.com/office/drawing/2014/main" id="{D5C3E4B5-3228-19F5-7941-60E57A5E674E}"/>
+              </a:ext>
+            </a:extLst>
+          </p:cNvPr>
+          <p:cNvSpPr>
+            <a:spLocks noGrp="1"/>
+          </p:cNvSpPr>
+          <p:nvPr>
+            <p:ph type="title"/>
+          </p:nvPr>
+        </p:nvSpPr>
+        <p:spPr/>
+        <p:txBody>
+          <a:bodyPr/>
+          <a:lstStyle/>
+          <a:p>
+            <a:r>
+              <a:rPr lang="en-US" dirty="0"/>
+              <a:t>Problems with Transformers</a:t>
+            </a:r>
+          </a:p>
+        </p:txBody>
+      </p:sp>
+      <p:sp>
+        <p:nvSpPr>
+          <p:cNvPr id="3" name="Content Placeholder 2">
+            <a:extLst>
+              <a:ext uri="{FF2B5EF4-FFF2-40B4-BE49-F238E27FC236}">
+                <a16:creationId xmlns:a16="http://schemas.microsoft.com/office/drawing/2014/main" id="{7DFE6F38-D957-5BB6-41D2-69E52AE569C5}"/>
+              </a:ext>
+            </a:extLst>
+          </p:cNvPr>
+          <p:cNvSpPr>
+            <a:spLocks noGrp="1"/>
+          </p:cNvSpPr>
+          <p:nvPr>
+            <p:ph idx="1"/>
+          </p:nvPr>
+        </p:nvSpPr>
+        <p:spPr/>
+        <p:txBody>
+          <a:bodyPr/>
+          <a:lstStyle/>
+          <a:p>
+            <a:r>
+              <a:rPr lang="en-US" dirty="0"/>
+              <a:t>You train all at once. You do not incrementally add knowledge. You do not refine knowledge, e.g. going from letters to upper case and lower-case letters.</a:t>
+            </a:r>
+          </a:p>
+          <a:p>
+            <a:r>
+              <a:rPr lang="en-US" dirty="0"/>
+              <a:t>You cannot find knowledge. It is diffuse. Based on what I have read it is not even concentrated.</a:t>
+            </a:r>
+          </a:p>
+          <a:p>
+            <a:r>
+              <a:rPr lang="en-US" dirty="0"/>
+              <a:t>There is no explainability of how a </a:t>
+            </a:r>
+            <a:r>
+              <a:rPr lang="en-US" dirty="0" err="1"/>
+              <a:t>dcsion</a:t>
+            </a:r>
+            <a:r>
+              <a:rPr lang="en-US" dirty="0"/>
+              <a:t> is made.</a:t>
+            </a:r>
+          </a:p>
+          <a:p>
+            <a:r>
+              <a:rPr lang="en-US" dirty="0"/>
+              <a:t>Proposed alternative:</a:t>
+            </a:r>
+          </a:p>
+          <a:p>
+            <a:pPr lvl="1"/>
+            <a:r>
+              <a:rPr lang="en-US" dirty="0"/>
+              <a:t>Frames</a:t>
+            </a:r>
+          </a:p>
+          <a:p>
+            <a:pPr lvl="1"/>
+            <a:r>
+              <a:rPr lang="en-US" dirty="0"/>
+              <a:t>Frames created by transformers</a:t>
+            </a:r>
+          </a:p>
+          <a:p>
+            <a:pPr lvl="1"/>
+            <a:r>
+              <a:rPr lang="en-US" dirty="0"/>
+              <a:t>Frames curated by transformers as new </a:t>
+            </a:r>
+            <a:r>
+              <a:rPr lang="en-US"/>
+              <a:t>knowledge appears</a:t>
+            </a:r>
+            <a:endParaRPr lang="en-US" dirty="0"/>
+          </a:p>
+        </p:txBody>
+      </p:sp>
+    </p:spTree>
+    <p:extLst>
+      <p:ext uri="{BB962C8B-B14F-4D97-AF65-F5344CB8AC3E}">
+        <p14:creationId xmlns:p14="http://schemas.microsoft.com/office/powerpoint/2010/main" val="1671528951"/>
+      </p:ext>
+    </p:extLst>
+  </p:cSld>
+  <p:clrMapOvr>
+    <a:masterClrMapping/>
+  </p:clrMapOvr>
+</p:sld>
+</file>
+
+<file path=ppt/slides/slide20.xml><?xml version="1.0" encoding="utf-8"?>
 <p:sld xmlns:a="http://schemas.openxmlformats.org/drawingml/2006/main" xmlns:r="http://schemas.openxmlformats.org/officeDocument/2006/relationships" xmlns:p="http://schemas.openxmlformats.org/presentationml/2006/main">
   <p:cSld>
     <p:spTree>
@@ -23404,7 +28826,7 @@
 </p:sld>
 </file>
 
-<file path=ppt/slides/slide18.xml><?xml version="1.0" encoding="utf-8"?>
+<file path=ppt/slides/slide21.xml><?xml version="1.0" encoding="utf-8"?>
 <p:sld xmlns:a="http://schemas.openxmlformats.org/drawingml/2006/main" xmlns:r="http://schemas.openxmlformats.org/officeDocument/2006/relationships" xmlns:p="http://schemas.openxmlformats.org/presentationml/2006/main">
   <p:cSld>
     <p:bg>
@@ -23637,7 +29059,137 @@
 </p:sld>
 </file>
 
-<file path=ppt/slides/slide2.xml><?xml version="1.0" encoding="utf-8"?>
+<file path=ppt/slides/slide3.xml><?xml version="1.0" encoding="utf-8"?>
+<p:sld xmlns:a="http://schemas.openxmlformats.org/drawingml/2006/main" xmlns:r="http://schemas.openxmlformats.org/officeDocument/2006/relationships" xmlns:p="http://schemas.openxmlformats.org/presentationml/2006/main">
+  <p:cSld>
+    <p:spTree>
+      <p:nvGrpSpPr>
+        <p:cNvPr id="1" name="">
+          <a:extLst>
+            <a:ext uri="{FF2B5EF4-FFF2-40B4-BE49-F238E27FC236}">
+              <a16:creationId xmlns:a16="http://schemas.microsoft.com/office/drawing/2014/main" id="{460C6A2D-EE01-ACA5-98E8-E0A97AD70693}"/>
+            </a:ext>
+          </a:extLst>
+        </p:cNvPr>
+        <p:cNvGrpSpPr/>
+        <p:nvPr/>
+      </p:nvGrpSpPr>
+      <p:grpSpPr>
+        <a:xfrm>
+          <a:off x="0" y="0"/>
+          <a:ext cx="0" cy="0"/>
+          <a:chOff x="0" y="0"/>
+          <a:chExt cx="0" cy="0"/>
+        </a:xfrm>
+      </p:grpSpPr>
+      <p:sp>
+        <p:nvSpPr>
+          <p:cNvPr id="2" name="Title 1">
+            <a:extLst>
+              <a:ext uri="{FF2B5EF4-FFF2-40B4-BE49-F238E27FC236}">
+                <a16:creationId xmlns:a16="http://schemas.microsoft.com/office/drawing/2014/main" id="{A5DB7E0D-81AE-E585-A3B5-BE95C9EB7B0A}"/>
+              </a:ext>
+            </a:extLst>
+          </p:cNvPr>
+          <p:cNvSpPr>
+            <a:spLocks noGrp="1"/>
+          </p:cNvSpPr>
+          <p:nvPr>
+            <p:ph type="title"/>
+          </p:nvPr>
+        </p:nvSpPr>
+        <p:spPr/>
+        <p:txBody>
+          <a:bodyPr/>
+          <a:lstStyle/>
+          <a:p>
+            <a:r>
+              <a:rPr lang="en-US" dirty="0"/>
+              <a:t>Documents</a:t>
+            </a:r>
+          </a:p>
+        </p:txBody>
+      </p:sp>
+      <p:sp>
+        <p:nvSpPr>
+          <p:cNvPr id="3" name="Content Placeholder 2">
+            <a:extLst>
+              <a:ext uri="{FF2B5EF4-FFF2-40B4-BE49-F238E27FC236}">
+                <a16:creationId xmlns:a16="http://schemas.microsoft.com/office/drawing/2014/main" id="{71A8E195-E6CD-51AA-DE29-2AAD3EDEC4F3}"/>
+              </a:ext>
+            </a:extLst>
+          </p:cNvPr>
+          <p:cNvSpPr>
+            <a:spLocks noGrp="1"/>
+          </p:cNvSpPr>
+          <p:nvPr>
+            <p:ph idx="1"/>
+          </p:nvPr>
+        </p:nvSpPr>
+        <p:spPr/>
+        <p:txBody>
+          <a:bodyPr/>
+          <a:lstStyle/>
+          <a:p>
+            <a:r>
+              <a:rPr lang="en-US" dirty="0"/>
+              <a:t>Documents need to be (I need to get a source </a:t>
+            </a:r>
+            <a:r>
+              <a:rPr lang="en-US"/>
+              <a:t>for this)</a:t>
+            </a:r>
+            <a:endParaRPr lang="en-US" dirty="0"/>
+          </a:p>
+          <a:p>
+            <a:pPr lvl="1"/>
+            <a:r>
+              <a:rPr lang="en-US" dirty="0"/>
+              <a:t>Consistent</a:t>
+            </a:r>
+          </a:p>
+          <a:p>
+            <a:pPr lvl="1"/>
+            <a:r>
+              <a:rPr lang="en-US" dirty="0"/>
+              <a:t>Complete</a:t>
+            </a:r>
+          </a:p>
+          <a:p>
+            <a:pPr lvl="1"/>
+            <a:r>
+              <a:rPr lang="en-US" dirty="0"/>
+              <a:t>Correct</a:t>
+            </a:r>
+          </a:p>
+          <a:p>
+            <a:r>
+              <a:rPr lang="en-US" dirty="0"/>
+              <a:t>Knowing if a document is correct requires knowledge beyond the scope of the documents</a:t>
+            </a:r>
+          </a:p>
+          <a:p>
+            <a:r>
+              <a:rPr lang="en-US" dirty="0"/>
+              <a:t>Checking for Consistency and Completeness can be done within the scope of the document of documents</a:t>
+            </a:r>
+          </a:p>
+        </p:txBody>
+      </p:sp>
+    </p:spTree>
+    <p:extLst>
+      <p:ext uri="{BB962C8B-B14F-4D97-AF65-F5344CB8AC3E}">
+        <p14:creationId xmlns:p14="http://schemas.microsoft.com/office/powerpoint/2010/main" val="159367903"/>
+      </p:ext>
+    </p:extLst>
+  </p:cSld>
+  <p:clrMapOvr>
+    <a:masterClrMapping/>
+  </p:clrMapOvr>
+</p:sld>
+</file>
+
+<file path=ppt/slides/slide4.xml><?xml version="1.0" encoding="utf-8"?>
 <p:sld xmlns:a="http://schemas.openxmlformats.org/drawingml/2006/main" xmlns:r="http://schemas.openxmlformats.org/officeDocument/2006/relationships" xmlns:p="http://schemas.openxmlformats.org/presentationml/2006/main">
   <p:cSld>
     <p:spTree>
@@ -23659,130 +29211,6 @@
           <p:cNvPr id="2" name="Title 1">
             <a:extLst>
               <a:ext uri="{FF2B5EF4-FFF2-40B4-BE49-F238E27FC236}">
-                <a16:creationId xmlns:a16="http://schemas.microsoft.com/office/drawing/2014/main" id="{D5C3E4B5-3228-19F5-7941-60E57A5E674E}"/>
-              </a:ext>
-            </a:extLst>
-          </p:cNvPr>
-          <p:cNvSpPr>
-            <a:spLocks noGrp="1"/>
-          </p:cNvSpPr>
-          <p:nvPr>
-            <p:ph type="title"/>
-          </p:nvPr>
-        </p:nvSpPr>
-        <p:spPr/>
-        <p:txBody>
-          <a:bodyPr/>
-          <a:lstStyle/>
-          <a:p>
-            <a:r>
-              <a:rPr lang="en-US" dirty="0"/>
-              <a:t>Documents</a:t>
-            </a:r>
-          </a:p>
-        </p:txBody>
-      </p:sp>
-      <p:sp>
-        <p:nvSpPr>
-          <p:cNvPr id="3" name="Content Placeholder 2">
-            <a:extLst>
-              <a:ext uri="{FF2B5EF4-FFF2-40B4-BE49-F238E27FC236}">
-                <a16:creationId xmlns:a16="http://schemas.microsoft.com/office/drawing/2014/main" id="{7DFE6F38-D957-5BB6-41D2-69E52AE569C5}"/>
-              </a:ext>
-            </a:extLst>
-          </p:cNvPr>
-          <p:cNvSpPr>
-            <a:spLocks noGrp="1"/>
-          </p:cNvSpPr>
-          <p:nvPr>
-            <p:ph idx="1"/>
-          </p:nvPr>
-        </p:nvSpPr>
-        <p:spPr/>
-        <p:txBody>
-          <a:bodyPr/>
-          <a:lstStyle/>
-          <a:p>
-            <a:r>
-              <a:rPr lang="en-US" dirty="0"/>
-              <a:t>Documents need to be (I need to get a source </a:t>
-            </a:r>
-            <a:r>
-              <a:rPr lang="en-US"/>
-              <a:t>for this)</a:t>
-            </a:r>
-            <a:endParaRPr lang="en-US" dirty="0"/>
-          </a:p>
-          <a:p>
-            <a:pPr lvl="1"/>
-            <a:r>
-              <a:rPr lang="en-US" dirty="0"/>
-              <a:t>Consistent</a:t>
-            </a:r>
-          </a:p>
-          <a:p>
-            <a:pPr lvl="1"/>
-            <a:r>
-              <a:rPr lang="en-US" dirty="0"/>
-              <a:t>Complete</a:t>
-            </a:r>
-          </a:p>
-          <a:p>
-            <a:pPr lvl="1"/>
-            <a:r>
-              <a:rPr lang="en-US" dirty="0"/>
-              <a:t>Correct</a:t>
-            </a:r>
-          </a:p>
-          <a:p>
-            <a:r>
-              <a:rPr lang="en-US" dirty="0"/>
-              <a:t>Knowing if a document is correct requires knowledge beyond the scope of the documents</a:t>
-            </a:r>
-          </a:p>
-          <a:p>
-            <a:r>
-              <a:rPr lang="en-US" dirty="0"/>
-              <a:t>Checking for Consistency and Completeness can be done within the scope of the document of documents</a:t>
-            </a:r>
-          </a:p>
-        </p:txBody>
-      </p:sp>
-    </p:spTree>
-    <p:extLst>
-      <p:ext uri="{BB962C8B-B14F-4D97-AF65-F5344CB8AC3E}">
-        <p14:creationId xmlns:p14="http://schemas.microsoft.com/office/powerpoint/2010/main" val="1671528951"/>
-      </p:ext>
-    </p:extLst>
-  </p:cSld>
-  <p:clrMapOvr>
-    <a:masterClrMapping/>
-  </p:clrMapOvr>
-</p:sld>
-</file>
-
-<file path=ppt/slides/slide3.xml><?xml version="1.0" encoding="utf-8"?>
-<p:sld xmlns:a="http://schemas.openxmlformats.org/drawingml/2006/main" xmlns:r="http://schemas.openxmlformats.org/officeDocument/2006/relationships" xmlns:p="http://schemas.openxmlformats.org/presentationml/2006/main">
-  <p:cSld>
-    <p:spTree>
-      <p:nvGrpSpPr>
-        <p:cNvPr id="1" name=""/>
-        <p:cNvGrpSpPr/>
-        <p:nvPr/>
-      </p:nvGrpSpPr>
-      <p:grpSpPr>
-        <a:xfrm>
-          <a:off x="0" y="0"/>
-          <a:ext cx="0" cy="0"/>
-          <a:chOff x="0" y="0"/>
-          <a:chExt cx="0" cy="0"/>
-        </a:xfrm>
-      </p:grpSpPr>
-      <p:sp>
-        <p:nvSpPr>
-          <p:cNvPr id="2" name="Title 1">
-            <a:extLst>
-              <a:ext uri="{FF2B5EF4-FFF2-40B4-BE49-F238E27FC236}">
                 <a16:creationId xmlns:a16="http://schemas.microsoft.com/office/drawing/2014/main" id="{A6FB31D3-DAF7-0DE4-16C3-21619D9CD988}"/>
               </a:ext>
             </a:extLst>
@@ -23853,7 +29281,7 @@
 </p:sld>
 </file>
 
-<file path=ppt/slides/slide4.xml><?xml version="1.0" encoding="utf-8"?>
+<file path=ppt/slides/slide5.xml><?xml version="1.0" encoding="utf-8"?>
 <p:sld xmlns:a="http://schemas.openxmlformats.org/drawingml/2006/main" xmlns:r="http://schemas.openxmlformats.org/officeDocument/2006/relationships" xmlns:p="http://schemas.openxmlformats.org/presentationml/2006/main">
   <p:cSld>
     <p:bg>
@@ -25217,7 +30645,7 @@
 </p:sld>
 </file>
 
-<file path=ppt/slides/slide5.xml><?xml version="1.0" encoding="utf-8"?>
+<file path=ppt/slides/slide6.xml><?xml version="1.0" encoding="utf-8"?>
 <p:sld xmlns:a="http://schemas.openxmlformats.org/drawingml/2006/main" xmlns:r="http://schemas.openxmlformats.org/officeDocument/2006/relationships" xmlns:p="http://schemas.openxmlformats.org/presentationml/2006/main">
   <p:cSld>
     <p:bg>
@@ -25411,7 +30839,7 @@
 </p:sld>
 </file>
 
-<file path=ppt/slides/slide6.xml><?xml version="1.0" encoding="utf-8"?>
+<file path=ppt/slides/slide7.xml><?xml version="1.0" encoding="utf-8"?>
 <p:sld xmlns:a="http://schemas.openxmlformats.org/drawingml/2006/main" xmlns:r="http://schemas.openxmlformats.org/officeDocument/2006/relationships" xmlns:p="http://schemas.openxmlformats.org/presentationml/2006/main">
   <p:cSld>
     <p:bg>
@@ -26948,7 +32376,7 @@
 </p:sld>
 </file>
 
-<file path=ppt/slides/slide7.xml><?xml version="1.0" encoding="utf-8"?>
+<file path=ppt/slides/slide8.xml><?xml version="1.0" encoding="utf-8"?>
 <p:sld xmlns:a="http://schemas.openxmlformats.org/drawingml/2006/main" xmlns:r="http://schemas.openxmlformats.org/officeDocument/2006/relationships" xmlns:p="http://schemas.openxmlformats.org/presentationml/2006/main">
   <p:cSld>
     <p:bg>
@@ -27249,7 +32677,7 @@
 </p:sld>
 </file>
 
-<file path=ppt/slides/slide8.xml><?xml version="1.0" encoding="utf-8"?>
+<file path=ppt/slides/slide9.xml><?xml version="1.0" encoding="utf-8"?>
 <p:sld xmlns:a="http://schemas.openxmlformats.org/drawingml/2006/main" xmlns:r="http://schemas.openxmlformats.org/officeDocument/2006/relationships" xmlns:p="http://schemas.openxmlformats.org/presentationml/2006/main">
   <p:cSld>
     <p:bg>
@@ -27541,110 +32969,6 @@
     <p:extLst>
       <p:ext uri="{BB962C8B-B14F-4D97-AF65-F5344CB8AC3E}">
         <p14:creationId xmlns:p14="http://schemas.microsoft.com/office/powerpoint/2010/main" val="2787865017"/>
-      </p:ext>
-    </p:extLst>
-  </p:cSld>
-  <p:clrMapOvr>
-    <a:masterClrMapping/>
-  </p:clrMapOvr>
-</p:sld>
-</file>
-
-<file path=ppt/slides/slide9.xml><?xml version="1.0" encoding="utf-8"?>
-<p:sld xmlns:a="http://schemas.openxmlformats.org/drawingml/2006/main" xmlns:r="http://schemas.openxmlformats.org/officeDocument/2006/relationships" xmlns:p="http://schemas.openxmlformats.org/presentationml/2006/main">
-  <p:cSld>
-    <p:spTree>
-      <p:nvGrpSpPr>
-        <p:cNvPr id="1" name=""/>
-        <p:cNvGrpSpPr/>
-        <p:nvPr/>
-      </p:nvGrpSpPr>
-      <p:grpSpPr>
-        <a:xfrm>
-          <a:off x="0" y="0"/>
-          <a:ext cx="0" cy="0"/>
-          <a:chOff x="0" y="0"/>
-          <a:chExt cx="0" cy="0"/>
-        </a:xfrm>
-      </p:grpSpPr>
-      <p:sp>
-        <p:nvSpPr>
-          <p:cNvPr id="2" name="Title 1">
-            <a:extLst>
-              <a:ext uri="{FF2B5EF4-FFF2-40B4-BE49-F238E27FC236}">
-                <a16:creationId xmlns:a16="http://schemas.microsoft.com/office/drawing/2014/main" id="{05518600-07C4-C530-AB14-CFA7F5F61D44}"/>
-              </a:ext>
-            </a:extLst>
-          </p:cNvPr>
-          <p:cNvSpPr>
-            <a:spLocks noGrp="1"/>
-          </p:cNvSpPr>
-          <p:nvPr>
-            <p:ph type="title"/>
-          </p:nvPr>
-        </p:nvSpPr>
-        <p:spPr/>
-        <p:txBody>
-          <a:bodyPr/>
-          <a:lstStyle/>
-          <a:p>
-            <a:r>
-              <a:rPr lang="en-US" dirty="0"/>
-              <a:t>Why this architecture?</a:t>
-            </a:r>
-          </a:p>
-        </p:txBody>
-      </p:sp>
-      <p:sp>
-        <p:nvSpPr>
-          <p:cNvPr id="3" name="Content Placeholder 2">
-            <a:extLst>
-              <a:ext uri="{FF2B5EF4-FFF2-40B4-BE49-F238E27FC236}">
-                <a16:creationId xmlns:a16="http://schemas.microsoft.com/office/drawing/2014/main" id="{731D0C80-1F98-6308-71C6-A4C594871B14}"/>
-              </a:ext>
-            </a:extLst>
-          </p:cNvPr>
-          <p:cNvSpPr>
-            <a:spLocks noGrp="1"/>
-          </p:cNvSpPr>
-          <p:nvPr>
-            <p:ph idx="1"/>
-          </p:nvPr>
-        </p:nvSpPr>
-        <p:spPr/>
-        <p:txBody>
-          <a:bodyPr/>
-          <a:lstStyle/>
-          <a:p>
-            <a:r>
-              <a:rPr lang="en-US" dirty="0"/>
-              <a:t>Ability to assimilate new knowledge.</a:t>
-            </a:r>
-          </a:p>
-          <a:p>
-            <a:r>
-              <a:rPr lang="en-US" dirty="0"/>
-              <a:t>Ability to explain which memories were used to develop a response.</a:t>
-            </a:r>
-          </a:p>
-          <a:p>
-            <a:r>
-              <a:rPr lang="en-US" dirty="0"/>
-              <a:t>Ability to hold a conversation.</a:t>
-            </a:r>
-          </a:p>
-          <a:p>
-            <a:r>
-              <a:rPr lang="en-US" dirty="0"/>
-              <a:t>To have goals (in this case, know what slots can be in a frame and the percentage they are used, drives a goal to fill slots)</a:t>
-            </a:r>
-          </a:p>
-        </p:txBody>
-      </p:sp>
-    </p:spTree>
-    <p:extLst>
-      <p:ext uri="{BB962C8B-B14F-4D97-AF65-F5344CB8AC3E}">
-        <p14:creationId xmlns:p14="http://schemas.microsoft.com/office/powerpoint/2010/main" val="989151812"/>
       </p:ext>
     </p:extLst>
   </p:cSld>

--- a/Praxis/Identifying Inconsistencies and Incompleteness in Documents.pptx
+++ b/Praxis/Identifying Inconsistencies and Incompleteness in Documents.pptx
@@ -15409,7 +15409,7 @@
           <a:p>
             <a:fld id="{84D0E6BA-C896-4F66-AC39-BCF86AB0AE0D}" type="datetimeFigureOut">
               <a:rPr lang="en-US" smtClean="0"/>
-              <a:t>12/1/2024</a:t>
+              <a:t>12/9/2024</a:t>
             </a:fld>
             <a:endParaRPr lang="en-US"/>
           </a:p>
@@ -15607,7 +15607,7 @@
           <a:p>
             <a:fld id="{84D0E6BA-C896-4F66-AC39-BCF86AB0AE0D}" type="datetimeFigureOut">
               <a:rPr lang="en-US" smtClean="0"/>
-              <a:t>12/1/2024</a:t>
+              <a:t>12/9/2024</a:t>
             </a:fld>
             <a:endParaRPr lang="en-US"/>
           </a:p>
@@ -15815,7 +15815,7 @@
           <a:p>
             <a:fld id="{84D0E6BA-C896-4F66-AC39-BCF86AB0AE0D}" type="datetimeFigureOut">
               <a:rPr lang="en-US" smtClean="0"/>
-              <a:t>12/1/2024</a:t>
+              <a:t>12/9/2024</a:t>
             </a:fld>
             <a:endParaRPr lang="en-US"/>
           </a:p>
@@ -16013,7 +16013,7 @@
           <a:p>
             <a:fld id="{84D0E6BA-C896-4F66-AC39-BCF86AB0AE0D}" type="datetimeFigureOut">
               <a:rPr lang="en-US" smtClean="0"/>
-              <a:t>12/1/2024</a:t>
+              <a:t>12/9/2024</a:t>
             </a:fld>
             <a:endParaRPr lang="en-US"/>
           </a:p>
@@ -16288,7 +16288,7 @@
           <a:p>
             <a:fld id="{84D0E6BA-C896-4F66-AC39-BCF86AB0AE0D}" type="datetimeFigureOut">
               <a:rPr lang="en-US" smtClean="0"/>
-              <a:t>12/1/2024</a:t>
+              <a:t>12/9/2024</a:t>
             </a:fld>
             <a:endParaRPr lang="en-US"/>
           </a:p>
@@ -16553,7 +16553,7 @@
           <a:p>
             <a:fld id="{84D0E6BA-C896-4F66-AC39-BCF86AB0AE0D}" type="datetimeFigureOut">
               <a:rPr lang="en-US" smtClean="0"/>
-              <a:t>12/1/2024</a:t>
+              <a:t>12/9/2024</a:t>
             </a:fld>
             <a:endParaRPr lang="en-US"/>
           </a:p>
@@ -16965,7 +16965,7 @@
           <a:p>
             <a:fld id="{84D0E6BA-C896-4F66-AC39-BCF86AB0AE0D}" type="datetimeFigureOut">
               <a:rPr lang="en-US" smtClean="0"/>
-              <a:t>12/1/2024</a:t>
+              <a:t>12/9/2024</a:t>
             </a:fld>
             <a:endParaRPr lang="en-US"/>
           </a:p>
@@ -17106,7 +17106,7 @@
           <a:p>
             <a:fld id="{84D0E6BA-C896-4F66-AC39-BCF86AB0AE0D}" type="datetimeFigureOut">
               <a:rPr lang="en-US" smtClean="0"/>
-              <a:t>12/1/2024</a:t>
+              <a:t>12/9/2024</a:t>
             </a:fld>
             <a:endParaRPr lang="en-US"/>
           </a:p>
@@ -17219,7 +17219,7 @@
           <a:p>
             <a:fld id="{84D0E6BA-C896-4F66-AC39-BCF86AB0AE0D}" type="datetimeFigureOut">
               <a:rPr lang="en-US" smtClean="0"/>
-              <a:t>12/1/2024</a:t>
+              <a:t>12/9/2024</a:t>
             </a:fld>
             <a:endParaRPr lang="en-US"/>
           </a:p>
@@ -17530,7 +17530,7 @@
           <a:p>
             <a:fld id="{84D0E6BA-C896-4F66-AC39-BCF86AB0AE0D}" type="datetimeFigureOut">
               <a:rPr lang="en-US" smtClean="0"/>
-              <a:t>12/1/2024</a:t>
+              <a:t>12/9/2024</a:t>
             </a:fld>
             <a:endParaRPr lang="en-US"/>
           </a:p>
@@ -17818,7 +17818,7 @@
           <a:p>
             <a:fld id="{84D0E6BA-C896-4F66-AC39-BCF86AB0AE0D}" type="datetimeFigureOut">
               <a:rPr lang="en-US" smtClean="0"/>
-              <a:t>12/1/2024</a:t>
+              <a:t>12/9/2024</a:t>
             </a:fld>
             <a:endParaRPr lang="en-US"/>
           </a:p>
@@ -18059,7 +18059,7 @@
           <a:p>
             <a:fld id="{84D0E6BA-C896-4F66-AC39-BCF86AB0AE0D}" type="datetimeFigureOut">
               <a:rPr lang="en-US" smtClean="0"/>
-              <a:t>12/1/2024</a:t>
+              <a:t>12/9/2024</a:t>
             </a:fld>
             <a:endParaRPr lang="en-US"/>
           </a:p>
@@ -27653,7 +27653,7 @@
             </a:r>
             <a:r>
               <a:rPr lang="en-US" dirty="0" err="1"/>
-              <a:t>dcsion</a:t>
+              <a:t>decsion</a:t>
             </a:r>
             <a:r>
               <a:rPr lang="en-US" dirty="0"/>
@@ -27684,13 +27684,8 @@
             <a:pPr lvl="1"/>
             <a:r>
               <a:rPr lang="en-US" dirty="0"/>
-              <a:t>Frames curated by transformers as new </a:t>
+              <a:t>Frames curated by transformers as new knowledge appears</a:t>
             </a:r>
-            <a:r>
-              <a:rPr lang="en-US"/>
-              <a:t>knowledge appears</a:t>
-            </a:r>
-            <a:endParaRPr lang="en-US" dirty="0"/>
           </a:p>
         </p:txBody>
       </p:sp>
@@ -29000,13 +28995,8 @@
           <a:p>
             <a:r>
               <a:rPr lang="en-US" sz="2000" dirty="0"/>
-              <a:t>How do we address focus? A human only focuses on a small part of any </a:t>
+              <a:t>How do we address focus? A human only focuses on a small part of any visual scene.</a:t>
             </a:r>
-            <a:r>
-              <a:rPr lang="en-US" sz="2000"/>
-              <a:t>visual scene.</a:t>
-            </a:r>
-            <a:endParaRPr lang="en-US" sz="2000" dirty="0"/>
           </a:p>
         </p:txBody>
       </p:sp>
